--- a/chris pres.pptx
+++ b/chris pres.pptx
@@ -4,10 +4,15 @@
   <p:sldMasterIdLst>
     <p:sldMasterId id="2147483648" r:id="rId1"/>
   </p:sldMasterIdLst>
+  <p:notesMasterIdLst>
+    <p:notesMasterId r:id="rId7"/>
+  </p:notesMasterIdLst>
   <p:sldIdLst>
     <p:sldId id="256" r:id="rId2"/>
     <p:sldId id="257" r:id="rId3"/>
-    <p:sldId id="258" r:id="rId4"/>
+    <p:sldId id="259" r:id="rId4"/>
+    <p:sldId id="261" r:id="rId5"/>
+    <p:sldId id="263" r:id="rId6"/>
   </p:sldIdLst>
   <p:sldSz cx="12192000" cy="6858000"/>
   <p:notesSz cx="6858000" cy="9144000"/>
@@ -107,6 +112,524 @@
     </a:lvl9pPr>
   </p:defaultTextStyle>
 </p:presentation>
+</file>
+
+<file path=ppt/notesMasters/notesMaster1.xml><?xml version="1.0" encoding="utf-8"?>
+<p:notesMaster xmlns:a="http://schemas.openxmlformats.org/drawingml/2006/main" xmlns:r="http://schemas.openxmlformats.org/officeDocument/2006/relationships" xmlns:p="http://schemas.openxmlformats.org/presentationml/2006/main">
+  <p:cSld>
+    <p:bg>
+      <p:bgRef idx="1001">
+        <a:schemeClr val="bg1"/>
+      </p:bgRef>
+    </p:bg>
+    <p:spTree>
+      <p:nvGrpSpPr>
+        <p:cNvPr id="1" name=""/>
+        <p:cNvGrpSpPr/>
+        <p:nvPr/>
+      </p:nvGrpSpPr>
+      <p:grpSpPr>
+        <a:xfrm>
+          <a:off x="0" y="0"/>
+          <a:ext cx="0" cy="0"/>
+          <a:chOff x="0" y="0"/>
+          <a:chExt cx="0" cy="0"/>
+        </a:xfrm>
+      </p:grpSpPr>
+      <p:sp>
+        <p:nvSpPr>
+          <p:cNvPr id="2" name="Header Placeholder 1"/>
+          <p:cNvSpPr>
+            <a:spLocks noGrp="1"/>
+          </p:cNvSpPr>
+          <p:nvPr>
+            <p:ph type="hdr" sz="quarter"/>
+          </p:nvPr>
+        </p:nvSpPr>
+        <p:spPr>
+          <a:xfrm>
+            <a:off x="0" y="0"/>
+            <a:ext cx="2971800" cy="458788"/>
+          </a:xfrm>
+          <a:prstGeom prst="rect">
+            <a:avLst/>
+          </a:prstGeom>
+        </p:spPr>
+        <p:txBody>
+          <a:bodyPr vert="horz" lIns="91440" tIns="45720" rIns="91440" bIns="45720" rtlCol="0"/>
+          <a:lstStyle>
+            <a:lvl1pPr algn="l">
+              <a:defRPr sz="1200"/>
+            </a:lvl1pPr>
+          </a:lstStyle>
+          <a:p>
+            <a:endParaRPr lang="en-GB"/>
+          </a:p>
+        </p:txBody>
+      </p:sp>
+      <p:sp>
+        <p:nvSpPr>
+          <p:cNvPr id="3" name="Date Placeholder 2"/>
+          <p:cNvSpPr>
+            <a:spLocks noGrp="1"/>
+          </p:cNvSpPr>
+          <p:nvPr>
+            <p:ph type="dt" idx="1"/>
+          </p:nvPr>
+        </p:nvSpPr>
+        <p:spPr>
+          <a:xfrm>
+            <a:off x="3884613" y="0"/>
+            <a:ext cx="2971800" cy="458788"/>
+          </a:xfrm>
+          <a:prstGeom prst="rect">
+            <a:avLst/>
+          </a:prstGeom>
+        </p:spPr>
+        <p:txBody>
+          <a:bodyPr vert="horz" lIns="91440" tIns="45720" rIns="91440" bIns="45720" rtlCol="0"/>
+          <a:lstStyle>
+            <a:lvl1pPr algn="r">
+              <a:defRPr sz="1200"/>
+            </a:lvl1pPr>
+          </a:lstStyle>
+          <a:p>
+            <a:fld id="{0E41B2FF-49A4-4AB6-AFE8-12A8E45889FF}" type="datetimeFigureOut">
+              <a:rPr lang="en-GB" smtClean="0"/>
+              <a:t>16/02/2018</a:t>
+            </a:fld>
+            <a:endParaRPr lang="en-GB"/>
+          </a:p>
+        </p:txBody>
+      </p:sp>
+      <p:sp>
+        <p:nvSpPr>
+          <p:cNvPr id="4" name="Slide Image Placeholder 3"/>
+          <p:cNvSpPr>
+            <a:spLocks noGrp="1" noRot="1" noChangeAspect="1"/>
+          </p:cNvSpPr>
+          <p:nvPr>
+            <p:ph type="sldImg" idx="2"/>
+          </p:nvPr>
+        </p:nvSpPr>
+        <p:spPr>
+          <a:xfrm>
+            <a:off x="685800" y="1143000"/>
+            <a:ext cx="5486400" cy="3086100"/>
+          </a:xfrm>
+          <a:prstGeom prst="rect">
+            <a:avLst/>
+          </a:prstGeom>
+          <a:noFill/>
+          <a:ln w="12700">
+            <a:solidFill>
+              <a:prstClr val="black"/>
+            </a:solidFill>
+          </a:ln>
+        </p:spPr>
+        <p:txBody>
+          <a:bodyPr vert="horz" lIns="91440" tIns="45720" rIns="91440" bIns="45720" rtlCol="0" anchor="ctr"/>
+          <a:lstStyle/>
+          <a:p>
+            <a:endParaRPr lang="en-GB"/>
+          </a:p>
+        </p:txBody>
+      </p:sp>
+      <p:sp>
+        <p:nvSpPr>
+          <p:cNvPr id="5" name="Notes Placeholder 4"/>
+          <p:cNvSpPr>
+            <a:spLocks noGrp="1"/>
+          </p:cNvSpPr>
+          <p:nvPr>
+            <p:ph type="body" sz="quarter" idx="3"/>
+          </p:nvPr>
+        </p:nvSpPr>
+        <p:spPr>
+          <a:xfrm>
+            <a:off x="685800" y="4400550"/>
+            <a:ext cx="5486400" cy="3600450"/>
+          </a:xfrm>
+          <a:prstGeom prst="rect">
+            <a:avLst/>
+          </a:prstGeom>
+        </p:spPr>
+        <p:txBody>
+          <a:bodyPr vert="horz" lIns="91440" tIns="45720" rIns="91440" bIns="45720" rtlCol="0"/>
+          <a:lstStyle/>
+          <a:p>
+            <a:pPr lvl="0"/>
+            <a:r>
+              <a:rPr lang="en-US" smtClean="0"/>
+              <a:t>Click to edit Master text styles</a:t>
+            </a:r>
+          </a:p>
+          <a:p>
+            <a:pPr lvl="1"/>
+            <a:r>
+              <a:rPr lang="en-US" smtClean="0"/>
+              <a:t>Second level</a:t>
+            </a:r>
+          </a:p>
+          <a:p>
+            <a:pPr lvl="2"/>
+            <a:r>
+              <a:rPr lang="en-US" smtClean="0"/>
+              <a:t>Third level</a:t>
+            </a:r>
+          </a:p>
+          <a:p>
+            <a:pPr lvl="3"/>
+            <a:r>
+              <a:rPr lang="en-US" smtClean="0"/>
+              <a:t>Fourth level</a:t>
+            </a:r>
+          </a:p>
+          <a:p>
+            <a:pPr lvl="4"/>
+            <a:r>
+              <a:rPr lang="en-US" smtClean="0"/>
+              <a:t>Fifth level</a:t>
+            </a:r>
+            <a:endParaRPr lang="en-GB"/>
+          </a:p>
+        </p:txBody>
+      </p:sp>
+      <p:sp>
+        <p:nvSpPr>
+          <p:cNvPr id="6" name="Footer Placeholder 5"/>
+          <p:cNvSpPr>
+            <a:spLocks noGrp="1"/>
+          </p:cNvSpPr>
+          <p:nvPr>
+            <p:ph type="ftr" sz="quarter" idx="4"/>
+          </p:nvPr>
+        </p:nvSpPr>
+        <p:spPr>
+          <a:xfrm>
+            <a:off x="0" y="8685213"/>
+            <a:ext cx="2971800" cy="458787"/>
+          </a:xfrm>
+          <a:prstGeom prst="rect">
+            <a:avLst/>
+          </a:prstGeom>
+        </p:spPr>
+        <p:txBody>
+          <a:bodyPr vert="horz" lIns="91440" tIns="45720" rIns="91440" bIns="45720" rtlCol="0" anchor="b"/>
+          <a:lstStyle>
+            <a:lvl1pPr algn="l">
+              <a:defRPr sz="1200"/>
+            </a:lvl1pPr>
+          </a:lstStyle>
+          <a:p>
+            <a:endParaRPr lang="en-GB"/>
+          </a:p>
+        </p:txBody>
+      </p:sp>
+      <p:sp>
+        <p:nvSpPr>
+          <p:cNvPr id="7" name="Slide Number Placeholder 6"/>
+          <p:cNvSpPr>
+            <a:spLocks noGrp="1"/>
+          </p:cNvSpPr>
+          <p:nvPr>
+            <p:ph type="sldNum" sz="quarter" idx="5"/>
+          </p:nvPr>
+        </p:nvSpPr>
+        <p:spPr>
+          <a:xfrm>
+            <a:off x="3884613" y="8685213"/>
+            <a:ext cx="2971800" cy="458787"/>
+          </a:xfrm>
+          <a:prstGeom prst="rect">
+            <a:avLst/>
+          </a:prstGeom>
+        </p:spPr>
+        <p:txBody>
+          <a:bodyPr vert="horz" lIns="91440" tIns="45720" rIns="91440" bIns="45720" rtlCol="0" anchor="b"/>
+          <a:lstStyle>
+            <a:lvl1pPr algn="r">
+              <a:defRPr sz="1200"/>
+            </a:lvl1pPr>
+          </a:lstStyle>
+          <a:p>
+            <a:fld id="{64AD29AA-4481-42B7-B38B-EA3FD3355EA8}" type="slidenum">
+              <a:rPr lang="en-GB" smtClean="0"/>
+              <a:t>‹#›</a:t>
+            </a:fld>
+            <a:endParaRPr lang="en-GB"/>
+          </a:p>
+        </p:txBody>
+      </p:sp>
+    </p:spTree>
+    <p:extLst>
+      <p:ext uri="{BB962C8B-B14F-4D97-AF65-F5344CB8AC3E}">
+        <p14:creationId xmlns:p14="http://schemas.microsoft.com/office/powerpoint/2010/main" val="3789019162"/>
+      </p:ext>
+    </p:extLst>
+  </p:cSld>
+  <p:clrMap bg1="lt1" tx1="dk1" bg2="lt2" tx2="dk2" accent1="accent1" accent2="accent2" accent3="accent3" accent4="accent4" accent5="accent5" accent6="accent6" hlink="hlink" folHlink="folHlink"/>
+  <p:notesStyle>
+    <a:lvl1pPr marL="0" algn="l" defTabSz="914400" rtl="0" eaLnBrk="1" latinLnBrk="0" hangingPunct="1">
+      <a:defRPr sz="1200" kern="1200">
+        <a:solidFill>
+          <a:schemeClr val="tx1"/>
+        </a:solidFill>
+        <a:latin typeface="+mn-lt"/>
+        <a:ea typeface="+mn-ea"/>
+        <a:cs typeface="+mn-cs"/>
+      </a:defRPr>
+    </a:lvl1pPr>
+    <a:lvl2pPr marL="457200" algn="l" defTabSz="914400" rtl="0" eaLnBrk="1" latinLnBrk="0" hangingPunct="1">
+      <a:defRPr sz="1200" kern="1200">
+        <a:solidFill>
+          <a:schemeClr val="tx1"/>
+        </a:solidFill>
+        <a:latin typeface="+mn-lt"/>
+        <a:ea typeface="+mn-ea"/>
+        <a:cs typeface="+mn-cs"/>
+      </a:defRPr>
+    </a:lvl2pPr>
+    <a:lvl3pPr marL="914400" algn="l" defTabSz="914400" rtl="0" eaLnBrk="1" latinLnBrk="0" hangingPunct="1">
+      <a:defRPr sz="1200" kern="1200">
+        <a:solidFill>
+          <a:schemeClr val="tx1"/>
+        </a:solidFill>
+        <a:latin typeface="+mn-lt"/>
+        <a:ea typeface="+mn-ea"/>
+        <a:cs typeface="+mn-cs"/>
+      </a:defRPr>
+    </a:lvl3pPr>
+    <a:lvl4pPr marL="1371600" algn="l" defTabSz="914400" rtl="0" eaLnBrk="1" latinLnBrk="0" hangingPunct="1">
+      <a:defRPr sz="1200" kern="1200">
+        <a:solidFill>
+          <a:schemeClr val="tx1"/>
+        </a:solidFill>
+        <a:latin typeface="+mn-lt"/>
+        <a:ea typeface="+mn-ea"/>
+        <a:cs typeface="+mn-cs"/>
+      </a:defRPr>
+    </a:lvl4pPr>
+    <a:lvl5pPr marL="1828800" algn="l" defTabSz="914400" rtl="0" eaLnBrk="1" latinLnBrk="0" hangingPunct="1">
+      <a:defRPr sz="1200" kern="1200">
+        <a:solidFill>
+          <a:schemeClr val="tx1"/>
+        </a:solidFill>
+        <a:latin typeface="+mn-lt"/>
+        <a:ea typeface="+mn-ea"/>
+        <a:cs typeface="+mn-cs"/>
+      </a:defRPr>
+    </a:lvl5pPr>
+    <a:lvl6pPr marL="2286000" algn="l" defTabSz="914400" rtl="0" eaLnBrk="1" latinLnBrk="0" hangingPunct="1">
+      <a:defRPr sz="1200" kern="1200">
+        <a:solidFill>
+          <a:schemeClr val="tx1"/>
+        </a:solidFill>
+        <a:latin typeface="+mn-lt"/>
+        <a:ea typeface="+mn-ea"/>
+        <a:cs typeface="+mn-cs"/>
+      </a:defRPr>
+    </a:lvl6pPr>
+    <a:lvl7pPr marL="2743200" algn="l" defTabSz="914400" rtl="0" eaLnBrk="1" latinLnBrk="0" hangingPunct="1">
+      <a:defRPr sz="1200" kern="1200">
+        <a:solidFill>
+          <a:schemeClr val="tx1"/>
+        </a:solidFill>
+        <a:latin typeface="+mn-lt"/>
+        <a:ea typeface="+mn-ea"/>
+        <a:cs typeface="+mn-cs"/>
+      </a:defRPr>
+    </a:lvl7pPr>
+    <a:lvl8pPr marL="3200400" algn="l" defTabSz="914400" rtl="0" eaLnBrk="1" latinLnBrk="0" hangingPunct="1">
+      <a:defRPr sz="1200" kern="1200">
+        <a:solidFill>
+          <a:schemeClr val="tx1"/>
+        </a:solidFill>
+        <a:latin typeface="+mn-lt"/>
+        <a:ea typeface="+mn-ea"/>
+        <a:cs typeface="+mn-cs"/>
+      </a:defRPr>
+    </a:lvl8pPr>
+    <a:lvl9pPr marL="3657600" algn="l" defTabSz="914400" rtl="0" eaLnBrk="1" latinLnBrk="0" hangingPunct="1">
+      <a:defRPr sz="1200" kern="1200">
+        <a:solidFill>
+          <a:schemeClr val="tx1"/>
+        </a:solidFill>
+        <a:latin typeface="+mn-lt"/>
+        <a:ea typeface="+mn-ea"/>
+        <a:cs typeface="+mn-cs"/>
+      </a:defRPr>
+    </a:lvl9pPr>
+  </p:notesStyle>
+</p:notesMaster>
+</file>
+
+<file path=ppt/notesSlides/notesSlide1.xml><?xml version="1.0" encoding="utf-8"?>
+<p:notes xmlns:a="http://schemas.openxmlformats.org/drawingml/2006/main" xmlns:r="http://schemas.openxmlformats.org/officeDocument/2006/relationships" xmlns:p="http://schemas.openxmlformats.org/presentationml/2006/main">
+  <p:cSld>
+    <p:spTree>
+      <p:nvGrpSpPr>
+        <p:cNvPr id="1" name=""/>
+        <p:cNvGrpSpPr/>
+        <p:nvPr/>
+      </p:nvGrpSpPr>
+      <p:grpSpPr>
+        <a:xfrm>
+          <a:off x="0" y="0"/>
+          <a:ext cx="0" cy="0"/>
+          <a:chOff x="0" y="0"/>
+          <a:chExt cx="0" cy="0"/>
+        </a:xfrm>
+      </p:grpSpPr>
+      <p:sp>
+        <p:nvSpPr>
+          <p:cNvPr id="2" name="Slide Image Placeholder 1"/>
+          <p:cNvSpPr>
+            <a:spLocks noGrp="1" noRot="1" noChangeAspect="1"/>
+          </p:cNvSpPr>
+          <p:nvPr>
+            <p:ph type="sldImg"/>
+          </p:nvPr>
+        </p:nvSpPr>
+        <p:spPr/>
+      </p:sp>
+      <p:sp>
+        <p:nvSpPr>
+          <p:cNvPr id="3" name="Notes Placeholder 2"/>
+          <p:cNvSpPr>
+            <a:spLocks noGrp="1"/>
+          </p:cNvSpPr>
+          <p:nvPr>
+            <p:ph type="body" idx="1"/>
+          </p:nvPr>
+        </p:nvSpPr>
+        <p:spPr/>
+        <p:txBody>
+          <a:bodyPr/>
+          <a:lstStyle/>
+          <a:p>
+            <a:endParaRPr lang="en-GB" dirty="0"/>
+          </a:p>
+        </p:txBody>
+      </p:sp>
+      <p:sp>
+        <p:nvSpPr>
+          <p:cNvPr id="4" name="Slide Number Placeholder 3"/>
+          <p:cNvSpPr>
+            <a:spLocks noGrp="1"/>
+          </p:cNvSpPr>
+          <p:nvPr>
+            <p:ph type="sldNum" sz="quarter" idx="10"/>
+          </p:nvPr>
+        </p:nvSpPr>
+        <p:spPr/>
+        <p:txBody>
+          <a:bodyPr/>
+          <a:lstStyle/>
+          <a:p>
+            <a:fld id="{64AD29AA-4481-42B7-B38B-EA3FD3355EA8}" type="slidenum">
+              <a:rPr lang="en-GB" smtClean="0"/>
+              <a:t>4</a:t>
+            </a:fld>
+            <a:endParaRPr lang="en-GB"/>
+          </a:p>
+        </p:txBody>
+      </p:sp>
+    </p:spTree>
+    <p:extLst>
+      <p:ext uri="{BB962C8B-B14F-4D97-AF65-F5344CB8AC3E}">
+        <p14:creationId xmlns:p14="http://schemas.microsoft.com/office/powerpoint/2010/main" val="3748921159"/>
+      </p:ext>
+    </p:extLst>
+  </p:cSld>
+  <p:clrMapOvr>
+    <a:masterClrMapping/>
+  </p:clrMapOvr>
+</p:notes>
+</file>
+
+<file path=ppt/notesSlides/notesSlide2.xml><?xml version="1.0" encoding="utf-8"?>
+<p:notes xmlns:a="http://schemas.openxmlformats.org/drawingml/2006/main" xmlns:r="http://schemas.openxmlformats.org/officeDocument/2006/relationships" xmlns:p="http://schemas.openxmlformats.org/presentationml/2006/main">
+  <p:cSld>
+    <p:spTree>
+      <p:nvGrpSpPr>
+        <p:cNvPr id="1" name=""/>
+        <p:cNvGrpSpPr/>
+        <p:nvPr/>
+      </p:nvGrpSpPr>
+      <p:grpSpPr>
+        <a:xfrm>
+          <a:off x="0" y="0"/>
+          <a:ext cx="0" cy="0"/>
+          <a:chOff x="0" y="0"/>
+          <a:chExt cx="0" cy="0"/>
+        </a:xfrm>
+      </p:grpSpPr>
+      <p:sp>
+        <p:nvSpPr>
+          <p:cNvPr id="2" name="Slide Image Placeholder 1"/>
+          <p:cNvSpPr>
+            <a:spLocks noGrp="1" noRot="1" noChangeAspect="1"/>
+          </p:cNvSpPr>
+          <p:nvPr>
+            <p:ph type="sldImg"/>
+          </p:nvPr>
+        </p:nvSpPr>
+        <p:spPr/>
+      </p:sp>
+      <p:sp>
+        <p:nvSpPr>
+          <p:cNvPr id="3" name="Notes Placeholder 2"/>
+          <p:cNvSpPr>
+            <a:spLocks noGrp="1"/>
+          </p:cNvSpPr>
+          <p:nvPr>
+            <p:ph type="body" idx="1"/>
+          </p:nvPr>
+        </p:nvSpPr>
+        <p:spPr/>
+        <p:txBody>
+          <a:bodyPr/>
+          <a:lstStyle/>
+          <a:p>
+            <a:endParaRPr lang="en-GB" dirty="0"/>
+          </a:p>
+        </p:txBody>
+      </p:sp>
+      <p:sp>
+        <p:nvSpPr>
+          <p:cNvPr id="4" name="Slide Number Placeholder 3"/>
+          <p:cNvSpPr>
+            <a:spLocks noGrp="1"/>
+          </p:cNvSpPr>
+          <p:nvPr>
+            <p:ph type="sldNum" sz="quarter" idx="10"/>
+          </p:nvPr>
+        </p:nvSpPr>
+        <p:spPr/>
+        <p:txBody>
+          <a:bodyPr/>
+          <a:lstStyle/>
+          <a:p>
+            <a:fld id="{64AD29AA-4481-42B7-B38B-EA3FD3355EA8}" type="slidenum">
+              <a:rPr lang="en-GB" smtClean="0"/>
+              <a:t>5</a:t>
+            </a:fld>
+            <a:endParaRPr lang="en-GB"/>
+          </a:p>
+        </p:txBody>
+      </p:sp>
+    </p:spTree>
+    <p:extLst>
+      <p:ext uri="{BB962C8B-B14F-4D97-AF65-F5344CB8AC3E}">
+        <p14:creationId xmlns:p14="http://schemas.microsoft.com/office/powerpoint/2010/main" val="275389217"/>
+      </p:ext>
+    </p:extLst>
+  </p:cSld>
+  <p:clrMapOvr>
+    <a:masterClrMapping/>
+  </p:clrMapOvr>
+</p:notes>
 </file>
 
 <file path=ppt/slideLayouts/slideLayout1.xml><?xml version="1.0" encoding="utf-8"?>
@@ -3259,6 +3782,14 @@
 <file path=ppt/slides/slide3.xml><?xml version="1.0" encoding="utf-8"?>
 <p:sld xmlns:a="http://schemas.openxmlformats.org/drawingml/2006/main" xmlns:r="http://schemas.openxmlformats.org/officeDocument/2006/relationships" xmlns:p="http://schemas.openxmlformats.org/presentationml/2006/main">
   <p:cSld>
+    <p:bg>
+      <p:bgPr>
+        <a:solidFill>
+          <a:schemeClr val="tx1"/>
+        </a:solidFill>
+        <a:effectLst/>
+      </p:bgPr>
+    </p:bg>
     <p:spTree>
       <p:nvGrpSpPr>
         <p:cNvPr id="1" name=""/>
@@ -3273,48 +3804,1142 @@
           <a:chExt cx="0" cy="0"/>
         </a:xfrm>
       </p:grpSpPr>
-      <p:sp>
-        <p:nvSpPr>
-          <p:cNvPr id="2" name="Title 1"/>
-          <p:cNvSpPr>
-            <a:spLocks noGrp="1"/>
-          </p:cNvSpPr>
-          <p:nvPr>
-            <p:ph type="title"/>
-          </p:nvPr>
-        </p:nvSpPr>
-        <p:spPr/>
-        <p:txBody>
-          <a:bodyPr/>
-          <a:lstStyle/>
-          <a:p>
-            <a:endParaRPr lang="en-GB"/>
-          </a:p>
-        </p:txBody>
-      </p:sp>
-      <p:sp>
-        <p:nvSpPr>
-          <p:cNvPr id="3" name="Content Placeholder 2"/>
-          <p:cNvSpPr>
-            <a:spLocks noGrp="1"/>
-          </p:cNvSpPr>
-          <p:nvPr>
-            <p:ph idx="1"/>
-          </p:nvPr>
-        </p:nvSpPr>
-        <p:spPr/>
-        <p:txBody>
-          <a:bodyPr/>
-          <a:lstStyle/>
-          <a:p>
-            <a:endParaRPr lang="en-GB"/>
+      <p:pic>
+        <p:nvPicPr>
+          <p:cNvPr id="5" name="Picture 4"/>
+          <p:cNvPicPr>
+            <a:picLocks noChangeAspect="1"/>
+          </p:cNvPicPr>
+          <p:nvPr/>
+        </p:nvPicPr>
+        <p:blipFill rotWithShape="1">
+          <a:blip r:embed="rId2"/>
+          <a:srcRect l="15897" t="46864" r="37180" b="45562"/>
+          <a:stretch/>
+        </p:blipFill>
+        <p:spPr>
+          <a:xfrm>
+            <a:off x="7455877" y="211015"/>
+            <a:ext cx="4290646" cy="750277"/>
+          </a:xfrm>
+          <a:prstGeom prst="rect">
+            <a:avLst/>
+          </a:prstGeom>
+        </p:spPr>
+      </p:pic>
+      <p:sp>
+        <p:nvSpPr>
+          <p:cNvPr id="8" name="TextBox 7"/>
+          <p:cNvSpPr txBox="1"/>
+          <p:nvPr/>
+        </p:nvSpPr>
+        <p:spPr>
+          <a:xfrm>
+            <a:off x="761999" y="961292"/>
+            <a:ext cx="9061939" cy="5632311"/>
+          </a:xfrm>
+          <a:prstGeom prst="rect">
+            <a:avLst/>
+          </a:prstGeom>
+          <a:noFill/>
+        </p:spPr>
+        <p:txBody>
+          <a:bodyPr wrap="square" rtlCol="0">
+            <a:spAutoFit/>
+          </a:bodyPr>
+          <a:lstStyle/>
+          <a:p>
+            <a:r>
+              <a:rPr lang="en-GB" sz="3600" b="1" dirty="0" smtClean="0">
+                <a:solidFill>
+                  <a:schemeClr val="bg1"/>
+                </a:solidFill>
+                <a:latin typeface="Lucida Console" panose="020B0609040504020204" pitchFamily="49" charset="0"/>
+              </a:rPr>
+              <a:t>Specification</a:t>
+            </a:r>
+          </a:p>
+          <a:p>
+            <a:endParaRPr lang="en-GB" sz="3600" b="1" dirty="0" smtClean="0">
+              <a:solidFill>
+                <a:schemeClr val="bg1"/>
+              </a:solidFill>
+              <a:latin typeface="Lucida Console" panose="020B0609040504020204" pitchFamily="49" charset="0"/>
+            </a:endParaRPr>
+          </a:p>
+          <a:p>
+            <a:pPr marL="285750" indent="-285750">
+              <a:buFont typeface="Arial" panose="020B0604020202020204" pitchFamily="34" charset="0"/>
+              <a:buChar char="•"/>
+            </a:pPr>
+            <a:r>
+              <a:rPr lang="en-GB" sz="3600" dirty="0" smtClean="0">
+                <a:solidFill>
+                  <a:schemeClr val="bg1"/>
+                </a:solidFill>
+                <a:latin typeface="Lucida Console" panose="020B0609040504020204" pitchFamily="49" charset="0"/>
+              </a:rPr>
+              <a:t>Short story with multiple branches/outcomes</a:t>
+            </a:r>
+          </a:p>
+          <a:p>
+            <a:pPr marL="285750" indent="-285750">
+              <a:buFont typeface="Arial" panose="020B0604020202020204" pitchFamily="34" charset="0"/>
+              <a:buChar char="•"/>
+            </a:pPr>
+            <a:r>
+              <a:rPr lang="en-GB" sz="3600" dirty="0" smtClean="0">
+                <a:solidFill>
+                  <a:schemeClr val="bg1"/>
+                </a:solidFill>
+                <a:latin typeface="Lucida Console" panose="020B0609040504020204" pitchFamily="49" charset="0"/>
+              </a:rPr>
+              <a:t>Tracked user state.</a:t>
+            </a:r>
+          </a:p>
+          <a:p>
+            <a:pPr marL="285750" indent="-285750">
+              <a:buFont typeface="Arial" panose="020B0604020202020204" pitchFamily="34" charset="0"/>
+              <a:buChar char="•"/>
+            </a:pPr>
+            <a:r>
+              <a:rPr lang="en-GB" sz="3600" dirty="0" smtClean="0">
+                <a:solidFill>
+                  <a:schemeClr val="bg1"/>
+                </a:solidFill>
+                <a:latin typeface="Lucida Console" panose="020B0609040504020204" pitchFamily="49" charset="0"/>
+              </a:rPr>
+              <a:t>User accounts.</a:t>
+            </a:r>
+          </a:p>
+          <a:p>
+            <a:pPr marL="285750" indent="-285750">
+              <a:buFont typeface="Arial" panose="020B0604020202020204" pitchFamily="34" charset="0"/>
+              <a:buChar char="•"/>
+            </a:pPr>
+            <a:r>
+              <a:rPr lang="en-GB" sz="3600" dirty="0" smtClean="0">
+                <a:solidFill>
+                  <a:schemeClr val="bg1"/>
+                </a:solidFill>
+                <a:latin typeface="Lucida Console" panose="020B0609040504020204" pitchFamily="49" charset="0"/>
+              </a:rPr>
+              <a:t>State stored with accounts. </a:t>
+            </a:r>
+          </a:p>
+          <a:p>
+            <a:pPr marL="285750" indent="-285750">
+              <a:buFont typeface="Arial" panose="020B0604020202020204" pitchFamily="34" charset="0"/>
+              <a:buChar char="•"/>
+            </a:pPr>
+            <a:r>
+              <a:rPr lang="en-GB" sz="3600" dirty="0" smtClean="0">
+                <a:solidFill>
+                  <a:schemeClr val="bg1"/>
+                </a:solidFill>
+                <a:latin typeface="Lucida Console" panose="020B0609040504020204" pitchFamily="49" charset="0"/>
+              </a:rPr>
+              <a:t>Able to resume game.</a:t>
+            </a:r>
+          </a:p>
+          <a:p>
+            <a:pPr marL="285750" indent="-285750">
+              <a:buFont typeface="Arial" panose="020B0604020202020204" pitchFamily="34" charset="0"/>
+              <a:buChar char="•"/>
+            </a:pPr>
+            <a:r>
+              <a:rPr lang="en-GB" sz="3600" dirty="0" smtClean="0">
+                <a:solidFill>
+                  <a:schemeClr val="bg1"/>
+                </a:solidFill>
+                <a:latin typeface="Lucida Console" panose="020B0609040504020204" pitchFamily="49" charset="0"/>
+              </a:rPr>
+              <a:t>Track/show decisions made by </a:t>
+            </a:r>
+            <a:r>
+              <a:rPr lang="en-GB" sz="3600" dirty="0" err="1" smtClean="0">
+                <a:solidFill>
+                  <a:schemeClr val="bg1"/>
+                </a:solidFill>
+                <a:latin typeface="Lucida Console" panose="020B0609040504020204" pitchFamily="49" charset="0"/>
+              </a:rPr>
+              <a:t>userbase</a:t>
+            </a:r>
+            <a:r>
+              <a:rPr lang="en-GB" sz="3600" dirty="0" smtClean="0">
+                <a:solidFill>
+                  <a:schemeClr val="bg1"/>
+                </a:solidFill>
+                <a:latin typeface="Lucida Console" panose="020B0609040504020204" pitchFamily="49" charset="0"/>
+              </a:rPr>
+              <a:t>. </a:t>
+            </a:r>
           </a:p>
         </p:txBody>
       </p:sp>
     </p:spTree>
     <p:extLst>
       <p:ext uri="{BB962C8B-B14F-4D97-AF65-F5344CB8AC3E}">
-        <p14:creationId xmlns:p14="http://schemas.microsoft.com/office/powerpoint/2010/main" val="1298852665"/>
+        <p14:creationId xmlns:p14="http://schemas.microsoft.com/office/powerpoint/2010/main" val="3979922668"/>
+      </p:ext>
+    </p:extLst>
+  </p:cSld>
+  <p:clrMapOvr>
+    <a:masterClrMapping/>
+  </p:clrMapOvr>
+  <p:timing>
+    <p:tnLst>
+      <p:par>
+        <p:cTn id="1" dur="indefinite" restart="never" nodeType="tmRoot"/>
+      </p:par>
+    </p:tnLst>
+  </p:timing>
+</p:sld>
+</file>
+
+<file path=ppt/slides/slide4.xml><?xml version="1.0" encoding="utf-8"?>
+<p:sld xmlns:a="http://schemas.openxmlformats.org/drawingml/2006/main" xmlns:r="http://schemas.openxmlformats.org/officeDocument/2006/relationships" xmlns:p="http://schemas.openxmlformats.org/presentationml/2006/main">
+  <p:cSld>
+    <p:bg>
+      <p:bgPr>
+        <a:solidFill>
+          <a:schemeClr val="tx1"/>
+        </a:solidFill>
+        <a:effectLst/>
+      </p:bgPr>
+    </p:bg>
+    <p:spTree>
+      <p:nvGrpSpPr>
+        <p:cNvPr id="1" name=""/>
+        <p:cNvGrpSpPr/>
+        <p:nvPr/>
+      </p:nvGrpSpPr>
+      <p:grpSpPr>
+        <a:xfrm>
+          <a:off x="0" y="0"/>
+          <a:ext cx="0" cy="0"/>
+          <a:chOff x="0" y="0"/>
+          <a:chExt cx="0" cy="0"/>
+        </a:xfrm>
+      </p:grpSpPr>
+      <p:pic>
+        <p:nvPicPr>
+          <p:cNvPr id="5" name="Picture 4"/>
+          <p:cNvPicPr>
+            <a:picLocks noChangeAspect="1"/>
+          </p:cNvPicPr>
+          <p:nvPr/>
+        </p:nvPicPr>
+        <p:blipFill rotWithShape="1">
+          <a:blip r:embed="rId3"/>
+          <a:srcRect l="15897" t="46864" r="37180" b="45562"/>
+          <a:stretch/>
+        </p:blipFill>
+        <p:spPr>
+          <a:xfrm>
+            <a:off x="7455877" y="211015"/>
+            <a:ext cx="4290646" cy="750277"/>
+          </a:xfrm>
+          <a:prstGeom prst="rect">
+            <a:avLst/>
+          </a:prstGeom>
+        </p:spPr>
+      </p:pic>
+      <p:sp>
+        <p:nvSpPr>
+          <p:cNvPr id="3" name="TextBox 2"/>
+          <p:cNvSpPr txBox="1"/>
+          <p:nvPr/>
+        </p:nvSpPr>
+        <p:spPr>
+          <a:xfrm>
+            <a:off x="4009292" y="1500553"/>
+            <a:ext cx="1922585" cy="646331"/>
+          </a:xfrm>
+          <a:prstGeom prst="rect">
+            <a:avLst/>
+          </a:prstGeom>
+          <a:noFill/>
+          <a:ln>
+            <a:solidFill>
+              <a:schemeClr val="bg1"/>
+            </a:solidFill>
+          </a:ln>
+        </p:spPr>
+        <p:txBody>
+          <a:bodyPr wrap="square" rtlCol="0">
+            <a:spAutoFit/>
+          </a:bodyPr>
+          <a:lstStyle/>
+          <a:p>
+            <a:r>
+              <a:rPr lang="en-GB" dirty="0" smtClean="0">
+                <a:solidFill>
+                  <a:schemeClr val="bg1"/>
+                </a:solidFill>
+                <a:latin typeface="Lucida Console" panose="020B0609040504020204" pitchFamily="49" charset="0"/>
+              </a:rPr>
+              <a:t>Home Page(index)</a:t>
+            </a:r>
+            <a:endParaRPr lang="en-GB" dirty="0">
+              <a:solidFill>
+                <a:schemeClr val="bg1"/>
+              </a:solidFill>
+              <a:latin typeface="Lucida Console" panose="020B0609040504020204" pitchFamily="49" charset="0"/>
+            </a:endParaRPr>
+          </a:p>
+        </p:txBody>
+      </p:sp>
+      <p:sp>
+        <p:nvSpPr>
+          <p:cNvPr id="6" name="TextBox 5"/>
+          <p:cNvSpPr txBox="1"/>
+          <p:nvPr/>
+        </p:nvSpPr>
+        <p:spPr>
+          <a:xfrm>
+            <a:off x="4009291" y="3115434"/>
+            <a:ext cx="1922585" cy="369332"/>
+          </a:xfrm>
+          <a:prstGeom prst="rect">
+            <a:avLst/>
+          </a:prstGeom>
+          <a:noFill/>
+          <a:ln>
+            <a:solidFill>
+              <a:schemeClr val="bg1"/>
+            </a:solidFill>
+          </a:ln>
+        </p:spPr>
+        <p:txBody>
+          <a:bodyPr wrap="square" rtlCol="0">
+            <a:spAutoFit/>
+          </a:bodyPr>
+          <a:lstStyle/>
+          <a:p>
+            <a:r>
+              <a:rPr lang="en-GB" dirty="0" smtClean="0">
+                <a:solidFill>
+                  <a:schemeClr val="bg1"/>
+                </a:solidFill>
+                <a:latin typeface="Lucida Console" panose="020B0609040504020204" pitchFamily="49" charset="0"/>
+              </a:rPr>
+              <a:t>Help</a:t>
+            </a:r>
+            <a:endParaRPr lang="en-GB" dirty="0">
+              <a:solidFill>
+                <a:schemeClr val="bg1"/>
+              </a:solidFill>
+              <a:latin typeface="Lucida Console" panose="020B0609040504020204" pitchFamily="49" charset="0"/>
+            </a:endParaRPr>
+          </a:p>
+        </p:txBody>
+      </p:sp>
+      <p:sp>
+        <p:nvSpPr>
+          <p:cNvPr id="7" name="TextBox 6"/>
+          <p:cNvSpPr txBox="1"/>
+          <p:nvPr/>
+        </p:nvSpPr>
+        <p:spPr>
+          <a:xfrm>
+            <a:off x="7291754" y="3115434"/>
+            <a:ext cx="2508737" cy="369332"/>
+          </a:xfrm>
+          <a:prstGeom prst="rect">
+            <a:avLst/>
+          </a:prstGeom>
+          <a:noFill/>
+          <a:ln>
+            <a:solidFill>
+              <a:schemeClr val="bg1"/>
+            </a:solidFill>
+          </a:ln>
+        </p:spPr>
+        <p:txBody>
+          <a:bodyPr wrap="square" rtlCol="0">
+            <a:spAutoFit/>
+          </a:bodyPr>
+          <a:lstStyle/>
+          <a:p>
+            <a:r>
+              <a:rPr lang="en-GB" dirty="0" smtClean="0">
+                <a:solidFill>
+                  <a:schemeClr val="bg1"/>
+                </a:solidFill>
+                <a:latin typeface="Lucida Console" panose="020B0609040504020204" pitchFamily="49" charset="0"/>
+              </a:rPr>
+              <a:t>Stats (</a:t>
+            </a:r>
+            <a:r>
+              <a:rPr lang="en-GB" dirty="0" err="1" smtClean="0">
+                <a:solidFill>
+                  <a:schemeClr val="bg1"/>
+                </a:solidFill>
+                <a:latin typeface="Lucida Console" panose="020B0609040504020204" pitchFamily="49" charset="0"/>
+              </a:rPr>
+              <a:t>hivemind</a:t>
+            </a:r>
+            <a:r>
+              <a:rPr lang="en-GB" dirty="0" smtClean="0">
+                <a:solidFill>
+                  <a:schemeClr val="bg1"/>
+                </a:solidFill>
+                <a:latin typeface="Lucida Console" panose="020B0609040504020204" pitchFamily="49" charset="0"/>
+              </a:rPr>
+              <a:t>)</a:t>
+            </a:r>
+            <a:endParaRPr lang="en-GB" dirty="0">
+              <a:solidFill>
+                <a:schemeClr val="bg1"/>
+              </a:solidFill>
+              <a:latin typeface="Lucida Console" panose="020B0609040504020204" pitchFamily="49" charset="0"/>
+            </a:endParaRPr>
+          </a:p>
+        </p:txBody>
+      </p:sp>
+      <p:sp>
+        <p:nvSpPr>
+          <p:cNvPr id="9" name="TextBox 8"/>
+          <p:cNvSpPr txBox="1"/>
+          <p:nvPr/>
+        </p:nvSpPr>
+        <p:spPr>
+          <a:xfrm>
+            <a:off x="1043352" y="3115434"/>
+            <a:ext cx="1922585" cy="369332"/>
+          </a:xfrm>
+          <a:prstGeom prst="rect">
+            <a:avLst/>
+          </a:prstGeom>
+          <a:noFill/>
+          <a:ln>
+            <a:solidFill>
+              <a:schemeClr val="bg1"/>
+            </a:solidFill>
+          </a:ln>
+        </p:spPr>
+        <p:txBody>
+          <a:bodyPr wrap="square" rtlCol="0">
+            <a:spAutoFit/>
+          </a:bodyPr>
+          <a:lstStyle/>
+          <a:p>
+            <a:r>
+              <a:rPr lang="en-GB" dirty="0" smtClean="0">
+                <a:solidFill>
+                  <a:schemeClr val="bg1"/>
+                </a:solidFill>
+                <a:latin typeface="Lucida Console" panose="020B0609040504020204" pitchFamily="49" charset="0"/>
+              </a:rPr>
+              <a:t>Play</a:t>
+            </a:r>
+            <a:endParaRPr lang="en-GB" dirty="0">
+              <a:solidFill>
+                <a:schemeClr val="bg1"/>
+              </a:solidFill>
+              <a:latin typeface="Lucida Console" panose="020B0609040504020204" pitchFamily="49" charset="0"/>
+            </a:endParaRPr>
+          </a:p>
+        </p:txBody>
+      </p:sp>
+      <p:sp>
+        <p:nvSpPr>
+          <p:cNvPr id="10" name="TextBox 9"/>
+          <p:cNvSpPr txBox="1"/>
+          <p:nvPr/>
+        </p:nvSpPr>
+        <p:spPr>
+          <a:xfrm>
+            <a:off x="6002215" y="4488594"/>
+            <a:ext cx="1922585" cy="646331"/>
+          </a:xfrm>
+          <a:prstGeom prst="rect">
+            <a:avLst/>
+          </a:prstGeom>
+          <a:noFill/>
+          <a:ln>
+            <a:solidFill>
+              <a:schemeClr val="bg1"/>
+            </a:solidFill>
+          </a:ln>
+        </p:spPr>
+        <p:txBody>
+          <a:bodyPr wrap="square" rtlCol="0">
+            <a:spAutoFit/>
+          </a:bodyPr>
+          <a:lstStyle/>
+          <a:p>
+            <a:r>
+              <a:rPr lang="en-GB" dirty="0" smtClean="0">
+                <a:solidFill>
+                  <a:schemeClr val="bg1"/>
+                </a:solidFill>
+                <a:latin typeface="Lucida Console" panose="020B0609040504020204" pitchFamily="49" charset="0"/>
+              </a:rPr>
+              <a:t>Hall of fame/shame</a:t>
+            </a:r>
+            <a:endParaRPr lang="en-GB" dirty="0">
+              <a:solidFill>
+                <a:schemeClr val="bg1"/>
+              </a:solidFill>
+              <a:latin typeface="Lucida Console" panose="020B0609040504020204" pitchFamily="49" charset="0"/>
+            </a:endParaRPr>
+          </a:p>
+        </p:txBody>
+      </p:sp>
+      <p:sp>
+        <p:nvSpPr>
+          <p:cNvPr id="11" name="TextBox 10"/>
+          <p:cNvSpPr txBox="1"/>
+          <p:nvPr/>
+        </p:nvSpPr>
+        <p:spPr>
+          <a:xfrm>
+            <a:off x="8452337" y="4488594"/>
+            <a:ext cx="2309448" cy="369332"/>
+          </a:xfrm>
+          <a:prstGeom prst="rect">
+            <a:avLst/>
+          </a:prstGeom>
+          <a:noFill/>
+          <a:ln>
+            <a:solidFill>
+              <a:schemeClr val="bg1"/>
+            </a:solidFill>
+          </a:ln>
+        </p:spPr>
+        <p:txBody>
+          <a:bodyPr wrap="square" rtlCol="0">
+            <a:spAutoFit/>
+          </a:bodyPr>
+          <a:lstStyle/>
+          <a:p>
+            <a:r>
+              <a:rPr lang="en-GB" dirty="0" err="1" smtClean="0">
+                <a:solidFill>
+                  <a:schemeClr val="bg1"/>
+                </a:solidFill>
+                <a:latin typeface="Lucida Console" panose="020B0609040504020204" pitchFamily="49" charset="0"/>
+              </a:rPr>
+              <a:t>Userbase</a:t>
+            </a:r>
+            <a:r>
+              <a:rPr lang="en-GB" dirty="0" smtClean="0">
+                <a:solidFill>
+                  <a:schemeClr val="bg1"/>
+                </a:solidFill>
+                <a:latin typeface="Lucida Console" panose="020B0609040504020204" pitchFamily="49" charset="0"/>
+              </a:rPr>
+              <a:t> Stats</a:t>
+            </a:r>
+            <a:endParaRPr lang="en-GB" dirty="0">
+              <a:solidFill>
+                <a:schemeClr val="bg1"/>
+              </a:solidFill>
+              <a:latin typeface="Lucida Console" panose="020B0609040504020204" pitchFamily="49" charset="0"/>
+            </a:endParaRPr>
+          </a:p>
+        </p:txBody>
+      </p:sp>
+      <p:cxnSp>
+        <p:nvCxnSpPr>
+          <p:cNvPr id="12" name="Straight Connector 11"/>
+          <p:cNvCxnSpPr/>
+          <p:nvPr/>
+        </p:nvCxnSpPr>
+        <p:spPr>
+          <a:xfrm flipH="1">
+            <a:off x="4858327" y="2130695"/>
+            <a:ext cx="18473" cy="667923"/>
+          </a:xfrm>
+          <a:prstGeom prst="line">
+            <a:avLst/>
+          </a:prstGeom>
+          <a:ln w="38100">
+            <a:solidFill>
+              <a:schemeClr val="bg1"/>
+            </a:solidFill>
+          </a:ln>
+        </p:spPr>
+        <p:style>
+          <a:lnRef idx="1">
+            <a:schemeClr val="accent1"/>
+          </a:lnRef>
+          <a:fillRef idx="0">
+            <a:schemeClr val="accent1"/>
+          </a:fillRef>
+          <a:effectRef idx="0">
+            <a:schemeClr val="accent1"/>
+          </a:effectRef>
+          <a:fontRef idx="minor">
+            <a:schemeClr val="tx1"/>
+          </a:fontRef>
+        </p:style>
+      </p:cxnSp>
+      <p:cxnSp>
+        <p:nvCxnSpPr>
+          <p:cNvPr id="16" name="Straight Connector 15"/>
+          <p:cNvCxnSpPr/>
+          <p:nvPr/>
+        </p:nvCxnSpPr>
+        <p:spPr>
+          <a:xfrm>
+            <a:off x="1754909" y="2761673"/>
+            <a:ext cx="6871855" cy="36945"/>
+          </a:xfrm>
+          <a:prstGeom prst="line">
+            <a:avLst/>
+          </a:prstGeom>
+          <a:ln w="38100">
+            <a:solidFill>
+              <a:schemeClr val="bg1"/>
+            </a:solidFill>
+          </a:ln>
+        </p:spPr>
+        <p:style>
+          <a:lnRef idx="1">
+            <a:schemeClr val="accent1"/>
+          </a:lnRef>
+          <a:fillRef idx="0">
+            <a:schemeClr val="accent1"/>
+          </a:fillRef>
+          <a:effectRef idx="0">
+            <a:schemeClr val="accent1"/>
+          </a:effectRef>
+          <a:fontRef idx="minor">
+            <a:schemeClr val="tx1"/>
+          </a:fontRef>
+        </p:style>
+      </p:cxnSp>
+      <p:cxnSp>
+        <p:nvCxnSpPr>
+          <p:cNvPr id="23" name="Straight Connector 22"/>
+          <p:cNvCxnSpPr/>
+          <p:nvPr/>
+        </p:nvCxnSpPr>
+        <p:spPr>
+          <a:xfrm>
+            <a:off x="1754909" y="2761673"/>
+            <a:ext cx="0" cy="353761"/>
+          </a:xfrm>
+          <a:prstGeom prst="line">
+            <a:avLst/>
+          </a:prstGeom>
+          <a:ln w="38100">
+            <a:solidFill>
+              <a:schemeClr val="bg1"/>
+            </a:solidFill>
+          </a:ln>
+        </p:spPr>
+        <p:style>
+          <a:lnRef idx="1">
+            <a:schemeClr val="accent1"/>
+          </a:lnRef>
+          <a:fillRef idx="0">
+            <a:schemeClr val="accent1"/>
+          </a:fillRef>
+          <a:effectRef idx="0">
+            <a:schemeClr val="accent1"/>
+          </a:effectRef>
+          <a:fontRef idx="minor">
+            <a:schemeClr val="tx1"/>
+          </a:fontRef>
+        </p:style>
+      </p:cxnSp>
+      <p:cxnSp>
+        <p:nvCxnSpPr>
+          <p:cNvPr id="27" name="Straight Connector 26"/>
+          <p:cNvCxnSpPr/>
+          <p:nvPr/>
+        </p:nvCxnSpPr>
+        <p:spPr>
+          <a:xfrm>
+            <a:off x="4858327" y="2761672"/>
+            <a:ext cx="0" cy="353761"/>
+          </a:xfrm>
+          <a:prstGeom prst="line">
+            <a:avLst/>
+          </a:prstGeom>
+          <a:ln w="38100">
+            <a:solidFill>
+              <a:schemeClr val="bg1"/>
+            </a:solidFill>
+          </a:ln>
+        </p:spPr>
+        <p:style>
+          <a:lnRef idx="1">
+            <a:schemeClr val="accent1"/>
+          </a:lnRef>
+          <a:fillRef idx="0">
+            <a:schemeClr val="accent1"/>
+          </a:fillRef>
+          <a:effectRef idx="0">
+            <a:schemeClr val="accent1"/>
+          </a:effectRef>
+          <a:fontRef idx="minor">
+            <a:schemeClr val="tx1"/>
+          </a:fontRef>
+        </p:style>
+      </p:cxnSp>
+      <p:cxnSp>
+        <p:nvCxnSpPr>
+          <p:cNvPr id="28" name="Straight Connector 27"/>
+          <p:cNvCxnSpPr/>
+          <p:nvPr/>
+        </p:nvCxnSpPr>
+        <p:spPr>
+          <a:xfrm>
+            <a:off x="8638771" y="2761672"/>
+            <a:ext cx="0" cy="353761"/>
+          </a:xfrm>
+          <a:prstGeom prst="line">
+            <a:avLst/>
+          </a:prstGeom>
+          <a:ln w="38100">
+            <a:solidFill>
+              <a:schemeClr val="bg1"/>
+            </a:solidFill>
+          </a:ln>
+        </p:spPr>
+        <p:style>
+          <a:lnRef idx="1">
+            <a:schemeClr val="accent1"/>
+          </a:lnRef>
+          <a:fillRef idx="0">
+            <a:schemeClr val="accent1"/>
+          </a:fillRef>
+          <a:effectRef idx="0">
+            <a:schemeClr val="accent1"/>
+          </a:effectRef>
+          <a:fontRef idx="minor">
+            <a:schemeClr val="tx1"/>
+          </a:fontRef>
+        </p:style>
+      </p:cxnSp>
+      <p:cxnSp>
+        <p:nvCxnSpPr>
+          <p:cNvPr id="29" name="Straight Connector 28"/>
+          <p:cNvCxnSpPr/>
+          <p:nvPr/>
+        </p:nvCxnSpPr>
+        <p:spPr>
+          <a:xfrm>
+            <a:off x="7455877" y="3484766"/>
+            <a:ext cx="0" cy="1003828"/>
+          </a:xfrm>
+          <a:prstGeom prst="line">
+            <a:avLst/>
+          </a:prstGeom>
+          <a:ln w="38100">
+            <a:solidFill>
+              <a:schemeClr val="bg1"/>
+            </a:solidFill>
+          </a:ln>
+        </p:spPr>
+        <p:style>
+          <a:lnRef idx="1">
+            <a:schemeClr val="accent1"/>
+          </a:lnRef>
+          <a:fillRef idx="0">
+            <a:schemeClr val="accent1"/>
+          </a:fillRef>
+          <a:effectRef idx="0">
+            <a:schemeClr val="accent1"/>
+          </a:effectRef>
+          <a:fontRef idx="minor">
+            <a:schemeClr val="tx1"/>
+          </a:fontRef>
+        </p:style>
+      </p:cxnSp>
+      <p:cxnSp>
+        <p:nvCxnSpPr>
+          <p:cNvPr id="33" name="Straight Connector 32"/>
+          <p:cNvCxnSpPr>
+            <a:endCxn id="11" idx="0"/>
+          </p:cNvCxnSpPr>
+          <p:nvPr/>
+        </p:nvCxnSpPr>
+        <p:spPr>
+          <a:xfrm>
+            <a:off x="9601200" y="3484766"/>
+            <a:ext cx="5861" cy="1003828"/>
+          </a:xfrm>
+          <a:prstGeom prst="line">
+            <a:avLst/>
+          </a:prstGeom>
+          <a:ln w="38100">
+            <a:solidFill>
+              <a:schemeClr val="bg1"/>
+            </a:solidFill>
+          </a:ln>
+        </p:spPr>
+        <p:style>
+          <a:lnRef idx="1">
+            <a:schemeClr val="accent1"/>
+          </a:lnRef>
+          <a:fillRef idx="0">
+            <a:schemeClr val="accent1"/>
+          </a:fillRef>
+          <a:effectRef idx="0">
+            <a:schemeClr val="accent1"/>
+          </a:effectRef>
+          <a:fontRef idx="minor">
+            <a:schemeClr val="tx1"/>
+          </a:fontRef>
+        </p:style>
+      </p:cxnSp>
+      <p:sp>
+        <p:nvSpPr>
+          <p:cNvPr id="35" name="TextBox 34"/>
+          <p:cNvSpPr txBox="1"/>
+          <p:nvPr/>
+        </p:nvSpPr>
+        <p:spPr>
+          <a:xfrm>
+            <a:off x="761999" y="961292"/>
+            <a:ext cx="9061939" cy="1200329"/>
+          </a:xfrm>
+          <a:prstGeom prst="rect">
+            <a:avLst/>
+          </a:prstGeom>
+          <a:noFill/>
+        </p:spPr>
+        <p:txBody>
+          <a:bodyPr wrap="square" rtlCol="0">
+            <a:spAutoFit/>
+          </a:bodyPr>
+          <a:lstStyle/>
+          <a:p>
+            <a:r>
+              <a:rPr lang="en-GB" sz="3600" b="1" dirty="0" smtClean="0">
+                <a:solidFill>
+                  <a:schemeClr val="bg1"/>
+                </a:solidFill>
+                <a:latin typeface="Lucida Console" panose="020B0609040504020204" pitchFamily="49" charset="0"/>
+              </a:rPr>
+              <a:t>Site Map</a:t>
+            </a:r>
+          </a:p>
+          <a:p>
+            <a:endParaRPr lang="en-GB" sz="3600" b="1" dirty="0" smtClean="0">
+              <a:solidFill>
+                <a:schemeClr val="bg1"/>
+              </a:solidFill>
+              <a:latin typeface="Lucida Console" panose="020B0609040504020204" pitchFamily="49" charset="0"/>
+            </a:endParaRPr>
+          </a:p>
+        </p:txBody>
+      </p:sp>
+    </p:spTree>
+    <p:extLst>
+      <p:ext uri="{BB962C8B-B14F-4D97-AF65-F5344CB8AC3E}">
+        <p14:creationId xmlns:p14="http://schemas.microsoft.com/office/powerpoint/2010/main" val="948690967"/>
+      </p:ext>
+    </p:extLst>
+  </p:cSld>
+  <p:clrMapOvr>
+    <a:masterClrMapping/>
+  </p:clrMapOvr>
+  <p:timing>
+    <p:tnLst>
+      <p:par>
+        <p:cTn id="1" dur="indefinite" restart="never" nodeType="tmRoot"/>
+      </p:par>
+    </p:tnLst>
+  </p:timing>
+</p:sld>
+</file>
+
+<file path=ppt/slides/slide5.xml><?xml version="1.0" encoding="utf-8"?>
+<p:sld xmlns:a="http://schemas.openxmlformats.org/drawingml/2006/main" xmlns:r="http://schemas.openxmlformats.org/officeDocument/2006/relationships" xmlns:p="http://schemas.openxmlformats.org/presentationml/2006/main">
+  <p:cSld>
+    <p:bg>
+      <p:bgPr>
+        <a:solidFill>
+          <a:schemeClr val="tx1"/>
+        </a:solidFill>
+        <a:effectLst/>
+      </p:bgPr>
+    </p:bg>
+    <p:spTree>
+      <p:nvGrpSpPr>
+        <p:cNvPr id="1" name=""/>
+        <p:cNvGrpSpPr/>
+        <p:nvPr/>
+      </p:nvGrpSpPr>
+      <p:grpSpPr>
+        <a:xfrm>
+          <a:off x="0" y="0"/>
+          <a:ext cx="0" cy="0"/>
+          <a:chOff x="0" y="0"/>
+          <a:chExt cx="0" cy="0"/>
+        </a:xfrm>
+      </p:grpSpPr>
+      <p:pic>
+        <p:nvPicPr>
+          <p:cNvPr id="5" name="Picture 4"/>
+          <p:cNvPicPr>
+            <a:picLocks noChangeAspect="1"/>
+          </p:cNvPicPr>
+          <p:nvPr/>
+        </p:nvPicPr>
+        <p:blipFill rotWithShape="1">
+          <a:blip r:embed="rId3"/>
+          <a:srcRect l="15897" t="46864" r="37180" b="45562"/>
+          <a:stretch/>
+        </p:blipFill>
+        <p:spPr>
+          <a:xfrm>
+            <a:off x="7455877" y="211015"/>
+            <a:ext cx="4290646" cy="750277"/>
+          </a:xfrm>
+          <a:prstGeom prst="rect">
+            <a:avLst/>
+          </a:prstGeom>
+        </p:spPr>
+      </p:pic>
+      <p:sp>
+        <p:nvSpPr>
+          <p:cNvPr id="35" name="TextBox 34"/>
+          <p:cNvSpPr txBox="1"/>
+          <p:nvPr/>
+        </p:nvSpPr>
+        <p:spPr>
+          <a:xfrm>
+            <a:off x="761999" y="961292"/>
+            <a:ext cx="9334501" cy="6186309"/>
+          </a:xfrm>
+          <a:prstGeom prst="rect">
+            <a:avLst/>
+          </a:prstGeom>
+          <a:noFill/>
+        </p:spPr>
+        <p:txBody>
+          <a:bodyPr wrap="square" rtlCol="0">
+            <a:spAutoFit/>
+          </a:bodyPr>
+          <a:lstStyle/>
+          <a:p>
+            <a:r>
+              <a:rPr lang="en-GB" sz="3600" b="1" dirty="0" smtClean="0">
+                <a:solidFill>
+                  <a:schemeClr val="bg1"/>
+                </a:solidFill>
+                <a:latin typeface="Lucida Console" panose="020B0609040504020204" pitchFamily="49" charset="0"/>
+              </a:rPr>
+              <a:t>Site URLs</a:t>
+            </a:r>
+          </a:p>
+          <a:p>
+            <a:endParaRPr lang="en-GB" sz="3600" b="1" dirty="0" smtClean="0">
+              <a:solidFill>
+                <a:schemeClr val="bg1"/>
+              </a:solidFill>
+              <a:latin typeface="Lucida Console" panose="020B0609040504020204" pitchFamily="49" charset="0"/>
+            </a:endParaRPr>
+          </a:p>
+          <a:p>
+            <a:pPr marL="571500" indent="-571500">
+              <a:buFont typeface="Arial" panose="020B0604020202020204" pitchFamily="34" charset="0"/>
+              <a:buChar char="•"/>
+            </a:pPr>
+            <a:r>
+              <a:rPr lang="en-GB" sz="3600" b="1" dirty="0" smtClean="0">
+                <a:solidFill>
+                  <a:schemeClr val="bg1"/>
+                </a:solidFill>
+                <a:latin typeface="Lucida Console" panose="020B0609040504020204" pitchFamily="49" charset="0"/>
+              </a:rPr>
+              <a:t>/home</a:t>
+            </a:r>
+          </a:p>
+          <a:p>
+            <a:pPr marL="571500" indent="-571500">
+              <a:buFont typeface="Arial" panose="020B0604020202020204" pitchFamily="34" charset="0"/>
+              <a:buChar char="•"/>
+            </a:pPr>
+            <a:r>
+              <a:rPr lang="en-GB" sz="3600" b="1" dirty="0" smtClean="0">
+                <a:solidFill>
+                  <a:schemeClr val="bg1"/>
+                </a:solidFill>
+                <a:latin typeface="Lucida Console" panose="020B0609040504020204" pitchFamily="49" charset="0"/>
+              </a:rPr>
+              <a:t>/help</a:t>
+            </a:r>
+          </a:p>
+          <a:p>
+            <a:pPr marL="571500" indent="-571500">
+              <a:buFont typeface="Arial" panose="020B0604020202020204" pitchFamily="34" charset="0"/>
+              <a:buChar char="•"/>
+            </a:pPr>
+            <a:r>
+              <a:rPr lang="en-GB" sz="3600" b="1" dirty="0" smtClean="0">
+                <a:solidFill>
+                  <a:schemeClr val="bg1"/>
+                </a:solidFill>
+                <a:latin typeface="Lucida Console" panose="020B0609040504020204" pitchFamily="49" charset="0"/>
+              </a:rPr>
+              <a:t>/</a:t>
+            </a:r>
+            <a:r>
+              <a:rPr lang="en-GB" sz="3600" b="1" dirty="0" err="1" smtClean="0">
+                <a:solidFill>
+                  <a:schemeClr val="bg1"/>
+                </a:solidFill>
+                <a:latin typeface="Lucida Console" panose="020B0609040504020204" pitchFamily="49" charset="0"/>
+              </a:rPr>
+              <a:t>hivemind</a:t>
+            </a:r>
+            <a:endParaRPr lang="en-GB" sz="3600" b="1" dirty="0" smtClean="0">
+              <a:solidFill>
+                <a:schemeClr val="bg1"/>
+              </a:solidFill>
+              <a:latin typeface="Lucida Console" panose="020B0609040504020204" pitchFamily="49" charset="0"/>
+            </a:endParaRPr>
+          </a:p>
+          <a:p>
+            <a:pPr marL="1028700" lvl="1" indent="-571500">
+              <a:buFont typeface="Arial" panose="020B0604020202020204" pitchFamily="34" charset="0"/>
+              <a:buChar char="•"/>
+            </a:pPr>
+            <a:r>
+              <a:rPr lang="en-GB" sz="3600" b="1" dirty="0" smtClean="0">
+                <a:solidFill>
+                  <a:schemeClr val="bg1"/>
+                </a:solidFill>
+                <a:latin typeface="Lucida Console" panose="020B0609040504020204" pitchFamily="49" charset="0"/>
+              </a:rPr>
+              <a:t>/</a:t>
+            </a:r>
+            <a:r>
+              <a:rPr lang="en-GB" sz="3600" b="1" dirty="0" err="1" smtClean="0">
+                <a:solidFill>
+                  <a:schemeClr val="bg1"/>
+                </a:solidFill>
+                <a:latin typeface="Lucida Console" panose="020B0609040504020204" pitchFamily="49" charset="0"/>
+              </a:rPr>
+              <a:t>hivemind</a:t>
+            </a:r>
+            <a:r>
+              <a:rPr lang="en-GB" sz="3600" b="1" dirty="0" smtClean="0">
+                <a:solidFill>
+                  <a:schemeClr val="bg1"/>
+                </a:solidFill>
+                <a:latin typeface="Lucida Console" panose="020B0609040504020204" pitchFamily="49" charset="0"/>
+              </a:rPr>
+              <a:t>/fame</a:t>
+            </a:r>
+          </a:p>
+          <a:p>
+            <a:pPr marL="1028700" lvl="1" indent="-571500">
+              <a:buFont typeface="Arial" panose="020B0604020202020204" pitchFamily="34" charset="0"/>
+              <a:buChar char="•"/>
+            </a:pPr>
+            <a:r>
+              <a:rPr lang="en-GB" sz="3600" b="1" dirty="0" smtClean="0">
+                <a:solidFill>
+                  <a:schemeClr val="bg1"/>
+                </a:solidFill>
+                <a:latin typeface="Lucida Console" panose="020B0609040504020204" pitchFamily="49" charset="0"/>
+              </a:rPr>
+              <a:t>/</a:t>
+            </a:r>
+            <a:r>
+              <a:rPr lang="en-GB" sz="3600" b="1" dirty="0" err="1" smtClean="0">
+                <a:solidFill>
+                  <a:schemeClr val="bg1"/>
+                </a:solidFill>
+                <a:latin typeface="Lucida Console" panose="020B0609040504020204" pitchFamily="49" charset="0"/>
+              </a:rPr>
+              <a:t>hivemind</a:t>
+            </a:r>
+            <a:r>
+              <a:rPr lang="en-GB" sz="3600" b="1" dirty="0" smtClean="0">
+                <a:solidFill>
+                  <a:schemeClr val="bg1"/>
+                </a:solidFill>
+                <a:latin typeface="Lucida Console" panose="020B0609040504020204" pitchFamily="49" charset="0"/>
+              </a:rPr>
+              <a:t>/consensus</a:t>
+            </a:r>
+          </a:p>
+          <a:p>
+            <a:pPr marL="571500" indent="-571500">
+              <a:buFont typeface="Arial" panose="020B0604020202020204" pitchFamily="34" charset="0"/>
+              <a:buChar char="•"/>
+            </a:pPr>
+            <a:r>
+              <a:rPr lang="en-GB" sz="3600" b="1" dirty="0" smtClean="0">
+                <a:solidFill>
+                  <a:schemeClr val="bg1"/>
+                </a:solidFill>
+                <a:latin typeface="Lucida Console" panose="020B0609040504020204" pitchFamily="49" charset="0"/>
+              </a:rPr>
+              <a:t>/login</a:t>
+            </a:r>
+          </a:p>
+          <a:p>
+            <a:pPr marL="1028700" lvl="1" indent="-571500">
+              <a:buFont typeface="Arial" panose="020B0604020202020204" pitchFamily="34" charset="0"/>
+              <a:buChar char="•"/>
+            </a:pPr>
+            <a:r>
+              <a:rPr lang="en-GB" sz="3600" b="1" dirty="0" smtClean="0">
+                <a:solidFill>
+                  <a:schemeClr val="bg1"/>
+                </a:solidFill>
+                <a:latin typeface="Lucida Console" panose="020B0609040504020204" pitchFamily="49" charset="0"/>
+              </a:rPr>
+              <a:t>/login/</a:t>
+            </a:r>
+            <a:r>
+              <a:rPr lang="en-GB" sz="3600" b="1" dirty="0" err="1" smtClean="0">
+                <a:solidFill>
+                  <a:schemeClr val="bg1"/>
+                </a:solidFill>
+                <a:latin typeface="Lucida Console" panose="020B0609040504020204" pitchFamily="49" charset="0"/>
+              </a:rPr>
+              <a:t>myaccount</a:t>
+            </a:r>
+            <a:endParaRPr lang="en-GB" sz="3600" b="1" dirty="0" smtClean="0">
+              <a:solidFill>
+                <a:schemeClr val="bg1"/>
+              </a:solidFill>
+              <a:latin typeface="Lucida Console" panose="020B0609040504020204" pitchFamily="49" charset="0"/>
+            </a:endParaRPr>
+          </a:p>
+          <a:p>
+            <a:pPr marL="571500" indent="-571500">
+              <a:buFont typeface="Arial" panose="020B0604020202020204" pitchFamily="34" charset="0"/>
+              <a:buChar char="•"/>
+            </a:pPr>
+            <a:endParaRPr lang="en-GB" sz="3600" b="1" dirty="0" smtClean="0">
+              <a:solidFill>
+                <a:schemeClr val="bg1"/>
+              </a:solidFill>
+              <a:latin typeface="Lucida Console" panose="020B0609040504020204" pitchFamily="49" charset="0"/>
+            </a:endParaRPr>
+          </a:p>
+          <a:p>
+            <a:pPr marL="571500" indent="-571500">
+              <a:buFont typeface="Arial" panose="020B0604020202020204" pitchFamily="34" charset="0"/>
+              <a:buChar char="•"/>
+            </a:pPr>
+            <a:endParaRPr lang="en-GB" sz="3600" b="1" dirty="0" smtClean="0">
+              <a:solidFill>
+                <a:schemeClr val="bg1"/>
+              </a:solidFill>
+              <a:latin typeface="Lucida Console" panose="020B0609040504020204" pitchFamily="49" charset="0"/>
+            </a:endParaRPr>
+          </a:p>
+        </p:txBody>
+      </p:sp>
+    </p:spTree>
+    <p:extLst>
+      <p:ext uri="{BB962C8B-B14F-4D97-AF65-F5344CB8AC3E}">
+        <p14:creationId xmlns:p14="http://schemas.microsoft.com/office/powerpoint/2010/main" val="3269723814"/>
       </p:ext>
     </p:extLst>
   </p:cSld>
@@ -3590,4 +5215,265 @@
     </a:ext>
   </a:extLst>
 </a:theme>
+</file>
+
+<file path=ppt/theme/theme2.xml><?xml version="1.0" encoding="utf-8"?>
+<a:theme xmlns:a="http://schemas.openxmlformats.org/drawingml/2006/main" name="Office Theme">
+  <a:themeElements>
+    <a:clrScheme name="Office">
+      <a:dk1>
+        <a:sysClr val="windowText" lastClr="000000"/>
+      </a:dk1>
+      <a:lt1>
+        <a:sysClr val="window" lastClr="FFFFFF"/>
+      </a:lt1>
+      <a:dk2>
+        <a:srgbClr val="44546A"/>
+      </a:dk2>
+      <a:lt2>
+        <a:srgbClr val="E7E6E6"/>
+      </a:lt2>
+      <a:accent1>
+        <a:srgbClr val="5B9BD5"/>
+      </a:accent1>
+      <a:accent2>
+        <a:srgbClr val="ED7D31"/>
+      </a:accent2>
+      <a:accent3>
+        <a:srgbClr val="A5A5A5"/>
+      </a:accent3>
+      <a:accent4>
+        <a:srgbClr val="FFC000"/>
+      </a:accent4>
+      <a:accent5>
+        <a:srgbClr val="4472C4"/>
+      </a:accent5>
+      <a:accent6>
+        <a:srgbClr val="70AD47"/>
+      </a:accent6>
+      <a:hlink>
+        <a:srgbClr val="0563C1"/>
+      </a:hlink>
+      <a:folHlink>
+        <a:srgbClr val="954F72"/>
+      </a:folHlink>
+    </a:clrScheme>
+    <a:fontScheme name="Office">
+      <a:majorFont>
+        <a:latin typeface="Calibri Light" panose="020F0302020204030204"/>
+        <a:ea typeface=""/>
+        <a:cs typeface=""/>
+        <a:font script="Jpan" typeface="ＭＳ Ｐゴシック"/>
+        <a:font script="Hang" typeface="맑은 고딕"/>
+        <a:font script="Hans" typeface="宋体"/>
+        <a:font script="Hant" typeface="新細明體"/>
+        <a:font script="Arab" typeface="Times New Roman"/>
+        <a:font script="Hebr" typeface="Times New Roman"/>
+        <a:font script="Thai" typeface="Angsana New"/>
+        <a:font script="Ethi" typeface="Nyala"/>
+        <a:font script="Beng" typeface="Vrinda"/>
+        <a:font script="Gujr" typeface="Shruti"/>
+        <a:font script="Khmr" typeface="MoolBoran"/>
+        <a:font script="Knda" typeface="Tunga"/>
+        <a:font script="Guru" typeface="Raavi"/>
+        <a:font script="Cans" typeface="Euphemia"/>
+        <a:font script="Cher" typeface="Plantagenet Cherokee"/>
+        <a:font script="Yiii" typeface="Microsoft Yi Baiti"/>
+        <a:font script="Tibt" typeface="Microsoft Himalaya"/>
+        <a:font script="Thaa" typeface="MV Boli"/>
+        <a:font script="Deva" typeface="Mangal"/>
+        <a:font script="Telu" typeface="Gautami"/>
+        <a:font script="Taml" typeface="Latha"/>
+        <a:font script="Syrc" typeface="Estrangelo Edessa"/>
+        <a:font script="Orya" typeface="Kalinga"/>
+        <a:font script="Mlym" typeface="Kartika"/>
+        <a:font script="Laoo" typeface="DokChampa"/>
+        <a:font script="Sinh" typeface="Iskoola Pota"/>
+        <a:font script="Mong" typeface="Mongolian Baiti"/>
+        <a:font script="Viet" typeface="Times New Roman"/>
+        <a:font script="Uigh" typeface="Microsoft Uighur"/>
+        <a:font script="Geor" typeface="Sylfaen"/>
+      </a:majorFont>
+      <a:minorFont>
+        <a:latin typeface="Calibri" panose="020F0502020204030204"/>
+        <a:ea typeface=""/>
+        <a:cs typeface=""/>
+        <a:font script="Jpan" typeface="ＭＳ Ｐゴシック"/>
+        <a:font script="Hang" typeface="맑은 고딕"/>
+        <a:font script="Hans" typeface="宋体"/>
+        <a:font script="Hant" typeface="新細明體"/>
+        <a:font script="Arab" typeface="Arial"/>
+        <a:font script="Hebr" typeface="Arial"/>
+        <a:font script="Thai" typeface="Cordia New"/>
+        <a:font script="Ethi" typeface="Nyala"/>
+        <a:font script="Beng" typeface="Vrinda"/>
+        <a:font script="Gujr" typeface="Shruti"/>
+        <a:font script="Khmr" typeface="DaunPenh"/>
+        <a:font script="Knda" typeface="Tunga"/>
+        <a:font script="Guru" typeface="Raavi"/>
+        <a:font script="Cans" typeface="Euphemia"/>
+        <a:font script="Cher" typeface="Plantagenet Cherokee"/>
+        <a:font script="Yiii" typeface="Microsoft Yi Baiti"/>
+        <a:font script="Tibt" typeface="Microsoft Himalaya"/>
+        <a:font script="Thaa" typeface="MV Boli"/>
+        <a:font script="Deva" typeface="Mangal"/>
+        <a:font script="Telu" typeface="Gautami"/>
+        <a:font script="Taml" typeface="Latha"/>
+        <a:font script="Syrc" typeface="Estrangelo Edessa"/>
+        <a:font script="Orya" typeface="Kalinga"/>
+        <a:font script="Mlym" typeface="Kartika"/>
+        <a:font script="Laoo" typeface="DokChampa"/>
+        <a:font script="Sinh" typeface="Iskoola Pota"/>
+        <a:font script="Mong" typeface="Mongolian Baiti"/>
+        <a:font script="Viet" typeface="Arial"/>
+        <a:font script="Uigh" typeface="Microsoft Uighur"/>
+        <a:font script="Geor" typeface="Sylfaen"/>
+      </a:minorFont>
+    </a:fontScheme>
+    <a:fmtScheme name="Office">
+      <a:fillStyleLst>
+        <a:solidFill>
+          <a:schemeClr val="phClr"/>
+        </a:solidFill>
+        <a:gradFill rotWithShape="1">
+          <a:gsLst>
+            <a:gs pos="0">
+              <a:schemeClr val="phClr">
+                <a:lumMod val="110000"/>
+                <a:satMod val="105000"/>
+                <a:tint val="67000"/>
+              </a:schemeClr>
+            </a:gs>
+            <a:gs pos="50000">
+              <a:schemeClr val="phClr">
+                <a:lumMod val="105000"/>
+                <a:satMod val="103000"/>
+                <a:tint val="73000"/>
+              </a:schemeClr>
+            </a:gs>
+            <a:gs pos="100000">
+              <a:schemeClr val="phClr">
+                <a:lumMod val="105000"/>
+                <a:satMod val="109000"/>
+                <a:tint val="81000"/>
+              </a:schemeClr>
+            </a:gs>
+          </a:gsLst>
+          <a:lin ang="5400000" scaled="0"/>
+        </a:gradFill>
+        <a:gradFill rotWithShape="1">
+          <a:gsLst>
+            <a:gs pos="0">
+              <a:schemeClr val="phClr">
+                <a:satMod val="103000"/>
+                <a:lumMod val="102000"/>
+                <a:tint val="94000"/>
+              </a:schemeClr>
+            </a:gs>
+            <a:gs pos="50000">
+              <a:schemeClr val="phClr">
+                <a:satMod val="110000"/>
+                <a:lumMod val="100000"/>
+                <a:shade val="100000"/>
+              </a:schemeClr>
+            </a:gs>
+            <a:gs pos="100000">
+              <a:schemeClr val="phClr">
+                <a:lumMod val="99000"/>
+                <a:satMod val="120000"/>
+                <a:shade val="78000"/>
+              </a:schemeClr>
+            </a:gs>
+          </a:gsLst>
+          <a:lin ang="5400000" scaled="0"/>
+        </a:gradFill>
+      </a:fillStyleLst>
+      <a:lnStyleLst>
+        <a:ln w="6350" cap="flat" cmpd="sng" algn="ctr">
+          <a:solidFill>
+            <a:schemeClr val="phClr"/>
+          </a:solidFill>
+          <a:prstDash val="solid"/>
+          <a:miter lim="800000"/>
+        </a:ln>
+        <a:ln w="12700" cap="flat" cmpd="sng" algn="ctr">
+          <a:solidFill>
+            <a:schemeClr val="phClr"/>
+          </a:solidFill>
+          <a:prstDash val="solid"/>
+          <a:miter lim="800000"/>
+        </a:ln>
+        <a:ln w="19050" cap="flat" cmpd="sng" algn="ctr">
+          <a:solidFill>
+            <a:schemeClr val="phClr"/>
+          </a:solidFill>
+          <a:prstDash val="solid"/>
+          <a:miter lim="800000"/>
+        </a:ln>
+      </a:lnStyleLst>
+      <a:effectStyleLst>
+        <a:effectStyle>
+          <a:effectLst/>
+        </a:effectStyle>
+        <a:effectStyle>
+          <a:effectLst/>
+        </a:effectStyle>
+        <a:effectStyle>
+          <a:effectLst>
+            <a:outerShdw blurRad="57150" dist="19050" dir="5400000" algn="ctr" rotWithShape="0">
+              <a:srgbClr val="000000">
+                <a:alpha val="63000"/>
+              </a:srgbClr>
+            </a:outerShdw>
+          </a:effectLst>
+        </a:effectStyle>
+      </a:effectStyleLst>
+      <a:bgFillStyleLst>
+        <a:solidFill>
+          <a:schemeClr val="phClr"/>
+        </a:solidFill>
+        <a:solidFill>
+          <a:schemeClr val="phClr">
+            <a:tint val="95000"/>
+            <a:satMod val="170000"/>
+          </a:schemeClr>
+        </a:solidFill>
+        <a:gradFill rotWithShape="1">
+          <a:gsLst>
+            <a:gs pos="0">
+              <a:schemeClr val="phClr">
+                <a:tint val="93000"/>
+                <a:satMod val="150000"/>
+                <a:shade val="98000"/>
+                <a:lumMod val="102000"/>
+              </a:schemeClr>
+            </a:gs>
+            <a:gs pos="50000">
+              <a:schemeClr val="phClr">
+                <a:tint val="98000"/>
+                <a:satMod val="130000"/>
+                <a:shade val="90000"/>
+                <a:lumMod val="103000"/>
+              </a:schemeClr>
+            </a:gs>
+            <a:gs pos="100000">
+              <a:schemeClr val="phClr">
+                <a:shade val="63000"/>
+                <a:satMod val="120000"/>
+              </a:schemeClr>
+            </a:gs>
+          </a:gsLst>
+          <a:lin ang="5400000" scaled="0"/>
+        </a:gradFill>
+      </a:bgFillStyleLst>
+    </a:fmtScheme>
+  </a:themeElements>
+  <a:objectDefaults/>
+  <a:extraClrSchemeLst/>
+  <a:extLst>
+    <a:ext uri="{05A4C25C-085E-4340-85A3-A5531E510DB2}">
+      <thm15:themeFamily xmlns:thm15="http://schemas.microsoft.com/office/thememl/2012/main" name="Office Theme" id="{62F939B6-93AF-4DB8-9C6B-D6C7DFDC589F}" vid="{4A3C46E8-61CC-4603-A589-7422A47A8E4A}"/>
+    </a:ext>
+  </a:extLst>
+</a:theme>
 </file>
--- a/chris pres.pptx
+++ b/chris pres.pptx
@@ -111,6 +111,14 @@
       </a:defRPr>
     </a:lvl9pPr>
   </p:defaultTextStyle>
+  <p:extLst>
+    <p:ext uri="{EFAFB233-063F-42B5-8137-9DF3F51BA10A}">
+      <p15:sldGuideLst xmlns:p15="http://schemas.microsoft.com/office/powerpoint/2012/main"/>
+    </p:ext>
+    <p:ext uri="{2D200454-40CA-4A62-9FC3-DE9A4176ACB9}">
+      <p15:notesGuideLst xmlns:p15="http://schemas.microsoft.com/office/powerpoint/2012/main"/>
+    </p:ext>
+  </p:extLst>
 </p:presentation>
 </file>
 
@@ -196,7 +204,7 @@
           <a:p>
             <a:fld id="{0E41B2FF-49A4-4AB6-AFE8-12A8E45889FF}" type="datetimeFigureOut">
               <a:rPr lang="en-GB" smtClean="0"/>
-              <a:t>16/02/2018</a:t>
+              <a:t>19/02/2018</a:t>
             </a:fld>
             <a:endParaRPr lang="en-GB"/>
           </a:p>
@@ -763,7 +771,7 @@
           <a:p>
             <a:fld id="{84D7400E-9ED8-4080-9868-99E84C0707DB}" type="datetimeFigureOut">
               <a:rPr lang="en-GB" smtClean="0"/>
-              <a:t>16/02/2018</a:t>
+              <a:t>19/02/2018</a:t>
             </a:fld>
             <a:endParaRPr lang="en-GB" dirty="0"/>
           </a:p>
@@ -933,7 +941,7 @@
           <a:p>
             <a:fld id="{84D7400E-9ED8-4080-9868-99E84C0707DB}" type="datetimeFigureOut">
               <a:rPr lang="en-GB" smtClean="0"/>
-              <a:t>16/02/2018</a:t>
+              <a:t>19/02/2018</a:t>
             </a:fld>
             <a:endParaRPr lang="en-GB" dirty="0"/>
           </a:p>
@@ -1113,7 +1121,7 @@
           <a:p>
             <a:fld id="{84D7400E-9ED8-4080-9868-99E84C0707DB}" type="datetimeFigureOut">
               <a:rPr lang="en-GB" smtClean="0"/>
-              <a:t>16/02/2018</a:t>
+              <a:t>19/02/2018</a:t>
             </a:fld>
             <a:endParaRPr lang="en-GB" dirty="0"/>
           </a:p>
@@ -1283,7 +1291,7 @@
           <a:p>
             <a:fld id="{84D7400E-9ED8-4080-9868-99E84C0707DB}" type="datetimeFigureOut">
               <a:rPr lang="en-GB" smtClean="0"/>
-              <a:t>16/02/2018</a:t>
+              <a:t>19/02/2018</a:t>
             </a:fld>
             <a:endParaRPr lang="en-GB" dirty="0"/>
           </a:p>
@@ -1529,7 +1537,7 @@
           <a:p>
             <a:fld id="{84D7400E-9ED8-4080-9868-99E84C0707DB}" type="datetimeFigureOut">
               <a:rPr lang="en-GB" smtClean="0"/>
-              <a:t>16/02/2018</a:t>
+              <a:t>19/02/2018</a:t>
             </a:fld>
             <a:endParaRPr lang="en-GB" dirty="0"/>
           </a:p>
@@ -1761,7 +1769,7 @@
           <a:p>
             <a:fld id="{84D7400E-9ED8-4080-9868-99E84C0707DB}" type="datetimeFigureOut">
               <a:rPr lang="en-GB" smtClean="0"/>
-              <a:t>16/02/2018</a:t>
+              <a:t>19/02/2018</a:t>
             </a:fld>
             <a:endParaRPr lang="en-GB" dirty="0"/>
           </a:p>
@@ -2128,7 +2136,7 @@
           <a:p>
             <a:fld id="{84D7400E-9ED8-4080-9868-99E84C0707DB}" type="datetimeFigureOut">
               <a:rPr lang="en-GB" smtClean="0"/>
-              <a:t>16/02/2018</a:t>
+              <a:t>19/02/2018</a:t>
             </a:fld>
             <a:endParaRPr lang="en-GB" dirty="0"/>
           </a:p>
@@ -2246,7 +2254,7 @@
           <a:p>
             <a:fld id="{84D7400E-9ED8-4080-9868-99E84C0707DB}" type="datetimeFigureOut">
               <a:rPr lang="en-GB" smtClean="0"/>
-              <a:t>16/02/2018</a:t>
+              <a:t>19/02/2018</a:t>
             </a:fld>
             <a:endParaRPr lang="en-GB" dirty="0"/>
           </a:p>
@@ -2341,7 +2349,7 @@
           <a:p>
             <a:fld id="{84D7400E-9ED8-4080-9868-99E84C0707DB}" type="datetimeFigureOut">
               <a:rPr lang="en-GB" smtClean="0"/>
-              <a:t>16/02/2018</a:t>
+              <a:t>19/02/2018</a:t>
             </a:fld>
             <a:endParaRPr lang="en-GB" dirty="0"/>
           </a:p>
@@ -2618,7 +2626,7 @@
           <a:p>
             <a:fld id="{84D7400E-9ED8-4080-9868-99E84C0707DB}" type="datetimeFigureOut">
               <a:rPr lang="en-GB" smtClean="0"/>
-              <a:t>16/02/2018</a:t>
+              <a:t>19/02/2018</a:t>
             </a:fld>
             <a:endParaRPr lang="en-GB" dirty="0"/>
           </a:p>
@@ -2871,7 +2879,7 @@
           <a:p>
             <a:fld id="{84D7400E-9ED8-4080-9868-99E84C0707DB}" type="datetimeFigureOut">
               <a:rPr lang="en-GB" smtClean="0"/>
-              <a:t>16/02/2018</a:t>
+              <a:t>19/02/2018</a:t>
             </a:fld>
             <a:endParaRPr lang="en-GB" dirty="0"/>
           </a:p>
@@ -3084,7 +3092,7 @@
           <a:p>
             <a:fld id="{84D7400E-9ED8-4080-9868-99E84C0707DB}" type="datetimeFigureOut">
               <a:rPr lang="en-GB" smtClean="0"/>
-              <a:t>16/02/2018</a:t>
+              <a:t>19/02/2018</a:t>
             </a:fld>
             <a:endParaRPr lang="en-GB" dirty="0"/>
           </a:p>
@@ -4098,7 +4106,7 @@
         </p:nvSpPr>
         <p:spPr>
           <a:xfrm>
-            <a:off x="4009291" y="3115434"/>
+            <a:off x="3094891" y="3115434"/>
             <a:ext cx="1922585" cy="369332"/>
           </a:xfrm>
           <a:prstGeom prst="rect">
@@ -4143,7 +4151,7 @@
         </p:nvSpPr>
         <p:spPr>
           <a:xfrm>
-            <a:off x="7291754" y="3115434"/>
+            <a:off x="6282104" y="3115434"/>
             <a:ext cx="2508737" cy="369332"/>
           </a:xfrm>
           <a:prstGeom prst="rect">
@@ -4206,7 +4214,7 @@
         </p:nvSpPr>
         <p:spPr>
           <a:xfrm>
-            <a:off x="1043352" y="3115434"/>
+            <a:off x="128952" y="3115434"/>
             <a:ext cx="1922585" cy="369332"/>
           </a:xfrm>
           <a:prstGeom prst="rect">
@@ -4251,7 +4259,7 @@
         </p:nvSpPr>
         <p:spPr>
           <a:xfrm>
-            <a:off x="6002215" y="4488594"/>
+            <a:off x="4992565" y="4488594"/>
             <a:ext cx="1922585" cy="646331"/>
           </a:xfrm>
           <a:prstGeom prst="rect">
@@ -4296,7 +4304,7 @@
         </p:nvSpPr>
         <p:spPr>
           <a:xfrm>
-            <a:off x="8452337" y="4488594"/>
+            <a:off x="7442687" y="4488594"/>
             <a:ext cx="2309448" cy="369332"/>
           </a:xfrm>
           <a:prstGeom prst="rect">
@@ -4385,8 +4393,8 @@
         </p:nvCxnSpPr>
         <p:spPr>
           <a:xfrm>
-            <a:off x="1754909" y="2761673"/>
-            <a:ext cx="6871855" cy="36945"/>
+            <a:off x="869084" y="2761672"/>
+            <a:ext cx="10132291" cy="36946"/>
           </a:xfrm>
           <a:prstGeom prst="line">
             <a:avLst/>
@@ -4420,7 +4428,7 @@
         </p:nvCxnSpPr>
         <p:spPr>
           <a:xfrm>
-            <a:off x="1754909" y="2761673"/>
+            <a:off x="869084" y="2761673"/>
             <a:ext cx="0" cy="353761"/>
           </a:xfrm>
           <a:prstGeom prst="line">
@@ -4455,7 +4463,7 @@
         </p:nvCxnSpPr>
         <p:spPr>
           <a:xfrm>
-            <a:off x="4858327" y="2761672"/>
+            <a:off x="3972502" y="2761672"/>
             <a:ext cx="0" cy="353761"/>
           </a:xfrm>
           <a:prstGeom prst="line">
@@ -4490,7 +4498,7 @@
         </p:nvCxnSpPr>
         <p:spPr>
           <a:xfrm>
-            <a:off x="8638771" y="2761672"/>
+            <a:off x="7629121" y="2761672"/>
             <a:ext cx="0" cy="353761"/>
           </a:xfrm>
           <a:prstGeom prst="line">
@@ -4525,7 +4533,7 @@
         </p:nvCxnSpPr>
         <p:spPr>
           <a:xfrm>
-            <a:off x="7455877" y="3484766"/>
+            <a:off x="6446227" y="3484766"/>
             <a:ext cx="0" cy="1003828"/>
           </a:xfrm>
           <a:prstGeom prst="line">
@@ -4555,14 +4563,12 @@
       <p:cxnSp>
         <p:nvCxnSpPr>
           <p:cNvPr id="33" name="Straight Connector 32"/>
-          <p:cNvCxnSpPr>
-            <a:endCxn id="11" idx="0"/>
-          </p:cNvCxnSpPr>
+          <p:cNvCxnSpPr/>
           <p:nvPr/>
         </p:nvCxnSpPr>
         <p:spPr>
           <a:xfrm>
-            <a:off x="9601200" y="3484766"/>
+            <a:off x="8591550" y="3484766"/>
             <a:ext cx="5861" cy="1003828"/>
           </a:xfrm>
           <a:prstGeom prst="line">
@@ -4623,6 +4629,166 @@
           </a:p>
           <a:p>
             <a:endParaRPr lang="en-GB" sz="3600" b="1" dirty="0" smtClean="0">
+              <a:solidFill>
+                <a:schemeClr val="bg1"/>
+              </a:solidFill>
+              <a:latin typeface="Lucida Console" panose="020B0609040504020204" pitchFamily="49" charset="0"/>
+            </a:endParaRPr>
+          </a:p>
+        </p:txBody>
+      </p:sp>
+      <p:cxnSp>
+        <p:nvCxnSpPr>
+          <p:cNvPr id="19" name="Straight Connector 18"/>
+          <p:cNvCxnSpPr/>
+          <p:nvPr/>
+        </p:nvCxnSpPr>
+        <p:spPr>
+          <a:xfrm>
+            <a:off x="11001375" y="2798618"/>
+            <a:ext cx="0" cy="353761"/>
+          </a:xfrm>
+          <a:prstGeom prst="line">
+            <a:avLst/>
+          </a:prstGeom>
+          <a:ln w="38100">
+            <a:solidFill>
+              <a:schemeClr val="bg1"/>
+            </a:solidFill>
+          </a:ln>
+        </p:spPr>
+        <p:style>
+          <a:lnRef idx="1">
+            <a:schemeClr val="accent1"/>
+          </a:lnRef>
+          <a:fillRef idx="0">
+            <a:schemeClr val="accent1"/>
+          </a:fillRef>
+          <a:effectRef idx="0">
+            <a:schemeClr val="accent1"/>
+          </a:effectRef>
+          <a:fontRef idx="minor">
+            <a:schemeClr val="tx1"/>
+          </a:fontRef>
+        </p:style>
+      </p:cxnSp>
+      <p:sp>
+        <p:nvSpPr>
+          <p:cNvPr id="21" name="TextBox 20"/>
+          <p:cNvSpPr txBox="1"/>
+          <p:nvPr/>
+        </p:nvSpPr>
+        <p:spPr>
+          <a:xfrm>
+            <a:off x="10408625" y="3161508"/>
+            <a:ext cx="1055075" cy="369332"/>
+          </a:xfrm>
+          <a:prstGeom prst="rect">
+            <a:avLst/>
+          </a:prstGeom>
+          <a:noFill/>
+          <a:ln>
+            <a:solidFill>
+              <a:schemeClr val="bg1"/>
+            </a:solidFill>
+          </a:ln>
+        </p:spPr>
+        <p:txBody>
+          <a:bodyPr wrap="square" rtlCol="0">
+            <a:spAutoFit/>
+          </a:bodyPr>
+          <a:lstStyle/>
+          <a:p>
+            <a:r>
+              <a:rPr lang="en-GB" dirty="0" smtClean="0">
+                <a:solidFill>
+                  <a:schemeClr val="bg1"/>
+                </a:solidFill>
+                <a:latin typeface="Lucida Console" panose="020B0609040504020204" pitchFamily="49" charset="0"/>
+              </a:rPr>
+              <a:t>Login</a:t>
+            </a:r>
+            <a:endParaRPr lang="en-GB" dirty="0">
+              <a:solidFill>
+                <a:schemeClr val="bg1"/>
+              </a:solidFill>
+              <a:latin typeface="Lucida Console" panose="020B0609040504020204" pitchFamily="49" charset="0"/>
+            </a:endParaRPr>
+          </a:p>
+        </p:txBody>
+      </p:sp>
+      <p:cxnSp>
+        <p:nvCxnSpPr>
+          <p:cNvPr id="22" name="Straight Connector 21"/>
+          <p:cNvCxnSpPr/>
+          <p:nvPr/>
+        </p:nvCxnSpPr>
+        <p:spPr>
+          <a:xfrm>
+            <a:off x="11001375" y="3530840"/>
+            <a:ext cx="0" cy="353761"/>
+          </a:xfrm>
+          <a:prstGeom prst="line">
+            <a:avLst/>
+          </a:prstGeom>
+          <a:ln w="38100">
+            <a:solidFill>
+              <a:schemeClr val="bg1"/>
+            </a:solidFill>
+          </a:ln>
+        </p:spPr>
+        <p:style>
+          <a:lnRef idx="1">
+            <a:schemeClr val="accent1"/>
+          </a:lnRef>
+          <a:fillRef idx="0">
+            <a:schemeClr val="accent1"/>
+          </a:fillRef>
+          <a:effectRef idx="0">
+            <a:schemeClr val="accent1"/>
+          </a:effectRef>
+          <a:fontRef idx="minor">
+            <a:schemeClr val="tx1"/>
+          </a:fontRef>
+        </p:style>
+      </p:cxnSp>
+      <p:sp>
+        <p:nvSpPr>
+          <p:cNvPr id="24" name="TextBox 23"/>
+          <p:cNvSpPr txBox="1"/>
+          <p:nvPr/>
+        </p:nvSpPr>
+        <p:spPr>
+          <a:xfrm>
+            <a:off x="10408625" y="3884601"/>
+            <a:ext cx="1488832" cy="369332"/>
+          </a:xfrm>
+          <a:prstGeom prst="rect">
+            <a:avLst/>
+          </a:prstGeom>
+          <a:noFill/>
+          <a:ln>
+            <a:solidFill>
+              <a:schemeClr val="bg1"/>
+            </a:solidFill>
+          </a:ln>
+        </p:spPr>
+        <p:txBody>
+          <a:bodyPr wrap="square" rtlCol="0">
+            <a:spAutoFit/>
+          </a:bodyPr>
+          <a:lstStyle/>
+          <a:p>
+            <a:r>
+              <a:rPr lang="en-GB" dirty="0" err="1" smtClean="0">
+                <a:solidFill>
+                  <a:schemeClr val="bg1"/>
+                </a:solidFill>
+                <a:latin typeface="Lucida Console" panose="020B0609040504020204" pitchFamily="49" charset="0"/>
+              </a:rPr>
+              <a:t>myAccount</a:t>
+            </a:r>
+            <a:endParaRPr lang="en-GB" dirty="0">
               <a:solidFill>
                 <a:schemeClr val="bg1"/>
               </a:solidFill>

--- a/chris pres.pptx
+++ b/chris pres.pptx
@@ -5,14 +5,15 @@
     <p:sldMasterId id="2147483648" r:id="rId1"/>
   </p:sldMasterIdLst>
   <p:notesMasterIdLst>
-    <p:notesMasterId r:id="rId7"/>
+    <p:notesMasterId r:id="rId8"/>
   </p:notesMasterIdLst>
   <p:sldIdLst>
     <p:sldId id="256" r:id="rId2"/>
     <p:sldId id="257" r:id="rId3"/>
     <p:sldId id="259" r:id="rId4"/>
-    <p:sldId id="261" r:id="rId5"/>
-    <p:sldId id="263" r:id="rId6"/>
+    <p:sldId id="264" r:id="rId5"/>
+    <p:sldId id="261" r:id="rId6"/>
+    <p:sldId id="263" r:id="rId7"/>
   </p:sldIdLst>
   <p:sldSz cx="12192000" cy="6858000"/>
   <p:notesSz cx="6858000" cy="9144000"/>
@@ -204,7 +205,7 @@
           <a:p>
             <a:fld id="{0E41B2FF-49A4-4AB6-AFE8-12A8E45889FF}" type="datetimeFigureOut">
               <a:rPr lang="en-GB" smtClean="0"/>
-              <a:t>19/02/2018</a:t>
+              <a:t>23/02/2018</a:t>
             </a:fld>
             <a:endParaRPr lang="en-GB"/>
           </a:p>
@@ -537,7 +538,7 @@
           <a:p>
             <a:fld id="{64AD29AA-4481-42B7-B38B-EA3FD3355EA8}" type="slidenum">
               <a:rPr lang="en-GB" smtClean="0"/>
-              <a:t>4</a:t>
+              <a:t>5</a:t>
             </a:fld>
             <a:endParaRPr lang="en-GB"/>
           </a:p>
@@ -621,7 +622,7 @@
           <a:p>
             <a:fld id="{64AD29AA-4481-42B7-B38B-EA3FD3355EA8}" type="slidenum">
               <a:rPr lang="en-GB" smtClean="0"/>
-              <a:t>5</a:t>
+              <a:t>6</a:t>
             </a:fld>
             <a:endParaRPr lang="en-GB"/>
           </a:p>
@@ -771,7 +772,7 @@
           <a:p>
             <a:fld id="{84D7400E-9ED8-4080-9868-99E84C0707DB}" type="datetimeFigureOut">
               <a:rPr lang="en-GB" smtClean="0"/>
-              <a:t>19/02/2018</a:t>
+              <a:t>23/02/2018</a:t>
             </a:fld>
             <a:endParaRPr lang="en-GB" dirty="0"/>
           </a:p>
@@ -941,7 +942,7 @@
           <a:p>
             <a:fld id="{84D7400E-9ED8-4080-9868-99E84C0707DB}" type="datetimeFigureOut">
               <a:rPr lang="en-GB" smtClean="0"/>
-              <a:t>19/02/2018</a:t>
+              <a:t>23/02/2018</a:t>
             </a:fld>
             <a:endParaRPr lang="en-GB" dirty="0"/>
           </a:p>
@@ -1121,7 +1122,7 @@
           <a:p>
             <a:fld id="{84D7400E-9ED8-4080-9868-99E84C0707DB}" type="datetimeFigureOut">
               <a:rPr lang="en-GB" smtClean="0"/>
-              <a:t>19/02/2018</a:t>
+              <a:t>23/02/2018</a:t>
             </a:fld>
             <a:endParaRPr lang="en-GB" dirty="0"/>
           </a:p>
@@ -1291,7 +1292,7 @@
           <a:p>
             <a:fld id="{84D7400E-9ED8-4080-9868-99E84C0707DB}" type="datetimeFigureOut">
               <a:rPr lang="en-GB" smtClean="0"/>
-              <a:t>19/02/2018</a:t>
+              <a:t>23/02/2018</a:t>
             </a:fld>
             <a:endParaRPr lang="en-GB" dirty="0"/>
           </a:p>
@@ -1537,7 +1538,7 @@
           <a:p>
             <a:fld id="{84D7400E-9ED8-4080-9868-99E84C0707DB}" type="datetimeFigureOut">
               <a:rPr lang="en-GB" smtClean="0"/>
-              <a:t>19/02/2018</a:t>
+              <a:t>23/02/2018</a:t>
             </a:fld>
             <a:endParaRPr lang="en-GB" dirty="0"/>
           </a:p>
@@ -1769,7 +1770,7 @@
           <a:p>
             <a:fld id="{84D7400E-9ED8-4080-9868-99E84C0707DB}" type="datetimeFigureOut">
               <a:rPr lang="en-GB" smtClean="0"/>
-              <a:t>19/02/2018</a:t>
+              <a:t>23/02/2018</a:t>
             </a:fld>
             <a:endParaRPr lang="en-GB" dirty="0"/>
           </a:p>
@@ -2136,7 +2137,7 @@
           <a:p>
             <a:fld id="{84D7400E-9ED8-4080-9868-99E84C0707DB}" type="datetimeFigureOut">
               <a:rPr lang="en-GB" smtClean="0"/>
-              <a:t>19/02/2018</a:t>
+              <a:t>23/02/2018</a:t>
             </a:fld>
             <a:endParaRPr lang="en-GB" dirty="0"/>
           </a:p>
@@ -2254,7 +2255,7 @@
           <a:p>
             <a:fld id="{84D7400E-9ED8-4080-9868-99E84C0707DB}" type="datetimeFigureOut">
               <a:rPr lang="en-GB" smtClean="0"/>
-              <a:t>19/02/2018</a:t>
+              <a:t>23/02/2018</a:t>
             </a:fld>
             <a:endParaRPr lang="en-GB" dirty="0"/>
           </a:p>
@@ -2349,7 +2350,7 @@
           <a:p>
             <a:fld id="{84D7400E-9ED8-4080-9868-99E84C0707DB}" type="datetimeFigureOut">
               <a:rPr lang="en-GB" smtClean="0"/>
-              <a:t>19/02/2018</a:t>
+              <a:t>23/02/2018</a:t>
             </a:fld>
             <a:endParaRPr lang="en-GB" dirty="0"/>
           </a:p>
@@ -2626,7 +2627,7 @@
           <a:p>
             <a:fld id="{84D7400E-9ED8-4080-9868-99E84C0707DB}" type="datetimeFigureOut">
               <a:rPr lang="en-GB" smtClean="0"/>
-              <a:t>19/02/2018</a:t>
+              <a:t>23/02/2018</a:t>
             </a:fld>
             <a:endParaRPr lang="en-GB" dirty="0"/>
           </a:p>
@@ -2879,7 +2880,7 @@
           <a:p>
             <a:fld id="{84D7400E-9ED8-4080-9868-99E84C0707DB}" type="datetimeFigureOut">
               <a:rPr lang="en-GB" smtClean="0"/>
-              <a:t>19/02/2018</a:t>
+              <a:t>23/02/2018</a:t>
             </a:fld>
             <a:endParaRPr lang="en-GB" dirty="0"/>
           </a:p>
@@ -3092,7 +3093,7 @@
           <a:p>
             <a:fld id="{84D7400E-9ED8-4080-9868-99E84C0707DB}" type="datetimeFigureOut">
               <a:rPr lang="en-GB" smtClean="0"/>
-              <a:t>19/02/2018</a:t>
+              <a:t>23/02/2018</a:t>
             </a:fld>
             <a:endParaRPr lang="en-GB" dirty="0"/>
           </a:p>
@@ -4039,7 +4040,7 @@
           <p:nvPr/>
         </p:nvPicPr>
         <p:blipFill rotWithShape="1">
-          <a:blip r:embed="rId3"/>
+          <a:blip r:embed="rId2"/>
           <a:srcRect l="15897" t="46864" r="37180" b="45562"/>
           <a:stretch/>
         </p:blipFill>
@@ -4055,24 +4056,19 @@
       </p:pic>
       <p:sp>
         <p:nvSpPr>
-          <p:cNvPr id="3" name="TextBox 2"/>
+          <p:cNvPr id="9" name="TextBox 8"/>
           <p:cNvSpPr txBox="1"/>
           <p:nvPr/>
         </p:nvSpPr>
         <p:spPr>
           <a:xfrm>
-            <a:off x="4009292" y="1500553"/>
-            <a:ext cx="1922585" cy="646331"/>
+            <a:off x="539261" y="961292"/>
+            <a:ext cx="9061939" cy="1200329"/>
           </a:xfrm>
           <a:prstGeom prst="rect">
             <a:avLst/>
           </a:prstGeom>
           <a:noFill/>
-          <a:ln>
-            <a:solidFill>
-              <a:schemeClr val="bg1"/>
-            </a:solidFill>
-          </a:ln>
         </p:spPr>
         <p:txBody>
           <a:bodyPr wrap="square" rtlCol="0">
@@ -4081,553 +4077,14 @@
           <a:lstStyle/>
           <a:p>
             <a:r>
-              <a:rPr lang="en-GB" dirty="0" smtClean="0">
+              <a:rPr lang="en-GB" sz="3600" b="1" dirty="0" smtClean="0">
                 <a:solidFill>
                   <a:schemeClr val="bg1"/>
                 </a:solidFill>
                 <a:latin typeface="Lucida Console" panose="020B0609040504020204" pitchFamily="49" charset="0"/>
               </a:rPr>
-              <a:t>Home Page(index)</a:t>
-            </a:r>
-            <a:endParaRPr lang="en-GB" dirty="0">
-              <a:solidFill>
-                <a:schemeClr val="bg1"/>
-              </a:solidFill>
-              <a:latin typeface="Lucida Console" panose="020B0609040504020204" pitchFamily="49" charset="0"/>
-            </a:endParaRPr>
-          </a:p>
-        </p:txBody>
-      </p:sp>
-      <p:sp>
-        <p:nvSpPr>
-          <p:cNvPr id="6" name="TextBox 5"/>
-          <p:cNvSpPr txBox="1"/>
-          <p:nvPr/>
-        </p:nvSpPr>
-        <p:spPr>
-          <a:xfrm>
-            <a:off x="3094891" y="3115434"/>
-            <a:ext cx="1922585" cy="369332"/>
-          </a:xfrm>
-          <a:prstGeom prst="rect">
-            <a:avLst/>
-          </a:prstGeom>
-          <a:noFill/>
-          <a:ln>
-            <a:solidFill>
-              <a:schemeClr val="bg1"/>
-            </a:solidFill>
-          </a:ln>
-        </p:spPr>
-        <p:txBody>
-          <a:bodyPr wrap="square" rtlCol="0">
-            <a:spAutoFit/>
-          </a:bodyPr>
-          <a:lstStyle/>
-          <a:p>
-            <a:r>
-              <a:rPr lang="en-GB" dirty="0" smtClean="0">
-                <a:solidFill>
-                  <a:schemeClr val="bg1"/>
-                </a:solidFill>
-                <a:latin typeface="Lucida Console" panose="020B0609040504020204" pitchFamily="49" charset="0"/>
-              </a:rPr>
-              <a:t>Help</a:t>
-            </a:r>
-            <a:endParaRPr lang="en-GB" dirty="0">
-              <a:solidFill>
-                <a:schemeClr val="bg1"/>
-              </a:solidFill>
-              <a:latin typeface="Lucida Console" panose="020B0609040504020204" pitchFamily="49" charset="0"/>
-            </a:endParaRPr>
-          </a:p>
-        </p:txBody>
-      </p:sp>
-      <p:sp>
-        <p:nvSpPr>
-          <p:cNvPr id="7" name="TextBox 6"/>
-          <p:cNvSpPr txBox="1"/>
-          <p:nvPr/>
-        </p:nvSpPr>
-        <p:spPr>
-          <a:xfrm>
-            <a:off x="6282104" y="3115434"/>
-            <a:ext cx="2508737" cy="369332"/>
-          </a:xfrm>
-          <a:prstGeom prst="rect">
-            <a:avLst/>
-          </a:prstGeom>
-          <a:noFill/>
-          <a:ln>
-            <a:solidFill>
-              <a:schemeClr val="bg1"/>
-            </a:solidFill>
-          </a:ln>
-        </p:spPr>
-        <p:txBody>
-          <a:bodyPr wrap="square" rtlCol="0">
-            <a:spAutoFit/>
-          </a:bodyPr>
-          <a:lstStyle/>
-          <a:p>
-            <a:r>
-              <a:rPr lang="en-GB" dirty="0" smtClean="0">
-                <a:solidFill>
-                  <a:schemeClr val="bg1"/>
-                </a:solidFill>
-                <a:latin typeface="Lucida Console" panose="020B0609040504020204" pitchFamily="49" charset="0"/>
-              </a:rPr>
-              <a:t>Stats (</a:t>
-            </a:r>
-            <a:r>
-              <a:rPr lang="en-GB" dirty="0" err="1" smtClean="0">
-                <a:solidFill>
-                  <a:schemeClr val="bg1"/>
-                </a:solidFill>
-                <a:latin typeface="Lucida Console" panose="020B0609040504020204" pitchFamily="49" charset="0"/>
-              </a:rPr>
-              <a:t>hivemind</a:t>
-            </a:r>
-            <a:r>
-              <a:rPr lang="en-GB" dirty="0" smtClean="0">
-                <a:solidFill>
-                  <a:schemeClr val="bg1"/>
-                </a:solidFill>
-                <a:latin typeface="Lucida Console" panose="020B0609040504020204" pitchFamily="49" charset="0"/>
-              </a:rPr>
-              <a:t>)</a:t>
-            </a:r>
-            <a:endParaRPr lang="en-GB" dirty="0">
-              <a:solidFill>
-                <a:schemeClr val="bg1"/>
-              </a:solidFill>
-              <a:latin typeface="Lucida Console" panose="020B0609040504020204" pitchFamily="49" charset="0"/>
-            </a:endParaRPr>
-          </a:p>
-        </p:txBody>
-      </p:sp>
-      <p:sp>
-        <p:nvSpPr>
-          <p:cNvPr id="9" name="TextBox 8"/>
-          <p:cNvSpPr txBox="1"/>
-          <p:nvPr/>
-        </p:nvSpPr>
-        <p:spPr>
-          <a:xfrm>
-            <a:off x="128952" y="3115434"/>
-            <a:ext cx="1922585" cy="369332"/>
-          </a:xfrm>
-          <a:prstGeom prst="rect">
-            <a:avLst/>
-          </a:prstGeom>
-          <a:noFill/>
-          <a:ln>
-            <a:solidFill>
-              <a:schemeClr val="bg1"/>
-            </a:solidFill>
-          </a:ln>
-        </p:spPr>
-        <p:txBody>
-          <a:bodyPr wrap="square" rtlCol="0">
-            <a:spAutoFit/>
-          </a:bodyPr>
-          <a:lstStyle/>
-          <a:p>
-            <a:r>
-              <a:rPr lang="en-GB" dirty="0" smtClean="0">
-                <a:solidFill>
-                  <a:schemeClr val="bg1"/>
-                </a:solidFill>
-                <a:latin typeface="Lucida Console" panose="020B0609040504020204" pitchFamily="49" charset="0"/>
-              </a:rPr>
-              <a:t>Play</a:t>
-            </a:r>
-            <a:endParaRPr lang="en-GB" dirty="0">
-              <a:solidFill>
-                <a:schemeClr val="bg1"/>
-              </a:solidFill>
-              <a:latin typeface="Lucida Console" panose="020B0609040504020204" pitchFamily="49" charset="0"/>
-            </a:endParaRPr>
-          </a:p>
-        </p:txBody>
-      </p:sp>
-      <p:sp>
-        <p:nvSpPr>
-          <p:cNvPr id="10" name="TextBox 9"/>
-          <p:cNvSpPr txBox="1"/>
-          <p:nvPr/>
-        </p:nvSpPr>
-        <p:spPr>
-          <a:xfrm>
-            <a:off x="4992565" y="4488594"/>
-            <a:ext cx="1922585" cy="646331"/>
-          </a:xfrm>
-          <a:prstGeom prst="rect">
-            <a:avLst/>
-          </a:prstGeom>
-          <a:noFill/>
-          <a:ln>
-            <a:solidFill>
-              <a:schemeClr val="bg1"/>
-            </a:solidFill>
-          </a:ln>
-        </p:spPr>
-        <p:txBody>
-          <a:bodyPr wrap="square" rtlCol="0">
-            <a:spAutoFit/>
-          </a:bodyPr>
-          <a:lstStyle/>
-          <a:p>
-            <a:r>
-              <a:rPr lang="en-GB" dirty="0" smtClean="0">
-                <a:solidFill>
-                  <a:schemeClr val="bg1"/>
-                </a:solidFill>
-                <a:latin typeface="Lucida Console" panose="020B0609040504020204" pitchFamily="49" charset="0"/>
-              </a:rPr>
-              <a:t>Hall of fame/shame</a:t>
-            </a:r>
-            <a:endParaRPr lang="en-GB" dirty="0">
-              <a:solidFill>
-                <a:schemeClr val="bg1"/>
-              </a:solidFill>
-              <a:latin typeface="Lucida Console" panose="020B0609040504020204" pitchFamily="49" charset="0"/>
-            </a:endParaRPr>
-          </a:p>
-        </p:txBody>
-      </p:sp>
-      <p:sp>
-        <p:nvSpPr>
-          <p:cNvPr id="11" name="TextBox 10"/>
-          <p:cNvSpPr txBox="1"/>
-          <p:nvPr/>
-        </p:nvSpPr>
-        <p:spPr>
-          <a:xfrm>
-            <a:off x="7442687" y="4488594"/>
-            <a:ext cx="2309448" cy="369332"/>
-          </a:xfrm>
-          <a:prstGeom prst="rect">
-            <a:avLst/>
-          </a:prstGeom>
-          <a:noFill/>
-          <a:ln>
-            <a:solidFill>
-              <a:schemeClr val="bg1"/>
-            </a:solidFill>
-          </a:ln>
-        </p:spPr>
-        <p:txBody>
-          <a:bodyPr wrap="square" rtlCol="0">
-            <a:spAutoFit/>
-          </a:bodyPr>
-          <a:lstStyle/>
-          <a:p>
-            <a:r>
-              <a:rPr lang="en-GB" dirty="0" err="1" smtClean="0">
-                <a:solidFill>
-                  <a:schemeClr val="bg1"/>
-                </a:solidFill>
-                <a:latin typeface="Lucida Console" panose="020B0609040504020204" pitchFamily="49" charset="0"/>
-              </a:rPr>
-              <a:t>Userbase</a:t>
-            </a:r>
-            <a:r>
-              <a:rPr lang="en-GB" dirty="0" smtClean="0">
-                <a:solidFill>
-                  <a:schemeClr val="bg1"/>
-                </a:solidFill>
-                <a:latin typeface="Lucida Console" panose="020B0609040504020204" pitchFamily="49" charset="0"/>
-              </a:rPr>
-              <a:t> Stats</a:t>
-            </a:r>
-            <a:endParaRPr lang="en-GB" dirty="0">
-              <a:solidFill>
-                <a:schemeClr val="bg1"/>
-              </a:solidFill>
-              <a:latin typeface="Lucida Console" panose="020B0609040504020204" pitchFamily="49" charset="0"/>
-            </a:endParaRPr>
-          </a:p>
-        </p:txBody>
-      </p:sp>
-      <p:cxnSp>
-        <p:nvCxnSpPr>
-          <p:cNvPr id="12" name="Straight Connector 11"/>
-          <p:cNvCxnSpPr/>
-          <p:nvPr/>
-        </p:nvCxnSpPr>
-        <p:spPr>
-          <a:xfrm flipH="1">
-            <a:off x="4858327" y="2130695"/>
-            <a:ext cx="18473" cy="667923"/>
-          </a:xfrm>
-          <a:prstGeom prst="line">
-            <a:avLst/>
-          </a:prstGeom>
-          <a:ln w="38100">
-            <a:solidFill>
-              <a:schemeClr val="bg1"/>
-            </a:solidFill>
-          </a:ln>
-        </p:spPr>
-        <p:style>
-          <a:lnRef idx="1">
-            <a:schemeClr val="accent1"/>
-          </a:lnRef>
-          <a:fillRef idx="0">
-            <a:schemeClr val="accent1"/>
-          </a:fillRef>
-          <a:effectRef idx="0">
-            <a:schemeClr val="accent1"/>
-          </a:effectRef>
-          <a:fontRef idx="minor">
-            <a:schemeClr val="tx1"/>
-          </a:fontRef>
-        </p:style>
-      </p:cxnSp>
-      <p:cxnSp>
-        <p:nvCxnSpPr>
-          <p:cNvPr id="16" name="Straight Connector 15"/>
-          <p:cNvCxnSpPr/>
-          <p:nvPr/>
-        </p:nvCxnSpPr>
-        <p:spPr>
-          <a:xfrm>
-            <a:off x="869084" y="2761672"/>
-            <a:ext cx="10132291" cy="36946"/>
-          </a:xfrm>
-          <a:prstGeom prst="line">
-            <a:avLst/>
-          </a:prstGeom>
-          <a:ln w="38100">
-            <a:solidFill>
-              <a:schemeClr val="bg1"/>
-            </a:solidFill>
-          </a:ln>
-        </p:spPr>
-        <p:style>
-          <a:lnRef idx="1">
-            <a:schemeClr val="accent1"/>
-          </a:lnRef>
-          <a:fillRef idx="0">
-            <a:schemeClr val="accent1"/>
-          </a:fillRef>
-          <a:effectRef idx="0">
-            <a:schemeClr val="accent1"/>
-          </a:effectRef>
-          <a:fontRef idx="minor">
-            <a:schemeClr val="tx1"/>
-          </a:fontRef>
-        </p:style>
-      </p:cxnSp>
-      <p:cxnSp>
-        <p:nvCxnSpPr>
-          <p:cNvPr id="23" name="Straight Connector 22"/>
-          <p:cNvCxnSpPr/>
-          <p:nvPr/>
-        </p:nvCxnSpPr>
-        <p:spPr>
-          <a:xfrm>
-            <a:off x="869084" y="2761673"/>
-            <a:ext cx="0" cy="353761"/>
-          </a:xfrm>
-          <a:prstGeom prst="line">
-            <a:avLst/>
-          </a:prstGeom>
-          <a:ln w="38100">
-            <a:solidFill>
-              <a:schemeClr val="bg1"/>
-            </a:solidFill>
-          </a:ln>
-        </p:spPr>
-        <p:style>
-          <a:lnRef idx="1">
-            <a:schemeClr val="accent1"/>
-          </a:lnRef>
-          <a:fillRef idx="0">
-            <a:schemeClr val="accent1"/>
-          </a:fillRef>
-          <a:effectRef idx="0">
-            <a:schemeClr val="accent1"/>
-          </a:effectRef>
-          <a:fontRef idx="minor">
-            <a:schemeClr val="tx1"/>
-          </a:fontRef>
-        </p:style>
-      </p:cxnSp>
-      <p:cxnSp>
-        <p:nvCxnSpPr>
-          <p:cNvPr id="27" name="Straight Connector 26"/>
-          <p:cNvCxnSpPr/>
-          <p:nvPr/>
-        </p:nvCxnSpPr>
-        <p:spPr>
-          <a:xfrm>
-            <a:off x="3972502" y="2761672"/>
-            <a:ext cx="0" cy="353761"/>
-          </a:xfrm>
-          <a:prstGeom prst="line">
-            <a:avLst/>
-          </a:prstGeom>
-          <a:ln w="38100">
-            <a:solidFill>
-              <a:schemeClr val="bg1"/>
-            </a:solidFill>
-          </a:ln>
-        </p:spPr>
-        <p:style>
-          <a:lnRef idx="1">
-            <a:schemeClr val="accent1"/>
-          </a:lnRef>
-          <a:fillRef idx="0">
-            <a:schemeClr val="accent1"/>
-          </a:fillRef>
-          <a:effectRef idx="0">
-            <a:schemeClr val="accent1"/>
-          </a:effectRef>
-          <a:fontRef idx="minor">
-            <a:schemeClr val="tx1"/>
-          </a:fontRef>
-        </p:style>
-      </p:cxnSp>
-      <p:cxnSp>
-        <p:nvCxnSpPr>
-          <p:cNvPr id="28" name="Straight Connector 27"/>
-          <p:cNvCxnSpPr/>
-          <p:nvPr/>
-        </p:nvCxnSpPr>
-        <p:spPr>
-          <a:xfrm>
-            <a:off x="7629121" y="2761672"/>
-            <a:ext cx="0" cy="353761"/>
-          </a:xfrm>
-          <a:prstGeom prst="line">
-            <a:avLst/>
-          </a:prstGeom>
-          <a:ln w="38100">
-            <a:solidFill>
-              <a:schemeClr val="bg1"/>
-            </a:solidFill>
-          </a:ln>
-        </p:spPr>
-        <p:style>
-          <a:lnRef idx="1">
-            <a:schemeClr val="accent1"/>
-          </a:lnRef>
-          <a:fillRef idx="0">
-            <a:schemeClr val="accent1"/>
-          </a:fillRef>
-          <a:effectRef idx="0">
-            <a:schemeClr val="accent1"/>
-          </a:effectRef>
-          <a:fontRef idx="minor">
-            <a:schemeClr val="tx1"/>
-          </a:fontRef>
-        </p:style>
-      </p:cxnSp>
-      <p:cxnSp>
-        <p:nvCxnSpPr>
-          <p:cNvPr id="29" name="Straight Connector 28"/>
-          <p:cNvCxnSpPr/>
-          <p:nvPr/>
-        </p:nvCxnSpPr>
-        <p:spPr>
-          <a:xfrm>
-            <a:off x="6446227" y="3484766"/>
-            <a:ext cx="0" cy="1003828"/>
-          </a:xfrm>
-          <a:prstGeom prst="line">
-            <a:avLst/>
-          </a:prstGeom>
-          <a:ln w="38100">
-            <a:solidFill>
-              <a:schemeClr val="bg1"/>
-            </a:solidFill>
-          </a:ln>
-        </p:spPr>
-        <p:style>
-          <a:lnRef idx="1">
-            <a:schemeClr val="accent1"/>
-          </a:lnRef>
-          <a:fillRef idx="0">
-            <a:schemeClr val="accent1"/>
-          </a:fillRef>
-          <a:effectRef idx="0">
-            <a:schemeClr val="accent1"/>
-          </a:effectRef>
-          <a:fontRef idx="minor">
-            <a:schemeClr val="tx1"/>
-          </a:fontRef>
-        </p:style>
-      </p:cxnSp>
-      <p:cxnSp>
-        <p:nvCxnSpPr>
-          <p:cNvPr id="33" name="Straight Connector 32"/>
-          <p:cNvCxnSpPr/>
-          <p:nvPr/>
-        </p:nvCxnSpPr>
-        <p:spPr>
-          <a:xfrm>
-            <a:off x="8591550" y="3484766"/>
-            <a:ext cx="5861" cy="1003828"/>
-          </a:xfrm>
-          <a:prstGeom prst="line">
-            <a:avLst/>
-          </a:prstGeom>
-          <a:ln w="38100">
-            <a:solidFill>
-              <a:schemeClr val="bg1"/>
-            </a:solidFill>
-          </a:ln>
-        </p:spPr>
-        <p:style>
-          <a:lnRef idx="1">
-            <a:schemeClr val="accent1"/>
-          </a:lnRef>
-          <a:fillRef idx="0">
-            <a:schemeClr val="accent1"/>
-          </a:fillRef>
-          <a:effectRef idx="0">
-            <a:schemeClr val="accent1"/>
-          </a:effectRef>
-          <a:fontRef idx="minor">
-            <a:schemeClr val="tx1"/>
-          </a:fontRef>
-        </p:style>
-      </p:cxnSp>
-      <p:sp>
-        <p:nvSpPr>
-          <p:cNvPr id="35" name="TextBox 34"/>
-          <p:cNvSpPr txBox="1"/>
-          <p:nvPr/>
-        </p:nvSpPr>
-        <p:spPr>
-          <a:xfrm>
-            <a:off x="761999" y="961292"/>
-            <a:ext cx="9061939" cy="1200329"/>
-          </a:xfrm>
-          <a:prstGeom prst="rect">
-            <a:avLst/>
-          </a:prstGeom>
-          <a:noFill/>
-        </p:spPr>
-        <p:txBody>
-          <a:bodyPr wrap="square" rtlCol="0">
-            <a:spAutoFit/>
-          </a:bodyPr>
-          <a:lstStyle/>
-          <a:p>
-            <a:r>
-              <a:rPr lang="en-GB" sz="3600" b="1" dirty="0" smtClean="0">
-                <a:solidFill>
-                  <a:schemeClr val="bg1"/>
-                </a:solidFill>
-                <a:latin typeface="Lucida Console" panose="020B0609040504020204" pitchFamily="49" charset="0"/>
-              </a:rPr>
-              <a:t>Site Map</a:t>
-            </a:r>
-          </a:p>
-          <a:p>
+              <a:t>System Architecture </a:t>
+            </a:r>
             <a:endParaRPr lang="en-GB" sz="3600" b="1" dirty="0" smtClean="0">
               <a:solidFill>
                 <a:schemeClr val="bg1"/>
@@ -4635,80 +4092,8 @@
               <a:latin typeface="Lucida Console" panose="020B0609040504020204" pitchFamily="49" charset="0"/>
             </a:endParaRPr>
           </a:p>
-        </p:txBody>
-      </p:sp>
-      <p:cxnSp>
-        <p:nvCxnSpPr>
-          <p:cNvPr id="19" name="Straight Connector 18"/>
-          <p:cNvCxnSpPr/>
-          <p:nvPr/>
-        </p:nvCxnSpPr>
-        <p:spPr>
-          <a:xfrm>
-            <a:off x="11001375" y="2798618"/>
-            <a:ext cx="0" cy="353761"/>
-          </a:xfrm>
-          <a:prstGeom prst="line">
-            <a:avLst/>
-          </a:prstGeom>
-          <a:ln w="38100">
-            <a:solidFill>
-              <a:schemeClr val="bg1"/>
-            </a:solidFill>
-          </a:ln>
-        </p:spPr>
-        <p:style>
-          <a:lnRef idx="1">
-            <a:schemeClr val="accent1"/>
-          </a:lnRef>
-          <a:fillRef idx="0">
-            <a:schemeClr val="accent1"/>
-          </a:fillRef>
-          <a:effectRef idx="0">
-            <a:schemeClr val="accent1"/>
-          </a:effectRef>
-          <a:fontRef idx="minor">
-            <a:schemeClr val="tx1"/>
-          </a:fontRef>
-        </p:style>
-      </p:cxnSp>
-      <p:sp>
-        <p:nvSpPr>
-          <p:cNvPr id="21" name="TextBox 20"/>
-          <p:cNvSpPr txBox="1"/>
-          <p:nvPr/>
-        </p:nvSpPr>
-        <p:spPr>
-          <a:xfrm>
-            <a:off x="10408625" y="3161508"/>
-            <a:ext cx="1055075" cy="369332"/>
-          </a:xfrm>
-          <a:prstGeom prst="rect">
-            <a:avLst/>
-          </a:prstGeom>
-          <a:noFill/>
-          <a:ln>
-            <a:solidFill>
-              <a:schemeClr val="bg1"/>
-            </a:solidFill>
-          </a:ln>
-        </p:spPr>
-        <p:txBody>
-          <a:bodyPr wrap="square" rtlCol="0">
-            <a:spAutoFit/>
-          </a:bodyPr>
-          <a:lstStyle/>
-          <a:p>
-            <a:r>
-              <a:rPr lang="en-GB" dirty="0" smtClean="0">
-                <a:solidFill>
-                  <a:schemeClr val="bg1"/>
-                </a:solidFill>
-                <a:latin typeface="Lucida Console" panose="020B0609040504020204" pitchFamily="49" charset="0"/>
-              </a:rPr>
-              <a:t>Login</a:t>
-            </a:r>
-            <a:endParaRPr lang="en-GB" dirty="0">
+          <a:p>
+            <a:endParaRPr lang="en-GB" sz="3600" b="1" dirty="0" smtClean="0">
               <a:solidFill>
                 <a:schemeClr val="bg1"/>
               </a:solidFill>
@@ -4717,82 +4102,270 @@
           </a:p>
         </p:txBody>
       </p:sp>
-      <p:cxnSp>
-        <p:nvCxnSpPr>
-          <p:cNvPr id="22" name="Straight Connector 21"/>
-          <p:cNvCxnSpPr/>
+      <p:pic>
+        <p:nvPicPr>
+          <p:cNvPr id="7" name="Picture 6"/>
+          <p:cNvPicPr>
+            <a:picLocks noChangeAspect="1"/>
+          </p:cNvPicPr>
           <p:nvPr/>
-        </p:nvCxnSpPr>
-        <p:spPr>
-          <a:xfrm>
-            <a:off x="11001375" y="3530840"/>
-            <a:ext cx="0" cy="353761"/>
-          </a:xfrm>
-          <a:prstGeom prst="line">
+        </p:nvPicPr>
+        <p:blipFill>
+          <a:blip r:embed="rId3"/>
+          <a:stretch>
+            <a:fillRect/>
+          </a:stretch>
+        </p:blipFill>
+        <p:spPr>
+          <a:xfrm>
+            <a:off x="823286" y="2911898"/>
+            <a:ext cx="10423035" cy="1372312"/>
+          </a:xfrm>
+          <a:prstGeom prst="rect">
             <a:avLst/>
           </a:prstGeom>
-          <a:ln w="38100">
-            <a:solidFill>
-              <a:schemeClr val="bg1"/>
-            </a:solidFill>
-          </a:ln>
-        </p:spPr>
-        <p:style>
-          <a:lnRef idx="1">
-            <a:schemeClr val="accent1"/>
-          </a:lnRef>
-          <a:fillRef idx="0">
-            <a:schemeClr val="accent1"/>
-          </a:fillRef>
-          <a:effectRef idx="0">
-            <a:schemeClr val="accent1"/>
-          </a:effectRef>
-          <a:fontRef idx="minor">
-            <a:schemeClr val="tx1"/>
-          </a:fontRef>
-        </p:style>
-      </p:cxnSp>
-      <p:sp>
-        <p:nvSpPr>
-          <p:cNvPr id="24" name="TextBox 23"/>
-          <p:cNvSpPr txBox="1"/>
+        </p:spPr>
+      </p:pic>
+      <p:sp>
+        <p:nvSpPr>
+          <p:cNvPr id="11" name="Rectangle 10"/>
+          <p:cNvSpPr/>
           <p:nvPr/>
         </p:nvSpPr>
         <p:spPr>
           <a:xfrm>
-            <a:off x="10408625" y="3884601"/>
-            <a:ext cx="1488832" cy="369332"/>
+            <a:off x="945678" y="3598054"/>
+            <a:ext cx="772968" cy="461665"/>
           </a:xfrm>
           <a:prstGeom prst="rect">
             <a:avLst/>
           </a:prstGeom>
           <a:noFill/>
-          <a:ln>
-            <a:solidFill>
-              <a:schemeClr val="bg1"/>
-            </a:solidFill>
-          </a:ln>
-        </p:spPr>
-        <p:txBody>
-          <a:bodyPr wrap="square" rtlCol="0">
+        </p:spPr>
+        <p:txBody>
+          <a:bodyPr wrap="none" lIns="91440" tIns="45720" rIns="91440" bIns="45720">
             <a:spAutoFit/>
           </a:bodyPr>
           <a:lstStyle/>
           <a:p>
-            <a:r>
-              <a:rPr lang="en-GB" dirty="0" err="1" smtClean="0">
-                <a:solidFill>
-                  <a:schemeClr val="bg1"/>
-                </a:solidFill>
-                <a:latin typeface="Lucida Console" panose="020B0609040504020204" pitchFamily="49" charset="0"/>
+            <a:pPr algn="ctr"/>
+            <a:r>
+              <a:rPr lang="en-US" sz="2400" b="1" cap="none" spc="0" dirty="0" smtClean="0">
+                <a:ln w="10160">
+                  <a:noFill/>
+                  <a:prstDash val="solid"/>
+                </a:ln>
+                <a:solidFill>
+                  <a:srgbClr val="FFFFFF"/>
+                </a:solidFill>
+                <a:effectLst>
+                  <a:outerShdw blurRad="38100" dist="22860" dir="5400000" algn="tl" rotWithShape="0">
+                    <a:srgbClr val="000000">
+                      <a:alpha val="30000"/>
+                    </a:srgbClr>
+                  </a:outerShdw>
+                </a:effectLst>
               </a:rPr>
-              <a:t>myAccount</a:t>
-            </a:r>
-            <a:endParaRPr lang="en-GB" dirty="0">
+              <a:t>User</a:t>
+            </a:r>
+            <a:endParaRPr lang="en-US" sz="5400" b="1" cap="none" spc="0" dirty="0">
+              <a:ln w="10160">
+                <a:noFill/>
+                <a:prstDash val="solid"/>
+              </a:ln>
               <a:solidFill>
-                <a:schemeClr val="bg1"/>
+                <a:srgbClr val="FFFFFF"/>
               </a:solidFill>
-              <a:latin typeface="Lucida Console" panose="020B0609040504020204" pitchFamily="49" charset="0"/>
+              <a:effectLst>
+                <a:outerShdw blurRad="38100" dist="22860" dir="5400000" algn="tl" rotWithShape="0">
+                  <a:srgbClr val="000000">
+                    <a:alpha val="30000"/>
+                  </a:srgbClr>
+                </a:outerShdw>
+              </a:effectLst>
+            </a:endParaRPr>
+          </a:p>
+        </p:txBody>
+      </p:sp>
+      <p:sp>
+        <p:nvSpPr>
+          <p:cNvPr id="12" name="Rectangle 11"/>
+          <p:cNvSpPr/>
+          <p:nvPr/>
+        </p:nvSpPr>
+        <p:spPr>
+          <a:xfrm>
+            <a:off x="3960850" y="3429595"/>
+            <a:ext cx="923972" cy="461665"/>
+          </a:xfrm>
+          <a:prstGeom prst="rect">
+            <a:avLst/>
+          </a:prstGeom>
+          <a:noFill/>
+        </p:spPr>
+        <p:txBody>
+          <a:bodyPr wrap="none" lIns="91440" tIns="45720" rIns="91440" bIns="45720">
+            <a:spAutoFit/>
+          </a:bodyPr>
+          <a:lstStyle/>
+          <a:p>
+            <a:pPr algn="ctr"/>
+            <a:r>
+              <a:rPr lang="en-US" sz="2400" b="1" cap="none" spc="0" dirty="0" smtClean="0">
+                <a:ln w="10160">
+                  <a:noFill/>
+                  <a:prstDash val="solid"/>
+                </a:ln>
+                <a:solidFill>
+                  <a:srgbClr val="FFFFFF"/>
+                </a:solidFill>
+                <a:effectLst>
+                  <a:outerShdw blurRad="38100" dist="22860" dir="5400000" algn="tl" rotWithShape="0">
+                    <a:srgbClr val="000000">
+                      <a:alpha val="30000"/>
+                    </a:srgbClr>
+                  </a:outerShdw>
+                </a:effectLst>
+              </a:rPr>
+              <a:t>Client</a:t>
+            </a:r>
+            <a:endParaRPr lang="en-US" sz="5400" b="1" cap="none" spc="0" dirty="0">
+              <a:ln w="10160">
+                <a:noFill/>
+                <a:prstDash val="solid"/>
+              </a:ln>
+              <a:solidFill>
+                <a:srgbClr val="FFFFFF"/>
+              </a:solidFill>
+              <a:effectLst>
+                <a:outerShdw blurRad="38100" dist="22860" dir="5400000" algn="tl" rotWithShape="0">
+                  <a:srgbClr val="000000">
+                    <a:alpha val="30000"/>
+                  </a:srgbClr>
+                </a:outerShdw>
+              </a:effectLst>
+            </a:endParaRPr>
+          </a:p>
+        </p:txBody>
+      </p:sp>
+      <p:sp>
+        <p:nvSpPr>
+          <p:cNvPr id="13" name="Rectangle 12"/>
+          <p:cNvSpPr/>
+          <p:nvPr/>
+        </p:nvSpPr>
+        <p:spPr>
+          <a:xfrm>
+            <a:off x="6777286" y="3421046"/>
+            <a:ext cx="1728102" cy="461665"/>
+          </a:xfrm>
+          <a:prstGeom prst="rect">
+            <a:avLst/>
+          </a:prstGeom>
+          <a:noFill/>
+        </p:spPr>
+        <p:txBody>
+          <a:bodyPr wrap="none" lIns="91440" tIns="45720" rIns="91440" bIns="45720">
+            <a:spAutoFit/>
+          </a:bodyPr>
+          <a:lstStyle/>
+          <a:p>
+            <a:pPr algn="ctr"/>
+            <a:r>
+              <a:rPr lang="en-US" sz="2400" b="1" cap="none" spc="0" dirty="0" smtClean="0">
+                <a:ln w="10160">
+                  <a:noFill/>
+                  <a:prstDash val="solid"/>
+                </a:ln>
+                <a:solidFill>
+                  <a:srgbClr val="FFFFFF"/>
+                </a:solidFill>
+                <a:effectLst>
+                  <a:outerShdw blurRad="38100" dist="22860" dir="5400000" algn="tl" rotWithShape="0">
+                    <a:srgbClr val="000000">
+                      <a:alpha val="30000"/>
+                    </a:srgbClr>
+                  </a:outerShdw>
+                </a:effectLst>
+              </a:rPr>
+              <a:t>Middleware</a:t>
+            </a:r>
+            <a:endParaRPr lang="en-US" sz="5400" b="1" cap="none" spc="0" dirty="0">
+              <a:ln w="10160">
+                <a:noFill/>
+                <a:prstDash val="solid"/>
+              </a:ln>
+              <a:solidFill>
+                <a:srgbClr val="FFFFFF"/>
+              </a:solidFill>
+              <a:effectLst>
+                <a:outerShdw blurRad="38100" dist="22860" dir="5400000" algn="tl" rotWithShape="0">
+                  <a:srgbClr val="000000">
+                    <a:alpha val="30000"/>
+                  </a:srgbClr>
+                </a:outerShdw>
+              </a:effectLst>
+            </a:endParaRPr>
+          </a:p>
+        </p:txBody>
+      </p:sp>
+      <p:sp>
+        <p:nvSpPr>
+          <p:cNvPr id="14" name="Rectangle 13"/>
+          <p:cNvSpPr/>
+          <p:nvPr/>
+        </p:nvSpPr>
+        <p:spPr>
+          <a:xfrm>
+            <a:off x="10164490" y="3521109"/>
+            <a:ext cx="880176" cy="307777"/>
+          </a:xfrm>
+          <a:prstGeom prst="rect">
+            <a:avLst/>
+          </a:prstGeom>
+          <a:noFill/>
+        </p:spPr>
+        <p:txBody>
+          <a:bodyPr wrap="none" lIns="91440" tIns="45720" rIns="91440" bIns="45720">
+            <a:spAutoFit/>
+          </a:bodyPr>
+          <a:lstStyle/>
+          <a:p>
+            <a:pPr algn="ctr"/>
+            <a:r>
+              <a:rPr lang="en-US" sz="1400" b="1" cap="none" spc="0" dirty="0" smtClean="0">
+                <a:ln w="10160">
+                  <a:noFill/>
+                  <a:prstDash val="solid"/>
+                </a:ln>
+                <a:solidFill>
+                  <a:srgbClr val="FFFFFF"/>
+                </a:solidFill>
+                <a:effectLst>
+                  <a:outerShdw blurRad="38100" dist="22860" dir="5400000" algn="tl" rotWithShape="0">
+                    <a:srgbClr val="000000">
+                      <a:alpha val="30000"/>
+                    </a:srgbClr>
+                  </a:outerShdw>
+                </a:effectLst>
+              </a:rPr>
+              <a:t>Database</a:t>
+            </a:r>
+            <a:endParaRPr lang="en-US" sz="3600" b="1" cap="none" spc="0" dirty="0">
+              <a:ln w="10160">
+                <a:noFill/>
+                <a:prstDash val="solid"/>
+              </a:ln>
+              <a:solidFill>
+                <a:srgbClr val="FFFFFF"/>
+              </a:solidFill>
+              <a:effectLst>
+                <a:outerShdw blurRad="38100" dist="22860" dir="5400000" algn="tl" rotWithShape="0">
+                  <a:srgbClr val="000000">
+                    <a:alpha val="30000"/>
+                  </a:srgbClr>
+                </a:outerShdw>
+              </a:effectLst>
             </a:endParaRPr>
           </a:p>
         </p:txBody>
@@ -4800,7 +4373,7 @@
     </p:spTree>
     <p:extLst>
       <p:ext uri="{BB962C8B-B14F-4D97-AF65-F5344CB8AC3E}">
-        <p14:creationId xmlns:p14="http://schemas.microsoft.com/office/powerpoint/2010/main" val="948690967"/>
+        <p14:creationId xmlns:p14="http://schemas.microsoft.com/office/powerpoint/2010/main" val="1228022812"/>
       </p:ext>
     </p:extLst>
   </p:cSld>
@@ -4867,19 +4440,24 @@
       </p:pic>
       <p:sp>
         <p:nvSpPr>
-          <p:cNvPr id="35" name="TextBox 34"/>
+          <p:cNvPr id="3" name="TextBox 2"/>
           <p:cNvSpPr txBox="1"/>
           <p:nvPr/>
         </p:nvSpPr>
         <p:spPr>
           <a:xfrm>
-            <a:off x="761999" y="961292"/>
-            <a:ext cx="9334501" cy="6186309"/>
+            <a:off x="4009292" y="1500553"/>
+            <a:ext cx="1922585" cy="646331"/>
           </a:xfrm>
           <a:prstGeom prst="rect">
             <a:avLst/>
           </a:prstGeom>
           <a:noFill/>
+          <a:ln>
+            <a:solidFill>
+              <a:schemeClr val="bg1"/>
+            </a:solidFill>
+          </a:ln>
         </p:spPr>
         <p:txBody>
           <a:bodyPr wrap="square" rtlCol="0">
@@ -4888,13 +4466,570 @@
           <a:lstStyle/>
           <a:p>
             <a:r>
-              <a:rPr lang="en-GB" sz="3600" b="1" dirty="0" smtClean="0">
+              <a:rPr lang="en-GB" dirty="0" smtClean="0">
                 <a:solidFill>
                   <a:schemeClr val="bg1"/>
                 </a:solidFill>
                 <a:latin typeface="Lucida Console" panose="020B0609040504020204" pitchFamily="49" charset="0"/>
               </a:rPr>
-              <a:t>Site URLs</a:t>
+              <a:t>Home Page(index)</a:t>
+            </a:r>
+            <a:endParaRPr lang="en-GB" dirty="0">
+              <a:solidFill>
+                <a:schemeClr val="bg1"/>
+              </a:solidFill>
+              <a:latin typeface="Lucida Console" panose="020B0609040504020204" pitchFamily="49" charset="0"/>
+            </a:endParaRPr>
+          </a:p>
+        </p:txBody>
+      </p:sp>
+      <p:sp>
+        <p:nvSpPr>
+          <p:cNvPr id="6" name="TextBox 5"/>
+          <p:cNvSpPr txBox="1"/>
+          <p:nvPr/>
+        </p:nvSpPr>
+        <p:spPr>
+          <a:xfrm>
+            <a:off x="3094891" y="3115434"/>
+            <a:ext cx="1922585" cy="369332"/>
+          </a:xfrm>
+          <a:prstGeom prst="rect">
+            <a:avLst/>
+          </a:prstGeom>
+          <a:noFill/>
+          <a:ln>
+            <a:solidFill>
+              <a:schemeClr val="bg1"/>
+            </a:solidFill>
+          </a:ln>
+        </p:spPr>
+        <p:txBody>
+          <a:bodyPr wrap="square" rtlCol="0">
+            <a:spAutoFit/>
+          </a:bodyPr>
+          <a:lstStyle/>
+          <a:p>
+            <a:r>
+              <a:rPr lang="en-GB" dirty="0" smtClean="0">
+                <a:solidFill>
+                  <a:schemeClr val="bg1"/>
+                </a:solidFill>
+                <a:latin typeface="Lucida Console" panose="020B0609040504020204" pitchFamily="49" charset="0"/>
+              </a:rPr>
+              <a:t>Help</a:t>
+            </a:r>
+            <a:endParaRPr lang="en-GB" dirty="0">
+              <a:solidFill>
+                <a:schemeClr val="bg1"/>
+              </a:solidFill>
+              <a:latin typeface="Lucida Console" panose="020B0609040504020204" pitchFamily="49" charset="0"/>
+            </a:endParaRPr>
+          </a:p>
+        </p:txBody>
+      </p:sp>
+      <p:sp>
+        <p:nvSpPr>
+          <p:cNvPr id="7" name="TextBox 6"/>
+          <p:cNvSpPr txBox="1"/>
+          <p:nvPr/>
+        </p:nvSpPr>
+        <p:spPr>
+          <a:xfrm>
+            <a:off x="5639551" y="3115434"/>
+            <a:ext cx="2508737" cy="369332"/>
+          </a:xfrm>
+          <a:prstGeom prst="rect">
+            <a:avLst/>
+          </a:prstGeom>
+          <a:noFill/>
+          <a:ln>
+            <a:solidFill>
+              <a:schemeClr val="bg1"/>
+            </a:solidFill>
+          </a:ln>
+        </p:spPr>
+        <p:txBody>
+          <a:bodyPr wrap="square" rtlCol="0">
+            <a:spAutoFit/>
+          </a:bodyPr>
+          <a:lstStyle/>
+          <a:p>
+            <a:r>
+              <a:rPr lang="en-GB" dirty="0" smtClean="0">
+                <a:solidFill>
+                  <a:schemeClr val="bg1"/>
+                </a:solidFill>
+                <a:latin typeface="Lucida Console" panose="020B0609040504020204" pitchFamily="49" charset="0"/>
+              </a:rPr>
+              <a:t>Stats (</a:t>
+            </a:r>
+            <a:r>
+              <a:rPr lang="en-GB" dirty="0" err="1" smtClean="0">
+                <a:solidFill>
+                  <a:schemeClr val="bg1"/>
+                </a:solidFill>
+                <a:latin typeface="Lucida Console" panose="020B0609040504020204" pitchFamily="49" charset="0"/>
+              </a:rPr>
+              <a:t>hivemind</a:t>
+            </a:r>
+            <a:r>
+              <a:rPr lang="en-GB" dirty="0" smtClean="0">
+                <a:solidFill>
+                  <a:schemeClr val="bg1"/>
+                </a:solidFill>
+                <a:latin typeface="Lucida Console" panose="020B0609040504020204" pitchFamily="49" charset="0"/>
+              </a:rPr>
+              <a:t>)</a:t>
+            </a:r>
+            <a:endParaRPr lang="en-GB" dirty="0">
+              <a:solidFill>
+                <a:schemeClr val="bg1"/>
+              </a:solidFill>
+              <a:latin typeface="Lucida Console" panose="020B0609040504020204" pitchFamily="49" charset="0"/>
+            </a:endParaRPr>
+          </a:p>
+        </p:txBody>
+      </p:sp>
+      <p:sp>
+        <p:nvSpPr>
+          <p:cNvPr id="9" name="TextBox 8"/>
+          <p:cNvSpPr txBox="1"/>
+          <p:nvPr/>
+        </p:nvSpPr>
+        <p:spPr>
+          <a:xfrm>
+            <a:off x="128952" y="3115434"/>
+            <a:ext cx="1922585" cy="369332"/>
+          </a:xfrm>
+          <a:prstGeom prst="rect">
+            <a:avLst/>
+          </a:prstGeom>
+          <a:noFill/>
+          <a:ln>
+            <a:solidFill>
+              <a:schemeClr val="bg1"/>
+            </a:solidFill>
+          </a:ln>
+        </p:spPr>
+        <p:txBody>
+          <a:bodyPr wrap="square" rtlCol="0">
+            <a:spAutoFit/>
+          </a:bodyPr>
+          <a:lstStyle/>
+          <a:p>
+            <a:r>
+              <a:rPr lang="en-GB" dirty="0" smtClean="0">
+                <a:solidFill>
+                  <a:schemeClr val="bg1"/>
+                </a:solidFill>
+                <a:latin typeface="Lucida Console" panose="020B0609040504020204" pitchFamily="49" charset="0"/>
+              </a:rPr>
+              <a:t>Play</a:t>
+            </a:r>
+            <a:endParaRPr lang="en-GB" dirty="0">
+              <a:solidFill>
+                <a:schemeClr val="bg1"/>
+              </a:solidFill>
+              <a:latin typeface="Lucida Console" panose="020B0609040504020204" pitchFamily="49" charset="0"/>
+            </a:endParaRPr>
+          </a:p>
+        </p:txBody>
+      </p:sp>
+      <p:sp>
+        <p:nvSpPr>
+          <p:cNvPr id="10" name="TextBox 9"/>
+          <p:cNvSpPr txBox="1"/>
+          <p:nvPr/>
+        </p:nvSpPr>
+        <p:spPr>
+          <a:xfrm>
+            <a:off x="4350012" y="4488594"/>
+            <a:ext cx="1922585" cy="646331"/>
+          </a:xfrm>
+          <a:prstGeom prst="rect">
+            <a:avLst/>
+          </a:prstGeom>
+          <a:noFill/>
+          <a:ln>
+            <a:solidFill>
+              <a:schemeClr val="bg1"/>
+            </a:solidFill>
+          </a:ln>
+        </p:spPr>
+        <p:txBody>
+          <a:bodyPr wrap="square" rtlCol="0">
+            <a:spAutoFit/>
+          </a:bodyPr>
+          <a:lstStyle/>
+          <a:p>
+            <a:r>
+              <a:rPr lang="en-GB" dirty="0" smtClean="0">
+                <a:solidFill>
+                  <a:schemeClr val="bg1"/>
+                </a:solidFill>
+                <a:latin typeface="Lucida Console" panose="020B0609040504020204" pitchFamily="49" charset="0"/>
+              </a:rPr>
+              <a:t>Hall of fame/shame</a:t>
+            </a:r>
+            <a:endParaRPr lang="en-GB" dirty="0">
+              <a:solidFill>
+                <a:schemeClr val="bg1"/>
+              </a:solidFill>
+              <a:latin typeface="Lucida Console" panose="020B0609040504020204" pitchFamily="49" charset="0"/>
+            </a:endParaRPr>
+          </a:p>
+        </p:txBody>
+      </p:sp>
+      <p:sp>
+        <p:nvSpPr>
+          <p:cNvPr id="11" name="TextBox 10"/>
+          <p:cNvSpPr txBox="1"/>
+          <p:nvPr/>
+        </p:nvSpPr>
+        <p:spPr>
+          <a:xfrm>
+            <a:off x="6816610" y="4488594"/>
+            <a:ext cx="2309448" cy="369332"/>
+          </a:xfrm>
+          <a:prstGeom prst="rect">
+            <a:avLst/>
+          </a:prstGeom>
+          <a:noFill/>
+          <a:ln>
+            <a:solidFill>
+              <a:schemeClr val="bg1"/>
+            </a:solidFill>
+          </a:ln>
+        </p:spPr>
+        <p:txBody>
+          <a:bodyPr wrap="square" rtlCol="0">
+            <a:spAutoFit/>
+          </a:bodyPr>
+          <a:lstStyle/>
+          <a:p>
+            <a:r>
+              <a:rPr lang="en-GB" dirty="0" err="1" smtClean="0">
+                <a:solidFill>
+                  <a:schemeClr val="bg1"/>
+                </a:solidFill>
+                <a:latin typeface="Lucida Console" panose="020B0609040504020204" pitchFamily="49" charset="0"/>
+              </a:rPr>
+              <a:t>Userbase</a:t>
+            </a:r>
+            <a:r>
+              <a:rPr lang="en-GB" dirty="0" smtClean="0">
+                <a:solidFill>
+                  <a:schemeClr val="bg1"/>
+                </a:solidFill>
+                <a:latin typeface="Lucida Console" panose="020B0609040504020204" pitchFamily="49" charset="0"/>
+              </a:rPr>
+              <a:t> Stats</a:t>
+            </a:r>
+            <a:endParaRPr lang="en-GB" dirty="0">
+              <a:solidFill>
+                <a:schemeClr val="bg1"/>
+              </a:solidFill>
+              <a:latin typeface="Lucida Console" panose="020B0609040504020204" pitchFamily="49" charset="0"/>
+            </a:endParaRPr>
+          </a:p>
+        </p:txBody>
+      </p:sp>
+      <p:cxnSp>
+        <p:nvCxnSpPr>
+          <p:cNvPr id="12" name="Straight Connector 11"/>
+          <p:cNvCxnSpPr/>
+          <p:nvPr/>
+        </p:nvCxnSpPr>
+        <p:spPr>
+          <a:xfrm flipH="1">
+            <a:off x="4858327" y="2130695"/>
+            <a:ext cx="18473" cy="667923"/>
+          </a:xfrm>
+          <a:prstGeom prst="line">
+            <a:avLst/>
+          </a:prstGeom>
+          <a:ln w="38100">
+            <a:solidFill>
+              <a:schemeClr val="bg1"/>
+            </a:solidFill>
+          </a:ln>
+        </p:spPr>
+        <p:style>
+          <a:lnRef idx="1">
+            <a:schemeClr val="accent1"/>
+          </a:lnRef>
+          <a:fillRef idx="0">
+            <a:schemeClr val="accent1"/>
+          </a:fillRef>
+          <a:effectRef idx="0">
+            <a:schemeClr val="accent1"/>
+          </a:effectRef>
+          <a:fontRef idx="minor">
+            <a:schemeClr val="tx1"/>
+          </a:fontRef>
+        </p:style>
+      </p:cxnSp>
+      <p:cxnSp>
+        <p:nvCxnSpPr>
+          <p:cNvPr id="16" name="Straight Connector 15"/>
+          <p:cNvCxnSpPr/>
+          <p:nvPr/>
+        </p:nvCxnSpPr>
+        <p:spPr>
+          <a:xfrm>
+            <a:off x="869084" y="2743614"/>
+            <a:ext cx="10029059" cy="47671"/>
+          </a:xfrm>
+          <a:prstGeom prst="line">
+            <a:avLst/>
+          </a:prstGeom>
+          <a:ln w="38100">
+            <a:solidFill>
+              <a:schemeClr val="bg1"/>
+            </a:solidFill>
+          </a:ln>
+        </p:spPr>
+        <p:style>
+          <a:lnRef idx="1">
+            <a:schemeClr val="accent1"/>
+          </a:lnRef>
+          <a:fillRef idx="0">
+            <a:schemeClr val="accent1"/>
+          </a:fillRef>
+          <a:effectRef idx="0">
+            <a:schemeClr val="accent1"/>
+          </a:effectRef>
+          <a:fontRef idx="minor">
+            <a:schemeClr val="tx1"/>
+          </a:fontRef>
+        </p:style>
+      </p:cxnSp>
+      <p:cxnSp>
+        <p:nvCxnSpPr>
+          <p:cNvPr id="23" name="Straight Connector 22"/>
+          <p:cNvCxnSpPr/>
+          <p:nvPr/>
+        </p:nvCxnSpPr>
+        <p:spPr>
+          <a:xfrm>
+            <a:off x="869084" y="2761673"/>
+            <a:ext cx="0" cy="353761"/>
+          </a:xfrm>
+          <a:prstGeom prst="line">
+            <a:avLst/>
+          </a:prstGeom>
+          <a:ln w="38100">
+            <a:solidFill>
+              <a:schemeClr val="bg1"/>
+            </a:solidFill>
+          </a:ln>
+        </p:spPr>
+        <p:style>
+          <a:lnRef idx="1">
+            <a:schemeClr val="accent1"/>
+          </a:lnRef>
+          <a:fillRef idx="0">
+            <a:schemeClr val="accent1"/>
+          </a:fillRef>
+          <a:effectRef idx="0">
+            <a:schemeClr val="accent1"/>
+          </a:effectRef>
+          <a:fontRef idx="minor">
+            <a:schemeClr val="tx1"/>
+          </a:fontRef>
+        </p:style>
+      </p:cxnSp>
+      <p:cxnSp>
+        <p:nvCxnSpPr>
+          <p:cNvPr id="27" name="Straight Connector 26"/>
+          <p:cNvCxnSpPr/>
+          <p:nvPr/>
+        </p:nvCxnSpPr>
+        <p:spPr>
+          <a:xfrm>
+            <a:off x="3972502" y="2761672"/>
+            <a:ext cx="0" cy="353761"/>
+          </a:xfrm>
+          <a:prstGeom prst="line">
+            <a:avLst/>
+          </a:prstGeom>
+          <a:ln w="38100">
+            <a:solidFill>
+              <a:schemeClr val="bg1"/>
+            </a:solidFill>
+          </a:ln>
+        </p:spPr>
+        <p:style>
+          <a:lnRef idx="1">
+            <a:schemeClr val="accent1"/>
+          </a:lnRef>
+          <a:fillRef idx="0">
+            <a:schemeClr val="accent1"/>
+          </a:fillRef>
+          <a:effectRef idx="0">
+            <a:schemeClr val="accent1"/>
+          </a:effectRef>
+          <a:fontRef idx="minor">
+            <a:schemeClr val="tx1"/>
+          </a:fontRef>
+        </p:style>
+      </p:cxnSp>
+      <p:cxnSp>
+        <p:nvCxnSpPr>
+          <p:cNvPr id="28" name="Straight Connector 27"/>
+          <p:cNvCxnSpPr/>
+          <p:nvPr/>
+        </p:nvCxnSpPr>
+        <p:spPr>
+          <a:xfrm>
+            <a:off x="6986568" y="2761672"/>
+            <a:ext cx="0" cy="353761"/>
+          </a:xfrm>
+          <a:prstGeom prst="line">
+            <a:avLst/>
+          </a:prstGeom>
+          <a:ln w="38100">
+            <a:solidFill>
+              <a:schemeClr val="bg1"/>
+            </a:solidFill>
+          </a:ln>
+        </p:spPr>
+        <p:style>
+          <a:lnRef idx="1">
+            <a:schemeClr val="accent1"/>
+          </a:lnRef>
+          <a:fillRef idx="0">
+            <a:schemeClr val="accent1"/>
+          </a:fillRef>
+          <a:effectRef idx="0">
+            <a:schemeClr val="accent1"/>
+          </a:effectRef>
+          <a:fontRef idx="minor">
+            <a:schemeClr val="tx1"/>
+          </a:fontRef>
+        </p:style>
+      </p:cxnSp>
+      <p:cxnSp>
+        <p:nvCxnSpPr>
+          <p:cNvPr id="29" name="Straight Connector 28"/>
+          <p:cNvCxnSpPr/>
+          <p:nvPr/>
+        </p:nvCxnSpPr>
+        <p:spPr>
+          <a:xfrm>
+            <a:off x="5803674" y="3484766"/>
+            <a:ext cx="0" cy="1003828"/>
+          </a:xfrm>
+          <a:prstGeom prst="line">
+            <a:avLst/>
+          </a:prstGeom>
+          <a:ln w="38100">
+            <a:solidFill>
+              <a:schemeClr val="bg1"/>
+            </a:solidFill>
+          </a:ln>
+        </p:spPr>
+        <p:style>
+          <a:lnRef idx="1">
+            <a:schemeClr val="accent1"/>
+          </a:lnRef>
+          <a:fillRef idx="0">
+            <a:schemeClr val="accent1"/>
+          </a:fillRef>
+          <a:effectRef idx="0">
+            <a:schemeClr val="accent1"/>
+          </a:effectRef>
+          <a:fontRef idx="minor">
+            <a:schemeClr val="tx1"/>
+          </a:fontRef>
+        </p:style>
+      </p:cxnSp>
+      <p:cxnSp>
+        <p:nvCxnSpPr>
+          <p:cNvPr id="33" name="Straight Connector 32"/>
+          <p:cNvCxnSpPr/>
+          <p:nvPr/>
+        </p:nvCxnSpPr>
+        <p:spPr>
+          <a:xfrm>
+            <a:off x="7948997" y="3484766"/>
+            <a:ext cx="5861" cy="1003828"/>
+          </a:xfrm>
+          <a:prstGeom prst="line">
+            <a:avLst/>
+          </a:prstGeom>
+          <a:ln w="38100">
+            <a:solidFill>
+              <a:schemeClr val="bg1"/>
+            </a:solidFill>
+          </a:ln>
+        </p:spPr>
+        <p:style>
+          <a:lnRef idx="1">
+            <a:schemeClr val="accent1"/>
+          </a:lnRef>
+          <a:fillRef idx="0">
+            <a:schemeClr val="accent1"/>
+          </a:fillRef>
+          <a:effectRef idx="0">
+            <a:schemeClr val="accent1"/>
+          </a:effectRef>
+          <a:fontRef idx="minor">
+            <a:schemeClr val="tx1"/>
+          </a:fontRef>
+        </p:style>
+      </p:cxnSp>
+      <p:sp>
+        <p:nvSpPr>
+          <p:cNvPr id="35" name="TextBox 34"/>
+          <p:cNvSpPr txBox="1"/>
+          <p:nvPr/>
+        </p:nvSpPr>
+        <p:spPr>
+          <a:xfrm>
+            <a:off x="539261" y="716643"/>
+            <a:ext cx="9061939" cy="1754326"/>
+          </a:xfrm>
+          <a:prstGeom prst="rect">
+            <a:avLst/>
+          </a:prstGeom>
+          <a:noFill/>
+        </p:spPr>
+        <p:txBody>
+          <a:bodyPr wrap="square" rtlCol="0">
+            <a:spAutoFit/>
+          </a:bodyPr>
+          <a:lstStyle/>
+          <a:p>
+            <a:r>
+              <a:rPr lang="en-GB" sz="3600" b="1" dirty="0" smtClean="0">
+                <a:solidFill>
+                  <a:schemeClr val="bg1"/>
+                </a:solidFill>
+                <a:latin typeface="Lucida Console" panose="020B0609040504020204" pitchFamily="49" charset="0"/>
+              </a:rPr>
+              <a:t>Walkthrough:</a:t>
+            </a:r>
+          </a:p>
+          <a:p>
+            <a:r>
+              <a:rPr lang="en-GB" sz="3600" b="1" dirty="0" smtClean="0">
+                <a:solidFill>
+                  <a:schemeClr val="bg1"/>
+                </a:solidFill>
+                <a:latin typeface="Lucida Console" panose="020B0609040504020204" pitchFamily="49" charset="0"/>
+              </a:rPr>
+              <a:t>Site </a:t>
+            </a:r>
+            <a:r>
+              <a:rPr lang="en-GB" sz="3600" b="1" dirty="0" smtClean="0">
+                <a:solidFill>
+                  <a:schemeClr val="bg1"/>
+                </a:solidFill>
+                <a:latin typeface="Lucida Console" panose="020B0609040504020204" pitchFamily="49" charset="0"/>
+              </a:rPr>
+              <a:t>Map</a:t>
             </a:r>
           </a:p>
           <a:p>
@@ -4905,41 +5040,258 @@
               <a:latin typeface="Lucida Console" panose="020B0609040504020204" pitchFamily="49" charset="0"/>
             </a:endParaRPr>
           </a:p>
-          <a:p>
-            <a:pPr marL="571500" indent="-571500">
-              <a:buFont typeface="Arial" panose="020B0604020202020204" pitchFamily="34" charset="0"/>
-              <a:buChar char="•"/>
-            </a:pPr>
-            <a:r>
-              <a:rPr lang="en-GB" sz="3600" b="1" dirty="0" smtClean="0">
+        </p:txBody>
+      </p:sp>
+      <p:cxnSp>
+        <p:nvCxnSpPr>
+          <p:cNvPr id="19" name="Straight Connector 18"/>
+          <p:cNvCxnSpPr/>
+          <p:nvPr/>
+        </p:nvCxnSpPr>
+        <p:spPr>
+          <a:xfrm>
+            <a:off x="9460894" y="2806856"/>
+            <a:ext cx="0" cy="353761"/>
+          </a:xfrm>
+          <a:prstGeom prst="line">
+            <a:avLst/>
+          </a:prstGeom>
+          <a:ln w="38100">
+            <a:solidFill>
+              <a:schemeClr val="bg1"/>
+            </a:solidFill>
+          </a:ln>
+        </p:spPr>
+        <p:style>
+          <a:lnRef idx="1">
+            <a:schemeClr val="accent1"/>
+          </a:lnRef>
+          <a:fillRef idx="0">
+            <a:schemeClr val="accent1"/>
+          </a:fillRef>
+          <a:effectRef idx="0">
+            <a:schemeClr val="accent1"/>
+          </a:effectRef>
+          <a:fontRef idx="minor">
+            <a:schemeClr val="tx1"/>
+          </a:fontRef>
+        </p:style>
+      </p:cxnSp>
+      <p:sp>
+        <p:nvSpPr>
+          <p:cNvPr id="21" name="TextBox 20"/>
+          <p:cNvSpPr txBox="1"/>
+          <p:nvPr/>
+        </p:nvSpPr>
+        <p:spPr>
+          <a:xfrm>
+            <a:off x="8868144" y="3169746"/>
+            <a:ext cx="1337898" cy="646331"/>
+          </a:xfrm>
+          <a:prstGeom prst="rect">
+            <a:avLst/>
+          </a:prstGeom>
+          <a:noFill/>
+          <a:ln>
+            <a:solidFill>
+              <a:schemeClr val="bg1"/>
+            </a:solidFill>
+          </a:ln>
+        </p:spPr>
+        <p:txBody>
+          <a:bodyPr wrap="square" rtlCol="0">
+            <a:spAutoFit/>
+          </a:bodyPr>
+          <a:lstStyle/>
+          <a:p>
+            <a:r>
+              <a:rPr lang="en-GB" dirty="0" smtClean="0">
                 <a:solidFill>
                   <a:schemeClr val="bg1"/>
                 </a:solidFill>
                 <a:latin typeface="Lucida Console" panose="020B0609040504020204" pitchFamily="49" charset="0"/>
               </a:rPr>
-              <a:t>/home</a:t>
-            </a:r>
-          </a:p>
-          <a:p>
-            <a:pPr marL="571500" indent="-571500">
-              <a:buFont typeface="Arial" panose="020B0604020202020204" pitchFamily="34" charset="0"/>
-              <a:buChar char="•"/>
-            </a:pPr>
-            <a:r>
-              <a:rPr lang="en-GB" sz="3600" b="1" dirty="0" smtClean="0">
+              <a:t>Create Account</a:t>
+            </a:r>
+            <a:endParaRPr lang="en-GB" dirty="0">
+              <a:solidFill>
+                <a:schemeClr val="bg1"/>
+              </a:solidFill>
+              <a:latin typeface="Lucida Console" panose="020B0609040504020204" pitchFamily="49" charset="0"/>
+            </a:endParaRPr>
+          </a:p>
+        </p:txBody>
+      </p:sp>
+      <p:cxnSp>
+        <p:nvCxnSpPr>
+          <p:cNvPr id="22" name="Straight Connector 21"/>
+          <p:cNvCxnSpPr/>
+          <p:nvPr/>
+        </p:nvCxnSpPr>
+        <p:spPr>
+          <a:xfrm>
+            <a:off x="10898143" y="2806856"/>
+            <a:ext cx="0" cy="353761"/>
+          </a:xfrm>
+          <a:prstGeom prst="line">
+            <a:avLst/>
+          </a:prstGeom>
+          <a:ln w="38100">
+            <a:solidFill>
+              <a:schemeClr val="bg1"/>
+            </a:solidFill>
+          </a:ln>
+        </p:spPr>
+        <p:style>
+          <a:lnRef idx="1">
+            <a:schemeClr val="accent1"/>
+          </a:lnRef>
+          <a:fillRef idx="0">
+            <a:schemeClr val="accent1"/>
+          </a:fillRef>
+          <a:effectRef idx="0">
+            <a:schemeClr val="accent1"/>
+          </a:effectRef>
+          <a:fontRef idx="minor">
+            <a:schemeClr val="tx1"/>
+          </a:fontRef>
+        </p:style>
+      </p:cxnSp>
+      <p:sp>
+        <p:nvSpPr>
+          <p:cNvPr id="24" name="TextBox 23"/>
+          <p:cNvSpPr txBox="1"/>
+          <p:nvPr/>
+        </p:nvSpPr>
+        <p:spPr>
+          <a:xfrm>
+            <a:off x="10305393" y="3160617"/>
+            <a:ext cx="1488832" cy="369332"/>
+          </a:xfrm>
+          <a:prstGeom prst="rect">
+            <a:avLst/>
+          </a:prstGeom>
+          <a:noFill/>
+          <a:ln>
+            <a:solidFill>
+              <a:schemeClr val="bg1"/>
+            </a:solidFill>
+          </a:ln>
+        </p:spPr>
+        <p:txBody>
+          <a:bodyPr wrap="square" rtlCol="0">
+            <a:spAutoFit/>
+          </a:bodyPr>
+          <a:lstStyle/>
+          <a:p>
+            <a:r>
+              <a:rPr lang="en-GB" dirty="0" err="1" smtClean="0">
                 <a:solidFill>
                   <a:schemeClr val="bg1"/>
                 </a:solidFill>
                 <a:latin typeface="Lucida Console" panose="020B0609040504020204" pitchFamily="49" charset="0"/>
               </a:rPr>
-              <a:t>/help</a:t>
-            </a:r>
-          </a:p>
-          <a:p>
-            <a:pPr marL="571500" indent="-571500">
-              <a:buFont typeface="Arial" panose="020B0604020202020204" pitchFamily="34" charset="0"/>
-              <a:buChar char="•"/>
-            </a:pPr>
+              <a:t>myAccount</a:t>
+            </a:r>
+            <a:endParaRPr lang="en-GB" dirty="0">
+              <a:solidFill>
+                <a:schemeClr val="bg1"/>
+              </a:solidFill>
+              <a:latin typeface="Lucida Console" panose="020B0609040504020204" pitchFamily="49" charset="0"/>
+            </a:endParaRPr>
+          </a:p>
+        </p:txBody>
+      </p:sp>
+    </p:spTree>
+    <p:extLst>
+      <p:ext uri="{BB962C8B-B14F-4D97-AF65-F5344CB8AC3E}">
+        <p14:creationId xmlns:p14="http://schemas.microsoft.com/office/powerpoint/2010/main" val="948690967"/>
+      </p:ext>
+    </p:extLst>
+  </p:cSld>
+  <p:clrMapOvr>
+    <a:masterClrMapping/>
+  </p:clrMapOvr>
+  <p:timing>
+    <p:tnLst>
+      <p:par>
+        <p:cTn id="1" dur="indefinite" restart="never" nodeType="tmRoot"/>
+      </p:par>
+    </p:tnLst>
+  </p:timing>
+</p:sld>
+</file>
+
+<file path=ppt/slides/slide6.xml><?xml version="1.0" encoding="utf-8"?>
+<p:sld xmlns:a="http://schemas.openxmlformats.org/drawingml/2006/main" xmlns:r="http://schemas.openxmlformats.org/officeDocument/2006/relationships" xmlns:p="http://schemas.openxmlformats.org/presentationml/2006/main">
+  <p:cSld>
+    <p:bg>
+      <p:bgPr>
+        <a:solidFill>
+          <a:schemeClr val="tx1"/>
+        </a:solidFill>
+        <a:effectLst/>
+      </p:bgPr>
+    </p:bg>
+    <p:spTree>
+      <p:nvGrpSpPr>
+        <p:cNvPr id="1" name=""/>
+        <p:cNvGrpSpPr/>
+        <p:nvPr/>
+      </p:nvGrpSpPr>
+      <p:grpSpPr>
+        <a:xfrm>
+          <a:off x="0" y="0"/>
+          <a:ext cx="0" cy="0"/>
+          <a:chOff x="0" y="0"/>
+          <a:chExt cx="0" cy="0"/>
+        </a:xfrm>
+      </p:grpSpPr>
+      <p:pic>
+        <p:nvPicPr>
+          <p:cNvPr id="5" name="Picture 4"/>
+          <p:cNvPicPr>
+            <a:picLocks noChangeAspect="1"/>
+          </p:cNvPicPr>
+          <p:nvPr/>
+        </p:nvPicPr>
+        <p:blipFill rotWithShape="1">
+          <a:blip r:embed="rId3"/>
+          <a:srcRect l="15897" t="46864" r="37180" b="45562"/>
+          <a:stretch/>
+        </p:blipFill>
+        <p:spPr>
+          <a:xfrm>
+            <a:off x="7455877" y="211015"/>
+            <a:ext cx="4290646" cy="750277"/>
+          </a:xfrm>
+          <a:prstGeom prst="rect">
+            <a:avLst/>
+          </a:prstGeom>
+        </p:spPr>
+      </p:pic>
+      <p:sp>
+        <p:nvSpPr>
+          <p:cNvPr id="35" name="TextBox 34"/>
+          <p:cNvSpPr txBox="1"/>
+          <p:nvPr/>
+        </p:nvSpPr>
+        <p:spPr>
+          <a:xfrm>
+            <a:off x="803188" y="738870"/>
+            <a:ext cx="9334501" cy="6740307"/>
+          </a:xfrm>
+          <a:prstGeom prst="rect">
+            <a:avLst/>
+          </a:prstGeom>
+          <a:noFill/>
+        </p:spPr>
+        <p:txBody>
+          <a:bodyPr wrap="square" rtlCol="0">
+            <a:spAutoFit/>
+          </a:bodyPr>
+          <a:lstStyle/>
+          <a:p>
             <a:r>
               <a:rPr lang="en-GB" sz="3600" b="1" dirty="0" smtClean="0">
                 <a:solidFill>
@@ -4947,17 +5299,10 @@
                 </a:solidFill>
                 <a:latin typeface="Lucida Console" panose="020B0609040504020204" pitchFamily="49" charset="0"/>
               </a:rPr>
-              <a:t>/</a:t>
-            </a:r>
-            <a:r>
-              <a:rPr lang="en-GB" sz="3600" b="1" dirty="0" err="1" smtClean="0">
-                <a:solidFill>
-                  <a:schemeClr val="bg1"/>
-                </a:solidFill>
-                <a:latin typeface="Lucida Console" panose="020B0609040504020204" pitchFamily="49" charset="0"/>
-              </a:rPr>
-              <a:t>hivemind</a:t>
-            </a:r>
+              <a:t>Site URLs</a:t>
+            </a:r>
+          </a:p>
+          <a:p>
             <a:endParaRPr lang="en-GB" sz="3600" b="1" dirty="0" smtClean="0">
               <a:solidFill>
                 <a:schemeClr val="bg1"/>
@@ -4966,6 +5311,96 @@
             </a:endParaRPr>
           </a:p>
           <a:p>
+            <a:pPr marL="571500" indent="-571500">
+              <a:buFont typeface="Arial" panose="020B0604020202020204" pitchFamily="34" charset="0"/>
+              <a:buChar char="•"/>
+            </a:pPr>
+            <a:r>
+              <a:rPr lang="en-GB" sz="3600" b="1" dirty="0" smtClean="0">
+                <a:solidFill>
+                  <a:schemeClr val="bg1"/>
+                </a:solidFill>
+                <a:latin typeface="Lucida Console" panose="020B0609040504020204" pitchFamily="49" charset="0"/>
+              </a:rPr>
+              <a:t>/</a:t>
+            </a:r>
+            <a:r>
+              <a:rPr lang="en-GB" sz="3600" b="1" dirty="0" smtClean="0">
+                <a:solidFill>
+                  <a:schemeClr val="bg1"/>
+                </a:solidFill>
+                <a:latin typeface="Lucida Console" panose="020B0609040504020204" pitchFamily="49" charset="0"/>
+              </a:rPr>
+              <a:t>home</a:t>
+            </a:r>
+          </a:p>
+          <a:p>
+            <a:pPr marL="571500" indent="-571500">
+              <a:buFont typeface="Arial" panose="020B0604020202020204" pitchFamily="34" charset="0"/>
+              <a:buChar char="•"/>
+            </a:pPr>
+            <a:r>
+              <a:rPr lang="en-GB" sz="3600" b="1" dirty="0" smtClean="0">
+                <a:solidFill>
+                  <a:schemeClr val="bg1"/>
+                </a:solidFill>
+                <a:latin typeface="Lucida Console" panose="020B0609040504020204" pitchFamily="49" charset="0"/>
+              </a:rPr>
+              <a:t>/play</a:t>
+            </a:r>
+            <a:endParaRPr lang="en-GB" sz="3600" b="1" dirty="0" smtClean="0">
+              <a:solidFill>
+                <a:schemeClr val="bg1"/>
+              </a:solidFill>
+              <a:latin typeface="Lucida Console" panose="020B0609040504020204" pitchFamily="49" charset="0"/>
+            </a:endParaRPr>
+          </a:p>
+          <a:p>
+            <a:pPr marL="571500" indent="-571500">
+              <a:buFont typeface="Arial" panose="020B0604020202020204" pitchFamily="34" charset="0"/>
+              <a:buChar char="•"/>
+            </a:pPr>
+            <a:r>
+              <a:rPr lang="en-GB" sz="3600" b="1" dirty="0" smtClean="0">
+                <a:solidFill>
+                  <a:schemeClr val="bg1"/>
+                </a:solidFill>
+                <a:latin typeface="Lucida Console" panose="020B0609040504020204" pitchFamily="49" charset="0"/>
+              </a:rPr>
+              <a:t>/help</a:t>
+            </a:r>
+          </a:p>
+          <a:p>
+            <a:pPr marL="571500" indent="-571500">
+              <a:buFont typeface="Arial" panose="020B0604020202020204" pitchFamily="34" charset="0"/>
+              <a:buChar char="•"/>
+            </a:pPr>
+            <a:r>
+              <a:rPr lang="en-GB" sz="3600" b="1" dirty="0" smtClean="0">
+                <a:solidFill>
+                  <a:schemeClr val="bg1"/>
+                </a:solidFill>
+                <a:latin typeface="Lucida Console" panose="020B0609040504020204" pitchFamily="49" charset="0"/>
+              </a:rPr>
+              <a:t>/</a:t>
+            </a:r>
+            <a:r>
+              <a:rPr lang="en-GB" sz="3600" b="1" dirty="0" err="1" smtClean="0">
+                <a:solidFill>
+                  <a:schemeClr val="bg1"/>
+                </a:solidFill>
+                <a:latin typeface="Lucida Console" panose="020B0609040504020204" pitchFamily="49" charset="0"/>
+              </a:rPr>
+              <a:t>hivemind</a:t>
+            </a:r>
+            <a:endParaRPr lang="en-GB" sz="3600" b="1" dirty="0" smtClean="0">
+              <a:solidFill>
+                <a:schemeClr val="bg1"/>
+              </a:solidFill>
+              <a:latin typeface="Lucida Console" panose="020B0609040504020204" pitchFamily="49" charset="0"/>
+            </a:endParaRPr>
+          </a:p>
+          <a:p>
             <a:pPr marL="1028700" lvl="1" indent="-571500">
               <a:buFont typeface="Arial" panose="020B0604020202020204" pitchFamily="34" charset="0"/>
               <a:buChar char="•"/>
@@ -5043,11 +5478,26 @@
                 </a:solidFill>
                 <a:latin typeface="Lucida Console" panose="020B0609040504020204" pitchFamily="49" charset="0"/>
               </a:rPr>
-              <a:t>/login</a:t>
-            </a:r>
-          </a:p>
-          <a:p>
-            <a:pPr marL="1028700" lvl="1" indent="-571500">
+              <a:t>/</a:t>
+            </a:r>
+            <a:r>
+              <a:rPr lang="en-GB" sz="3600" b="1" dirty="0" err="1" smtClean="0">
+                <a:solidFill>
+                  <a:schemeClr val="bg1"/>
+                </a:solidFill>
+                <a:latin typeface="Lucida Console" panose="020B0609040504020204" pitchFamily="49" charset="0"/>
+              </a:rPr>
+              <a:t>createAccount</a:t>
+            </a:r>
+            <a:endParaRPr lang="en-GB" sz="3600" b="1" dirty="0">
+              <a:solidFill>
+                <a:schemeClr val="bg1"/>
+              </a:solidFill>
+              <a:latin typeface="Lucida Console" panose="020B0609040504020204" pitchFamily="49" charset="0"/>
+            </a:endParaRPr>
+          </a:p>
+          <a:p>
+            <a:pPr marL="571500" indent="-571500">
               <a:buFont typeface="Arial" panose="020B0604020202020204" pitchFamily="34" charset="0"/>
               <a:buChar char="•"/>
             </a:pPr>
@@ -5058,7 +5508,7 @@
                 </a:solidFill>
                 <a:latin typeface="Lucida Console" panose="020B0609040504020204" pitchFamily="49" charset="0"/>
               </a:rPr>
-              <a:t>/login/</a:t>
+              <a:t>/</a:t>
             </a:r>
             <a:r>
               <a:rPr lang="en-GB" sz="3600" b="1" dirty="0" err="1" smtClean="0">
@@ -5067,7 +5517,7 @@
                 </a:solidFill>
                 <a:latin typeface="Lucida Console" panose="020B0609040504020204" pitchFamily="49" charset="0"/>
               </a:rPr>
-              <a:t>myaccount</a:t>
+              <a:t>myAccount</a:t>
             </a:r>
             <a:endParaRPr lang="en-GB" sz="3600" b="1" dirty="0" smtClean="0">
               <a:solidFill>

--- a/chris pres.pptx
+++ b/chris pres.pptx
@@ -5,7 +5,7 @@
     <p:sldMasterId id="2147483648" r:id="rId1"/>
   </p:sldMasterIdLst>
   <p:notesMasterIdLst>
-    <p:notesMasterId r:id="rId10"/>
+    <p:notesMasterId r:id="rId16"/>
   </p:notesMasterIdLst>
   <p:sldIdLst>
     <p:sldId id="256" r:id="rId2"/>
@@ -14,8 +14,14 @@
     <p:sldId id="266" r:id="rId5"/>
     <p:sldId id="259" r:id="rId6"/>
     <p:sldId id="264" r:id="rId7"/>
-    <p:sldId id="261" r:id="rId8"/>
-    <p:sldId id="263" r:id="rId9"/>
+    <p:sldId id="272" r:id="rId8"/>
+    <p:sldId id="261" r:id="rId9"/>
+    <p:sldId id="263" r:id="rId10"/>
+    <p:sldId id="276" r:id="rId11"/>
+    <p:sldId id="274" r:id="rId12"/>
+    <p:sldId id="273" r:id="rId13"/>
+    <p:sldId id="275" r:id="rId14"/>
+    <p:sldId id="267" r:id="rId15"/>
   </p:sldIdLst>
   <p:sldSz cx="12192000" cy="6858000"/>
   <p:notesSz cx="6858000" cy="9144000"/>
@@ -5280,15 +5286,15 @@
     </dgm:pt>
   </dgm:ptLst>
   <dgm:cxnLst>
+    <dgm:cxn modelId="{7068C12A-E797-4C77-9160-50BB05F2388B}" type="presOf" srcId="{5611B088-2AA9-4641-AF2B-4535F7E3EDAB}" destId="{1CB3F865-81B1-4AA3-9086-FE95E1FAB0C2}" srcOrd="0" destOrd="0" presId="urn:microsoft.com/office/officeart/2011/layout/RadialPictureList"/>
+    <dgm:cxn modelId="{20AE1E5C-D1C9-4F70-A46E-5045C485762D}" type="presOf" srcId="{056EA303-0037-4929-8FA9-2C950713965B}" destId="{33EF01F3-D2BF-4B52-8874-39DE12D74B3D}" srcOrd="0" destOrd="0" presId="urn:microsoft.com/office/officeart/2011/layout/RadialPictureList"/>
+    <dgm:cxn modelId="{4CD01006-F67F-4E37-8677-DB2CDDFA8992}" srcId="{056EA303-0037-4929-8FA9-2C950713965B}" destId="{5611B088-2AA9-4641-AF2B-4535F7E3EDAB}" srcOrd="0" destOrd="0" parTransId="{C845FA84-816A-452F-8F1F-80BC037B90D5}" sibTransId="{60FCF00B-6F4C-4801-A651-5F2FFD5BB451}"/>
     <dgm:cxn modelId="{BADA09A2-7676-4108-A496-CCF374C5E76F}" type="presOf" srcId="{1D2FC4A9-CFAE-4552-9B86-41616F44CB7B}" destId="{0612C705-EC5A-40F6-947B-8847AEB88B10}" srcOrd="0" destOrd="0" presId="urn:microsoft.com/office/officeart/2011/layout/RadialPictureList"/>
-    <dgm:cxn modelId="{AA5BE051-D330-41B5-8CD3-701459E5B45C}" srcId="{5611B088-2AA9-4641-AF2B-4535F7E3EDAB}" destId="{F6B2C05B-E37A-4643-A815-82B2B6132DEA}" srcOrd="2" destOrd="0" parTransId="{23971C17-9416-4A6A-8E1F-05682D221796}" sibTransId="{B151D5AF-9EA4-45F4-BE5E-C54E59903D43}"/>
+    <dgm:cxn modelId="{59BDFB89-0FAA-4092-8E2E-2C3A78C42BA7}" srcId="{5611B088-2AA9-4641-AF2B-4535F7E3EDAB}" destId="{1D2FC4A9-CFAE-4552-9B86-41616F44CB7B}" srcOrd="0" destOrd="0" parTransId="{70468EBC-5941-4474-9388-6EBCF53E9B80}" sibTransId="{09510F67-4258-4C9B-8448-664D0211BABB}"/>
     <dgm:cxn modelId="{4F90EDCB-E86C-4238-8FB3-025F40A5174D}" srcId="{5611B088-2AA9-4641-AF2B-4535F7E3EDAB}" destId="{32DF8C3A-4D24-49A0-B202-10750DBC65FD}" srcOrd="1" destOrd="0" parTransId="{B4F6F8D0-FE05-480C-B782-07208089639B}" sibTransId="{1CF5967F-2E7C-4219-A5C5-226DA1C6DB98}"/>
     <dgm:cxn modelId="{2D5ECC71-DEAE-43CF-B426-54DEABCC7B18}" type="presOf" srcId="{32DF8C3A-4D24-49A0-B202-10750DBC65FD}" destId="{47F5F071-C8BD-4D68-9DCA-596F320F1AD2}" srcOrd="0" destOrd="0" presId="urn:microsoft.com/office/officeart/2011/layout/RadialPictureList"/>
-    <dgm:cxn modelId="{59BDFB89-0FAA-4092-8E2E-2C3A78C42BA7}" srcId="{5611B088-2AA9-4641-AF2B-4535F7E3EDAB}" destId="{1D2FC4A9-CFAE-4552-9B86-41616F44CB7B}" srcOrd="0" destOrd="0" parTransId="{70468EBC-5941-4474-9388-6EBCF53E9B80}" sibTransId="{09510F67-4258-4C9B-8448-664D0211BABB}"/>
-    <dgm:cxn modelId="{4CD01006-F67F-4E37-8677-DB2CDDFA8992}" srcId="{056EA303-0037-4929-8FA9-2C950713965B}" destId="{5611B088-2AA9-4641-AF2B-4535F7E3EDAB}" srcOrd="0" destOrd="0" parTransId="{C845FA84-816A-452F-8F1F-80BC037B90D5}" sibTransId="{60FCF00B-6F4C-4801-A651-5F2FFD5BB451}"/>
     <dgm:cxn modelId="{9FEF532A-30A3-4B7B-8E93-C8AA7F7B6E81}" type="presOf" srcId="{F6B2C05B-E37A-4643-A815-82B2B6132DEA}" destId="{ABCF975C-F669-43F1-A2B3-BBC06A2B960C}" srcOrd="0" destOrd="0" presId="urn:microsoft.com/office/officeart/2011/layout/RadialPictureList"/>
-    <dgm:cxn modelId="{7068C12A-E797-4C77-9160-50BB05F2388B}" type="presOf" srcId="{5611B088-2AA9-4641-AF2B-4535F7E3EDAB}" destId="{1CB3F865-81B1-4AA3-9086-FE95E1FAB0C2}" srcOrd="0" destOrd="0" presId="urn:microsoft.com/office/officeart/2011/layout/RadialPictureList"/>
-    <dgm:cxn modelId="{20AE1E5C-D1C9-4F70-A46E-5045C485762D}" type="presOf" srcId="{056EA303-0037-4929-8FA9-2C950713965B}" destId="{33EF01F3-D2BF-4B52-8874-39DE12D74B3D}" srcOrd="0" destOrd="0" presId="urn:microsoft.com/office/officeart/2011/layout/RadialPictureList"/>
+    <dgm:cxn modelId="{AA5BE051-D330-41B5-8CD3-701459E5B45C}" srcId="{5611B088-2AA9-4641-AF2B-4535F7E3EDAB}" destId="{F6B2C05B-E37A-4643-A815-82B2B6132DEA}" srcOrd="2" destOrd="0" parTransId="{23971C17-9416-4A6A-8E1F-05682D221796}" sibTransId="{B151D5AF-9EA4-45F4-BE5E-C54E59903D43}"/>
     <dgm:cxn modelId="{77F1641F-43B3-4C91-BFFD-CC0DC444F3A6}" type="presParOf" srcId="{33EF01F3-D2BF-4B52-8874-39DE12D74B3D}" destId="{1CB3F865-81B1-4AA3-9086-FE95E1FAB0C2}" srcOrd="0" destOrd="0" presId="urn:microsoft.com/office/officeart/2011/layout/RadialPictureList"/>
     <dgm:cxn modelId="{CBCA715C-A06F-4200-A72D-6CA8F6E63BE5}" type="presParOf" srcId="{33EF01F3-D2BF-4B52-8874-39DE12D74B3D}" destId="{19FFC322-2535-44BA-B7FA-0FA7B2798BAD}" srcOrd="1" destOrd="0" presId="urn:microsoft.com/office/officeart/2011/layout/RadialPictureList"/>
     <dgm:cxn modelId="{C6C2FCEB-1A6C-405C-8DC3-1A438C16E624}" type="presParOf" srcId="{33EF01F3-D2BF-4B52-8874-39DE12D74B3D}" destId="{653B0B73-E029-4D6E-8384-95B98345BDAC}" srcOrd="2" destOrd="0" presId="urn:microsoft.com/office/officeart/2011/layout/RadialPictureList"/>
@@ -13689,7 +13695,7 @@
           <a:p>
             <a:fld id="{64AD29AA-4481-42B7-B38B-EA3FD3355EA8}" type="slidenum">
               <a:rPr lang="en-GB" smtClean="0"/>
-              <a:t>7</a:t>
+              <a:t>8</a:t>
             </a:fld>
             <a:endParaRPr lang="en-GB"/>
           </a:p>
@@ -13773,7 +13779,7 @@
           <a:p>
             <a:fld id="{64AD29AA-4481-42B7-B38B-EA3FD3355EA8}" type="slidenum">
               <a:rPr lang="en-GB" smtClean="0"/>
-              <a:t>8</a:t>
+              <a:t>9</a:t>
             </a:fld>
             <a:endParaRPr lang="en-GB"/>
           </a:p>
@@ -13783,6 +13789,426 @@
     <p:extLst>
       <p:ext uri="{BB962C8B-B14F-4D97-AF65-F5344CB8AC3E}">
         <p14:creationId xmlns:p14="http://schemas.microsoft.com/office/powerpoint/2010/main" val="275389217"/>
+      </p:ext>
+    </p:extLst>
+  </p:cSld>
+  <p:clrMapOvr>
+    <a:masterClrMapping/>
+  </p:clrMapOvr>
+</p:notes>
+</file>
+
+<file path=ppt/notesSlides/notesSlide3.xml><?xml version="1.0" encoding="utf-8"?>
+<p:notes xmlns:a="http://schemas.openxmlformats.org/drawingml/2006/main" xmlns:r="http://schemas.openxmlformats.org/officeDocument/2006/relationships" xmlns:p="http://schemas.openxmlformats.org/presentationml/2006/main">
+  <p:cSld>
+    <p:spTree>
+      <p:nvGrpSpPr>
+        <p:cNvPr id="1" name=""/>
+        <p:cNvGrpSpPr/>
+        <p:nvPr/>
+      </p:nvGrpSpPr>
+      <p:grpSpPr>
+        <a:xfrm>
+          <a:off x="0" y="0"/>
+          <a:ext cx="0" cy="0"/>
+          <a:chOff x="0" y="0"/>
+          <a:chExt cx="0" cy="0"/>
+        </a:xfrm>
+      </p:grpSpPr>
+      <p:sp>
+        <p:nvSpPr>
+          <p:cNvPr id="2" name="Slide Image Placeholder 1"/>
+          <p:cNvSpPr>
+            <a:spLocks noGrp="1" noRot="1" noChangeAspect="1"/>
+          </p:cNvSpPr>
+          <p:nvPr>
+            <p:ph type="sldImg"/>
+          </p:nvPr>
+        </p:nvSpPr>
+        <p:spPr/>
+      </p:sp>
+      <p:sp>
+        <p:nvSpPr>
+          <p:cNvPr id="3" name="Notes Placeholder 2"/>
+          <p:cNvSpPr>
+            <a:spLocks noGrp="1"/>
+          </p:cNvSpPr>
+          <p:nvPr>
+            <p:ph type="body" idx="1"/>
+          </p:nvPr>
+        </p:nvSpPr>
+        <p:spPr/>
+        <p:txBody>
+          <a:bodyPr/>
+          <a:lstStyle/>
+          <a:p>
+            <a:endParaRPr lang="en-GB" dirty="0"/>
+          </a:p>
+        </p:txBody>
+      </p:sp>
+      <p:sp>
+        <p:nvSpPr>
+          <p:cNvPr id="4" name="Slide Number Placeholder 3"/>
+          <p:cNvSpPr>
+            <a:spLocks noGrp="1"/>
+          </p:cNvSpPr>
+          <p:nvPr>
+            <p:ph type="sldNum" sz="quarter" idx="10"/>
+          </p:nvPr>
+        </p:nvSpPr>
+        <p:spPr/>
+        <p:txBody>
+          <a:bodyPr/>
+          <a:lstStyle/>
+          <a:p>
+            <a:fld id="{64AD29AA-4481-42B7-B38B-EA3FD3355EA8}" type="slidenum">
+              <a:rPr lang="en-GB" smtClean="0"/>
+              <a:t>10</a:t>
+            </a:fld>
+            <a:endParaRPr lang="en-GB"/>
+          </a:p>
+        </p:txBody>
+      </p:sp>
+    </p:spTree>
+    <p:extLst>
+      <p:ext uri="{BB962C8B-B14F-4D97-AF65-F5344CB8AC3E}">
+        <p14:creationId xmlns:p14="http://schemas.microsoft.com/office/powerpoint/2010/main" val="1336473623"/>
+      </p:ext>
+    </p:extLst>
+  </p:cSld>
+  <p:clrMapOvr>
+    <a:masterClrMapping/>
+  </p:clrMapOvr>
+</p:notes>
+</file>
+
+<file path=ppt/notesSlides/notesSlide4.xml><?xml version="1.0" encoding="utf-8"?>
+<p:notes xmlns:a="http://schemas.openxmlformats.org/drawingml/2006/main" xmlns:r="http://schemas.openxmlformats.org/officeDocument/2006/relationships" xmlns:p="http://schemas.openxmlformats.org/presentationml/2006/main">
+  <p:cSld>
+    <p:spTree>
+      <p:nvGrpSpPr>
+        <p:cNvPr id="1" name=""/>
+        <p:cNvGrpSpPr/>
+        <p:nvPr/>
+      </p:nvGrpSpPr>
+      <p:grpSpPr>
+        <a:xfrm>
+          <a:off x="0" y="0"/>
+          <a:ext cx="0" cy="0"/>
+          <a:chOff x="0" y="0"/>
+          <a:chExt cx="0" cy="0"/>
+        </a:xfrm>
+      </p:grpSpPr>
+      <p:sp>
+        <p:nvSpPr>
+          <p:cNvPr id="2" name="Slide Image Placeholder 1"/>
+          <p:cNvSpPr>
+            <a:spLocks noGrp="1" noRot="1" noChangeAspect="1"/>
+          </p:cNvSpPr>
+          <p:nvPr>
+            <p:ph type="sldImg"/>
+          </p:nvPr>
+        </p:nvSpPr>
+        <p:spPr/>
+      </p:sp>
+      <p:sp>
+        <p:nvSpPr>
+          <p:cNvPr id="3" name="Notes Placeholder 2"/>
+          <p:cNvSpPr>
+            <a:spLocks noGrp="1"/>
+          </p:cNvSpPr>
+          <p:nvPr>
+            <p:ph type="body" idx="1"/>
+          </p:nvPr>
+        </p:nvSpPr>
+        <p:spPr/>
+        <p:txBody>
+          <a:bodyPr/>
+          <a:lstStyle/>
+          <a:p>
+            <a:endParaRPr lang="en-GB" dirty="0"/>
+          </a:p>
+        </p:txBody>
+      </p:sp>
+      <p:sp>
+        <p:nvSpPr>
+          <p:cNvPr id="4" name="Slide Number Placeholder 3"/>
+          <p:cNvSpPr>
+            <a:spLocks noGrp="1"/>
+          </p:cNvSpPr>
+          <p:nvPr>
+            <p:ph type="sldNum" sz="quarter" idx="10"/>
+          </p:nvPr>
+        </p:nvSpPr>
+        <p:spPr/>
+        <p:txBody>
+          <a:bodyPr/>
+          <a:lstStyle/>
+          <a:p>
+            <a:fld id="{64AD29AA-4481-42B7-B38B-EA3FD3355EA8}" type="slidenum">
+              <a:rPr lang="en-GB" smtClean="0"/>
+              <a:t>11</a:t>
+            </a:fld>
+            <a:endParaRPr lang="en-GB"/>
+          </a:p>
+        </p:txBody>
+      </p:sp>
+    </p:spTree>
+    <p:extLst>
+      <p:ext uri="{BB962C8B-B14F-4D97-AF65-F5344CB8AC3E}">
+        <p14:creationId xmlns:p14="http://schemas.microsoft.com/office/powerpoint/2010/main" val="1230722408"/>
+      </p:ext>
+    </p:extLst>
+  </p:cSld>
+  <p:clrMapOvr>
+    <a:masterClrMapping/>
+  </p:clrMapOvr>
+</p:notes>
+</file>
+
+<file path=ppt/notesSlides/notesSlide5.xml><?xml version="1.0" encoding="utf-8"?>
+<p:notes xmlns:a="http://schemas.openxmlformats.org/drawingml/2006/main" xmlns:r="http://schemas.openxmlformats.org/officeDocument/2006/relationships" xmlns:p="http://schemas.openxmlformats.org/presentationml/2006/main">
+  <p:cSld>
+    <p:spTree>
+      <p:nvGrpSpPr>
+        <p:cNvPr id="1" name=""/>
+        <p:cNvGrpSpPr/>
+        <p:nvPr/>
+      </p:nvGrpSpPr>
+      <p:grpSpPr>
+        <a:xfrm>
+          <a:off x="0" y="0"/>
+          <a:ext cx="0" cy="0"/>
+          <a:chOff x="0" y="0"/>
+          <a:chExt cx="0" cy="0"/>
+        </a:xfrm>
+      </p:grpSpPr>
+      <p:sp>
+        <p:nvSpPr>
+          <p:cNvPr id="2" name="Slide Image Placeholder 1"/>
+          <p:cNvSpPr>
+            <a:spLocks noGrp="1" noRot="1" noChangeAspect="1"/>
+          </p:cNvSpPr>
+          <p:nvPr>
+            <p:ph type="sldImg"/>
+          </p:nvPr>
+        </p:nvSpPr>
+        <p:spPr/>
+      </p:sp>
+      <p:sp>
+        <p:nvSpPr>
+          <p:cNvPr id="3" name="Notes Placeholder 2"/>
+          <p:cNvSpPr>
+            <a:spLocks noGrp="1"/>
+          </p:cNvSpPr>
+          <p:nvPr>
+            <p:ph type="body" idx="1"/>
+          </p:nvPr>
+        </p:nvSpPr>
+        <p:spPr/>
+        <p:txBody>
+          <a:bodyPr/>
+          <a:lstStyle/>
+          <a:p>
+            <a:endParaRPr lang="en-GB" dirty="0"/>
+          </a:p>
+        </p:txBody>
+      </p:sp>
+      <p:sp>
+        <p:nvSpPr>
+          <p:cNvPr id="4" name="Slide Number Placeholder 3"/>
+          <p:cNvSpPr>
+            <a:spLocks noGrp="1"/>
+          </p:cNvSpPr>
+          <p:nvPr>
+            <p:ph type="sldNum" sz="quarter" idx="10"/>
+          </p:nvPr>
+        </p:nvSpPr>
+        <p:spPr/>
+        <p:txBody>
+          <a:bodyPr/>
+          <a:lstStyle/>
+          <a:p>
+            <a:fld id="{64AD29AA-4481-42B7-B38B-EA3FD3355EA8}" type="slidenum">
+              <a:rPr lang="en-GB" smtClean="0"/>
+              <a:t>12</a:t>
+            </a:fld>
+            <a:endParaRPr lang="en-GB"/>
+          </a:p>
+        </p:txBody>
+      </p:sp>
+    </p:spTree>
+    <p:extLst>
+      <p:ext uri="{BB962C8B-B14F-4D97-AF65-F5344CB8AC3E}">
+        <p14:creationId xmlns:p14="http://schemas.microsoft.com/office/powerpoint/2010/main" val="1342634773"/>
+      </p:ext>
+    </p:extLst>
+  </p:cSld>
+  <p:clrMapOvr>
+    <a:masterClrMapping/>
+  </p:clrMapOvr>
+</p:notes>
+</file>
+
+<file path=ppt/notesSlides/notesSlide6.xml><?xml version="1.0" encoding="utf-8"?>
+<p:notes xmlns:a="http://schemas.openxmlformats.org/drawingml/2006/main" xmlns:r="http://schemas.openxmlformats.org/officeDocument/2006/relationships" xmlns:p="http://schemas.openxmlformats.org/presentationml/2006/main">
+  <p:cSld>
+    <p:spTree>
+      <p:nvGrpSpPr>
+        <p:cNvPr id="1" name=""/>
+        <p:cNvGrpSpPr/>
+        <p:nvPr/>
+      </p:nvGrpSpPr>
+      <p:grpSpPr>
+        <a:xfrm>
+          <a:off x="0" y="0"/>
+          <a:ext cx="0" cy="0"/>
+          <a:chOff x="0" y="0"/>
+          <a:chExt cx="0" cy="0"/>
+        </a:xfrm>
+      </p:grpSpPr>
+      <p:sp>
+        <p:nvSpPr>
+          <p:cNvPr id="2" name="Slide Image Placeholder 1"/>
+          <p:cNvSpPr>
+            <a:spLocks noGrp="1" noRot="1" noChangeAspect="1"/>
+          </p:cNvSpPr>
+          <p:nvPr>
+            <p:ph type="sldImg"/>
+          </p:nvPr>
+        </p:nvSpPr>
+        <p:spPr/>
+      </p:sp>
+      <p:sp>
+        <p:nvSpPr>
+          <p:cNvPr id="3" name="Notes Placeholder 2"/>
+          <p:cNvSpPr>
+            <a:spLocks noGrp="1"/>
+          </p:cNvSpPr>
+          <p:nvPr>
+            <p:ph type="body" idx="1"/>
+          </p:nvPr>
+        </p:nvSpPr>
+        <p:spPr/>
+        <p:txBody>
+          <a:bodyPr/>
+          <a:lstStyle/>
+          <a:p>
+            <a:endParaRPr lang="en-GB" dirty="0"/>
+          </a:p>
+        </p:txBody>
+      </p:sp>
+      <p:sp>
+        <p:nvSpPr>
+          <p:cNvPr id="4" name="Slide Number Placeholder 3"/>
+          <p:cNvSpPr>
+            <a:spLocks noGrp="1"/>
+          </p:cNvSpPr>
+          <p:nvPr>
+            <p:ph type="sldNum" sz="quarter" idx="10"/>
+          </p:nvPr>
+        </p:nvSpPr>
+        <p:spPr/>
+        <p:txBody>
+          <a:bodyPr/>
+          <a:lstStyle/>
+          <a:p>
+            <a:fld id="{64AD29AA-4481-42B7-B38B-EA3FD3355EA8}" type="slidenum">
+              <a:rPr lang="en-GB" smtClean="0"/>
+              <a:t>13</a:t>
+            </a:fld>
+            <a:endParaRPr lang="en-GB"/>
+          </a:p>
+        </p:txBody>
+      </p:sp>
+    </p:spTree>
+    <p:extLst>
+      <p:ext uri="{BB962C8B-B14F-4D97-AF65-F5344CB8AC3E}">
+        <p14:creationId xmlns:p14="http://schemas.microsoft.com/office/powerpoint/2010/main" val="1552759765"/>
+      </p:ext>
+    </p:extLst>
+  </p:cSld>
+  <p:clrMapOvr>
+    <a:masterClrMapping/>
+  </p:clrMapOvr>
+</p:notes>
+</file>
+
+<file path=ppt/notesSlides/notesSlide7.xml><?xml version="1.0" encoding="utf-8"?>
+<p:notes xmlns:a="http://schemas.openxmlformats.org/drawingml/2006/main" xmlns:r="http://schemas.openxmlformats.org/officeDocument/2006/relationships" xmlns:p="http://schemas.openxmlformats.org/presentationml/2006/main">
+  <p:cSld>
+    <p:spTree>
+      <p:nvGrpSpPr>
+        <p:cNvPr id="1" name=""/>
+        <p:cNvGrpSpPr/>
+        <p:nvPr/>
+      </p:nvGrpSpPr>
+      <p:grpSpPr>
+        <a:xfrm>
+          <a:off x="0" y="0"/>
+          <a:ext cx="0" cy="0"/>
+          <a:chOff x="0" y="0"/>
+          <a:chExt cx="0" cy="0"/>
+        </a:xfrm>
+      </p:grpSpPr>
+      <p:sp>
+        <p:nvSpPr>
+          <p:cNvPr id="2" name="Slide Image Placeholder 1"/>
+          <p:cNvSpPr>
+            <a:spLocks noGrp="1" noRot="1" noChangeAspect="1"/>
+          </p:cNvSpPr>
+          <p:nvPr>
+            <p:ph type="sldImg"/>
+          </p:nvPr>
+        </p:nvSpPr>
+        <p:spPr/>
+      </p:sp>
+      <p:sp>
+        <p:nvSpPr>
+          <p:cNvPr id="3" name="Notes Placeholder 2"/>
+          <p:cNvSpPr>
+            <a:spLocks noGrp="1"/>
+          </p:cNvSpPr>
+          <p:nvPr>
+            <p:ph type="body" idx="1"/>
+          </p:nvPr>
+        </p:nvSpPr>
+        <p:spPr/>
+        <p:txBody>
+          <a:bodyPr/>
+          <a:lstStyle/>
+          <a:p>
+            <a:endParaRPr lang="en-GB" dirty="0"/>
+          </a:p>
+        </p:txBody>
+      </p:sp>
+      <p:sp>
+        <p:nvSpPr>
+          <p:cNvPr id="4" name="Slide Number Placeholder 3"/>
+          <p:cNvSpPr>
+            <a:spLocks noGrp="1"/>
+          </p:cNvSpPr>
+          <p:nvPr>
+            <p:ph type="sldNum" sz="quarter" idx="10"/>
+          </p:nvPr>
+        </p:nvSpPr>
+        <p:spPr/>
+        <p:txBody>
+          <a:bodyPr/>
+          <a:lstStyle/>
+          <a:p>
+            <a:fld id="{64AD29AA-4481-42B7-B38B-EA3FD3355EA8}" type="slidenum">
+              <a:rPr lang="en-GB" smtClean="0"/>
+              <a:t>14</a:t>
+            </a:fld>
+            <a:endParaRPr lang="en-GB"/>
+          </a:p>
+        </p:txBody>
+      </p:sp>
+    </p:spTree>
+    <p:extLst>
+      <p:ext uri="{BB962C8B-B14F-4D97-AF65-F5344CB8AC3E}">
+        <p14:creationId xmlns:p14="http://schemas.microsoft.com/office/powerpoint/2010/main" val="4223122783"/>
       </p:ext>
     </p:extLst>
   </p:cSld>
@@ -16769,6 +17195,934 @@
 </p:sld>
 </file>
 
+<file path=ppt/slides/slide10.xml><?xml version="1.0" encoding="utf-8"?>
+<p:sld xmlns:a="http://schemas.openxmlformats.org/drawingml/2006/main" xmlns:r="http://schemas.openxmlformats.org/officeDocument/2006/relationships" xmlns:p="http://schemas.openxmlformats.org/presentationml/2006/main">
+  <p:cSld>
+    <p:bg>
+      <p:bgPr>
+        <a:solidFill>
+          <a:schemeClr val="tx1"/>
+        </a:solidFill>
+        <a:effectLst/>
+      </p:bgPr>
+    </p:bg>
+    <p:spTree>
+      <p:nvGrpSpPr>
+        <p:cNvPr id="1" name=""/>
+        <p:cNvGrpSpPr/>
+        <p:nvPr/>
+      </p:nvGrpSpPr>
+      <p:grpSpPr>
+        <a:xfrm>
+          <a:off x="0" y="0"/>
+          <a:ext cx="0" cy="0"/>
+          <a:chOff x="0" y="0"/>
+          <a:chExt cx="0" cy="0"/>
+        </a:xfrm>
+      </p:grpSpPr>
+      <p:pic>
+        <p:nvPicPr>
+          <p:cNvPr id="5" name="Picture 4"/>
+          <p:cNvPicPr>
+            <a:picLocks noChangeAspect="1"/>
+          </p:cNvPicPr>
+          <p:nvPr/>
+        </p:nvPicPr>
+        <p:blipFill rotWithShape="1">
+          <a:blip r:embed="rId3"/>
+          <a:srcRect l="15897" t="46864" r="37180" b="45562"/>
+          <a:stretch/>
+        </p:blipFill>
+        <p:spPr>
+          <a:xfrm>
+            <a:off x="7455877" y="211015"/>
+            <a:ext cx="4290646" cy="750277"/>
+          </a:xfrm>
+          <a:prstGeom prst="rect">
+            <a:avLst/>
+          </a:prstGeom>
+        </p:spPr>
+      </p:pic>
+      <p:sp>
+        <p:nvSpPr>
+          <p:cNvPr id="35" name="TextBox 34"/>
+          <p:cNvSpPr txBox="1"/>
+          <p:nvPr/>
+        </p:nvSpPr>
+        <p:spPr>
+          <a:xfrm>
+            <a:off x="412209" y="113479"/>
+            <a:ext cx="9334501" cy="646331"/>
+          </a:xfrm>
+          <a:prstGeom prst="rect">
+            <a:avLst/>
+          </a:prstGeom>
+          <a:noFill/>
+        </p:spPr>
+        <p:txBody>
+          <a:bodyPr wrap="square" rtlCol="0">
+            <a:spAutoFit/>
+          </a:bodyPr>
+          <a:lstStyle/>
+          <a:p>
+            <a:r>
+              <a:rPr lang="en-GB" sz="3600" b="1" dirty="0" smtClean="0">
+                <a:solidFill>
+                  <a:schemeClr val="bg1"/>
+                </a:solidFill>
+                <a:latin typeface="Lucida Console" panose="020B0609040504020204" pitchFamily="49" charset="0"/>
+              </a:rPr>
+              <a:t>Wireframe: Play</a:t>
+            </a:r>
+            <a:endParaRPr lang="en-GB" sz="3600" b="1" dirty="0" smtClean="0">
+              <a:solidFill>
+                <a:schemeClr val="bg1"/>
+              </a:solidFill>
+              <a:latin typeface="Lucida Console" panose="020B0609040504020204" pitchFamily="49" charset="0"/>
+            </a:endParaRPr>
+          </a:p>
+        </p:txBody>
+      </p:sp>
+      <p:cxnSp>
+        <p:nvCxnSpPr>
+          <p:cNvPr id="4" name="Straight Connector 3"/>
+          <p:cNvCxnSpPr/>
+          <p:nvPr/>
+        </p:nvCxnSpPr>
+        <p:spPr>
+          <a:xfrm>
+            <a:off x="0" y="961292"/>
+            <a:ext cx="12192000" cy="0"/>
+          </a:xfrm>
+          <a:prstGeom prst="line">
+            <a:avLst/>
+          </a:prstGeom>
+          <a:ln w="19050">
+            <a:solidFill>
+              <a:schemeClr val="bg1"/>
+            </a:solidFill>
+          </a:ln>
+        </p:spPr>
+        <p:style>
+          <a:lnRef idx="1">
+            <a:schemeClr val="accent1"/>
+          </a:lnRef>
+          <a:fillRef idx="0">
+            <a:schemeClr val="accent1"/>
+          </a:fillRef>
+          <a:effectRef idx="0">
+            <a:schemeClr val="accent1"/>
+          </a:effectRef>
+          <a:fontRef idx="minor">
+            <a:schemeClr val="tx1"/>
+          </a:fontRef>
+        </p:style>
+      </p:cxnSp>
+      <p:pic>
+        <p:nvPicPr>
+          <p:cNvPr id="3" name="Picture 2"/>
+          <p:cNvPicPr>
+            <a:picLocks noChangeAspect="1"/>
+          </p:cNvPicPr>
+          <p:nvPr/>
+        </p:nvPicPr>
+        <p:blipFill>
+          <a:blip r:embed="rId4"/>
+          <a:stretch>
+            <a:fillRect/>
+          </a:stretch>
+        </p:blipFill>
+        <p:spPr>
+          <a:xfrm>
+            <a:off x="2523744" y="1265813"/>
+            <a:ext cx="6656832" cy="5336584"/>
+          </a:xfrm>
+          <a:prstGeom prst="rect">
+            <a:avLst/>
+          </a:prstGeom>
+        </p:spPr>
+      </p:pic>
+    </p:spTree>
+    <p:extLst>
+      <p:ext uri="{BB962C8B-B14F-4D97-AF65-F5344CB8AC3E}">
+        <p14:creationId xmlns:p14="http://schemas.microsoft.com/office/powerpoint/2010/main" val="1001785307"/>
+      </p:ext>
+    </p:extLst>
+  </p:cSld>
+  <p:clrMapOvr>
+    <a:masterClrMapping/>
+  </p:clrMapOvr>
+  <p:timing>
+    <p:tnLst>
+      <p:par>
+        <p:cTn id="1" dur="indefinite" restart="never" nodeType="tmRoot"/>
+      </p:par>
+    </p:tnLst>
+  </p:timing>
+</p:sld>
+</file>
+
+<file path=ppt/slides/slide11.xml><?xml version="1.0" encoding="utf-8"?>
+<p:sld xmlns:a="http://schemas.openxmlformats.org/drawingml/2006/main" xmlns:r="http://schemas.openxmlformats.org/officeDocument/2006/relationships" xmlns:p="http://schemas.openxmlformats.org/presentationml/2006/main">
+  <p:cSld>
+    <p:bg>
+      <p:bgPr>
+        <a:solidFill>
+          <a:schemeClr val="tx1"/>
+        </a:solidFill>
+        <a:effectLst/>
+      </p:bgPr>
+    </p:bg>
+    <p:spTree>
+      <p:nvGrpSpPr>
+        <p:cNvPr id="1" name=""/>
+        <p:cNvGrpSpPr/>
+        <p:nvPr/>
+      </p:nvGrpSpPr>
+      <p:grpSpPr>
+        <a:xfrm>
+          <a:off x="0" y="0"/>
+          <a:ext cx="0" cy="0"/>
+          <a:chOff x="0" y="0"/>
+          <a:chExt cx="0" cy="0"/>
+        </a:xfrm>
+      </p:grpSpPr>
+      <p:pic>
+        <p:nvPicPr>
+          <p:cNvPr id="5" name="Picture 4"/>
+          <p:cNvPicPr>
+            <a:picLocks noChangeAspect="1"/>
+          </p:cNvPicPr>
+          <p:nvPr/>
+        </p:nvPicPr>
+        <p:blipFill rotWithShape="1">
+          <a:blip r:embed="rId3"/>
+          <a:srcRect l="15897" t="46864" r="37180" b="45562"/>
+          <a:stretch/>
+        </p:blipFill>
+        <p:spPr>
+          <a:xfrm>
+            <a:off x="7455877" y="211015"/>
+            <a:ext cx="4290646" cy="750277"/>
+          </a:xfrm>
+          <a:prstGeom prst="rect">
+            <a:avLst/>
+          </a:prstGeom>
+        </p:spPr>
+      </p:pic>
+      <p:sp>
+        <p:nvSpPr>
+          <p:cNvPr id="35" name="TextBox 34"/>
+          <p:cNvSpPr txBox="1"/>
+          <p:nvPr/>
+        </p:nvSpPr>
+        <p:spPr>
+          <a:xfrm>
+            <a:off x="412209" y="113479"/>
+            <a:ext cx="9334501" cy="646331"/>
+          </a:xfrm>
+          <a:prstGeom prst="rect">
+            <a:avLst/>
+          </a:prstGeom>
+          <a:noFill/>
+        </p:spPr>
+        <p:txBody>
+          <a:bodyPr wrap="square" rtlCol="0">
+            <a:spAutoFit/>
+          </a:bodyPr>
+          <a:lstStyle/>
+          <a:p>
+            <a:r>
+              <a:rPr lang="en-GB" sz="3600" b="1" dirty="0" smtClean="0">
+                <a:solidFill>
+                  <a:schemeClr val="bg1"/>
+                </a:solidFill>
+                <a:latin typeface="Lucida Console" panose="020B0609040504020204" pitchFamily="49" charset="0"/>
+              </a:rPr>
+              <a:t>Wireframe: Help</a:t>
+            </a:r>
+            <a:endParaRPr lang="en-GB" sz="3600" b="1" dirty="0" smtClean="0">
+              <a:solidFill>
+                <a:schemeClr val="bg1"/>
+              </a:solidFill>
+              <a:latin typeface="Lucida Console" panose="020B0609040504020204" pitchFamily="49" charset="0"/>
+            </a:endParaRPr>
+          </a:p>
+        </p:txBody>
+      </p:sp>
+      <p:cxnSp>
+        <p:nvCxnSpPr>
+          <p:cNvPr id="4" name="Straight Connector 3"/>
+          <p:cNvCxnSpPr/>
+          <p:nvPr/>
+        </p:nvCxnSpPr>
+        <p:spPr>
+          <a:xfrm>
+            <a:off x="0" y="961292"/>
+            <a:ext cx="12192000" cy="0"/>
+          </a:xfrm>
+          <a:prstGeom prst="line">
+            <a:avLst/>
+          </a:prstGeom>
+          <a:ln w="19050">
+            <a:solidFill>
+              <a:schemeClr val="bg1"/>
+            </a:solidFill>
+          </a:ln>
+        </p:spPr>
+        <p:style>
+          <a:lnRef idx="1">
+            <a:schemeClr val="accent1"/>
+          </a:lnRef>
+          <a:fillRef idx="0">
+            <a:schemeClr val="accent1"/>
+          </a:fillRef>
+          <a:effectRef idx="0">
+            <a:schemeClr val="accent1"/>
+          </a:effectRef>
+          <a:fontRef idx="minor">
+            <a:schemeClr val="tx1"/>
+          </a:fontRef>
+        </p:style>
+      </p:cxnSp>
+      <p:pic>
+        <p:nvPicPr>
+          <p:cNvPr id="2" name="Picture 1"/>
+          <p:cNvPicPr>
+            <a:picLocks noChangeAspect="1"/>
+          </p:cNvPicPr>
+          <p:nvPr/>
+        </p:nvPicPr>
+        <p:blipFill>
+          <a:blip r:embed="rId4"/>
+          <a:stretch>
+            <a:fillRect/>
+          </a:stretch>
+        </p:blipFill>
+        <p:spPr>
+          <a:xfrm>
+            <a:off x="1979901" y="1162774"/>
+            <a:ext cx="7297195" cy="5146745"/>
+          </a:xfrm>
+          <a:prstGeom prst="rect">
+            <a:avLst/>
+          </a:prstGeom>
+        </p:spPr>
+      </p:pic>
+    </p:spTree>
+    <p:extLst>
+      <p:ext uri="{BB962C8B-B14F-4D97-AF65-F5344CB8AC3E}">
+        <p14:creationId xmlns:p14="http://schemas.microsoft.com/office/powerpoint/2010/main" val="4209979397"/>
+      </p:ext>
+    </p:extLst>
+  </p:cSld>
+  <p:clrMapOvr>
+    <a:masterClrMapping/>
+  </p:clrMapOvr>
+  <p:timing>
+    <p:tnLst>
+      <p:par>
+        <p:cTn id="1" dur="indefinite" restart="never" nodeType="tmRoot"/>
+      </p:par>
+    </p:tnLst>
+  </p:timing>
+</p:sld>
+</file>
+
+<file path=ppt/slides/slide12.xml><?xml version="1.0" encoding="utf-8"?>
+<p:sld xmlns:a="http://schemas.openxmlformats.org/drawingml/2006/main" xmlns:r="http://schemas.openxmlformats.org/officeDocument/2006/relationships" xmlns:p="http://schemas.openxmlformats.org/presentationml/2006/main">
+  <p:cSld>
+    <p:bg>
+      <p:bgPr>
+        <a:solidFill>
+          <a:schemeClr val="tx1"/>
+        </a:solidFill>
+        <a:effectLst/>
+      </p:bgPr>
+    </p:bg>
+    <p:spTree>
+      <p:nvGrpSpPr>
+        <p:cNvPr id="1" name=""/>
+        <p:cNvGrpSpPr/>
+        <p:nvPr/>
+      </p:nvGrpSpPr>
+      <p:grpSpPr>
+        <a:xfrm>
+          <a:off x="0" y="0"/>
+          <a:ext cx="0" cy="0"/>
+          <a:chOff x="0" y="0"/>
+          <a:chExt cx="0" cy="0"/>
+        </a:xfrm>
+      </p:grpSpPr>
+      <p:pic>
+        <p:nvPicPr>
+          <p:cNvPr id="5" name="Picture 4"/>
+          <p:cNvPicPr>
+            <a:picLocks noChangeAspect="1"/>
+          </p:cNvPicPr>
+          <p:nvPr/>
+        </p:nvPicPr>
+        <p:blipFill rotWithShape="1">
+          <a:blip r:embed="rId3"/>
+          <a:srcRect l="15897" t="46864" r="37180" b="45562"/>
+          <a:stretch/>
+        </p:blipFill>
+        <p:spPr>
+          <a:xfrm>
+            <a:off x="7455877" y="211015"/>
+            <a:ext cx="4290646" cy="750277"/>
+          </a:xfrm>
+          <a:prstGeom prst="rect">
+            <a:avLst/>
+          </a:prstGeom>
+        </p:spPr>
+      </p:pic>
+      <p:sp>
+        <p:nvSpPr>
+          <p:cNvPr id="35" name="TextBox 34"/>
+          <p:cNvSpPr txBox="1"/>
+          <p:nvPr/>
+        </p:nvSpPr>
+        <p:spPr>
+          <a:xfrm>
+            <a:off x="266699" y="116684"/>
+            <a:ext cx="9334501" cy="646331"/>
+          </a:xfrm>
+          <a:prstGeom prst="rect">
+            <a:avLst/>
+          </a:prstGeom>
+          <a:noFill/>
+        </p:spPr>
+        <p:txBody>
+          <a:bodyPr wrap="square" rtlCol="0">
+            <a:spAutoFit/>
+          </a:bodyPr>
+          <a:lstStyle/>
+          <a:p>
+            <a:r>
+              <a:rPr lang="en-GB" sz="3600" b="1" dirty="0" smtClean="0">
+                <a:solidFill>
+                  <a:schemeClr val="bg1"/>
+                </a:solidFill>
+                <a:latin typeface="Lucida Console" panose="020B0609040504020204" pitchFamily="49" charset="0"/>
+              </a:rPr>
+              <a:t>Wireframe: Create Account</a:t>
+            </a:r>
+            <a:endParaRPr lang="en-GB" sz="3600" b="1" dirty="0" smtClean="0">
+              <a:solidFill>
+                <a:schemeClr val="bg1"/>
+              </a:solidFill>
+              <a:latin typeface="Lucida Console" panose="020B0609040504020204" pitchFamily="49" charset="0"/>
+            </a:endParaRPr>
+          </a:p>
+        </p:txBody>
+      </p:sp>
+      <p:cxnSp>
+        <p:nvCxnSpPr>
+          <p:cNvPr id="4" name="Straight Connector 3"/>
+          <p:cNvCxnSpPr/>
+          <p:nvPr/>
+        </p:nvCxnSpPr>
+        <p:spPr>
+          <a:xfrm>
+            <a:off x="0" y="961292"/>
+            <a:ext cx="12192000" cy="0"/>
+          </a:xfrm>
+          <a:prstGeom prst="line">
+            <a:avLst/>
+          </a:prstGeom>
+          <a:ln w="19050">
+            <a:solidFill>
+              <a:schemeClr val="bg1"/>
+            </a:solidFill>
+          </a:ln>
+        </p:spPr>
+        <p:style>
+          <a:lnRef idx="1">
+            <a:schemeClr val="accent1"/>
+          </a:lnRef>
+          <a:fillRef idx="0">
+            <a:schemeClr val="accent1"/>
+          </a:fillRef>
+          <a:effectRef idx="0">
+            <a:schemeClr val="accent1"/>
+          </a:effectRef>
+          <a:fontRef idx="minor">
+            <a:schemeClr val="tx1"/>
+          </a:fontRef>
+        </p:style>
+      </p:cxnSp>
+      <p:pic>
+        <p:nvPicPr>
+          <p:cNvPr id="6" name="Picture 5"/>
+          <p:cNvPicPr>
+            <a:picLocks noChangeAspect="1"/>
+          </p:cNvPicPr>
+          <p:nvPr/>
+        </p:nvPicPr>
+        <p:blipFill>
+          <a:blip r:embed="rId4"/>
+          <a:stretch>
+            <a:fillRect/>
+          </a:stretch>
+        </p:blipFill>
+        <p:spPr>
+          <a:xfrm>
+            <a:off x="4394111" y="1357846"/>
+            <a:ext cx="3061766" cy="5100278"/>
+          </a:xfrm>
+          <a:prstGeom prst="rect">
+            <a:avLst/>
+          </a:prstGeom>
+        </p:spPr>
+      </p:pic>
+    </p:spTree>
+    <p:extLst>
+      <p:ext uri="{BB962C8B-B14F-4D97-AF65-F5344CB8AC3E}">
+        <p14:creationId xmlns:p14="http://schemas.microsoft.com/office/powerpoint/2010/main" val="3532763455"/>
+      </p:ext>
+    </p:extLst>
+  </p:cSld>
+  <p:clrMapOvr>
+    <a:masterClrMapping/>
+  </p:clrMapOvr>
+  <p:timing>
+    <p:tnLst>
+      <p:par>
+        <p:cTn id="1" dur="indefinite" restart="never" nodeType="tmRoot"/>
+      </p:par>
+    </p:tnLst>
+  </p:timing>
+</p:sld>
+</file>
+
+<file path=ppt/slides/slide13.xml><?xml version="1.0" encoding="utf-8"?>
+<p:sld xmlns:a="http://schemas.openxmlformats.org/drawingml/2006/main" xmlns:r="http://schemas.openxmlformats.org/officeDocument/2006/relationships" xmlns:p="http://schemas.openxmlformats.org/presentationml/2006/main">
+  <p:cSld>
+    <p:bg>
+      <p:bgPr>
+        <a:solidFill>
+          <a:schemeClr val="tx1"/>
+        </a:solidFill>
+        <a:effectLst/>
+      </p:bgPr>
+    </p:bg>
+    <p:spTree>
+      <p:nvGrpSpPr>
+        <p:cNvPr id="1" name=""/>
+        <p:cNvGrpSpPr/>
+        <p:nvPr/>
+      </p:nvGrpSpPr>
+      <p:grpSpPr>
+        <a:xfrm>
+          <a:off x="0" y="0"/>
+          <a:ext cx="0" cy="0"/>
+          <a:chOff x="0" y="0"/>
+          <a:chExt cx="0" cy="0"/>
+        </a:xfrm>
+      </p:grpSpPr>
+      <p:pic>
+        <p:nvPicPr>
+          <p:cNvPr id="5" name="Picture 4"/>
+          <p:cNvPicPr>
+            <a:picLocks noChangeAspect="1"/>
+          </p:cNvPicPr>
+          <p:nvPr/>
+        </p:nvPicPr>
+        <p:blipFill rotWithShape="1">
+          <a:blip r:embed="rId3"/>
+          <a:srcRect l="15897" t="46864" r="37180" b="45562"/>
+          <a:stretch/>
+        </p:blipFill>
+        <p:spPr>
+          <a:xfrm>
+            <a:off x="7455877" y="211015"/>
+            <a:ext cx="4290646" cy="750277"/>
+          </a:xfrm>
+          <a:prstGeom prst="rect">
+            <a:avLst/>
+          </a:prstGeom>
+        </p:spPr>
+      </p:pic>
+      <p:sp>
+        <p:nvSpPr>
+          <p:cNvPr id="35" name="TextBox 34"/>
+          <p:cNvSpPr txBox="1"/>
+          <p:nvPr/>
+        </p:nvSpPr>
+        <p:spPr>
+          <a:xfrm>
+            <a:off x="412209" y="113479"/>
+            <a:ext cx="9334501" cy="646331"/>
+          </a:xfrm>
+          <a:prstGeom prst="rect">
+            <a:avLst/>
+          </a:prstGeom>
+          <a:noFill/>
+        </p:spPr>
+        <p:txBody>
+          <a:bodyPr wrap="square" rtlCol="0">
+            <a:spAutoFit/>
+          </a:bodyPr>
+          <a:lstStyle/>
+          <a:p>
+            <a:r>
+              <a:rPr lang="en-GB" sz="3600" b="1" dirty="0" smtClean="0">
+                <a:solidFill>
+                  <a:schemeClr val="bg1"/>
+                </a:solidFill>
+                <a:latin typeface="Lucida Console" panose="020B0609040504020204" pitchFamily="49" charset="0"/>
+              </a:rPr>
+              <a:t>Wireframe: Stats</a:t>
+            </a:r>
+            <a:endParaRPr lang="en-GB" sz="3600" b="1" dirty="0" smtClean="0">
+              <a:solidFill>
+                <a:schemeClr val="bg1"/>
+              </a:solidFill>
+              <a:latin typeface="Lucida Console" panose="020B0609040504020204" pitchFamily="49" charset="0"/>
+            </a:endParaRPr>
+          </a:p>
+        </p:txBody>
+      </p:sp>
+      <p:cxnSp>
+        <p:nvCxnSpPr>
+          <p:cNvPr id="4" name="Straight Connector 3"/>
+          <p:cNvCxnSpPr/>
+          <p:nvPr/>
+        </p:nvCxnSpPr>
+        <p:spPr>
+          <a:xfrm>
+            <a:off x="0" y="961292"/>
+            <a:ext cx="12192000" cy="0"/>
+          </a:xfrm>
+          <a:prstGeom prst="line">
+            <a:avLst/>
+          </a:prstGeom>
+          <a:ln w="19050">
+            <a:solidFill>
+              <a:schemeClr val="bg1"/>
+            </a:solidFill>
+          </a:ln>
+        </p:spPr>
+        <p:style>
+          <a:lnRef idx="1">
+            <a:schemeClr val="accent1"/>
+          </a:lnRef>
+          <a:fillRef idx="0">
+            <a:schemeClr val="accent1"/>
+          </a:fillRef>
+          <a:effectRef idx="0">
+            <a:schemeClr val="accent1"/>
+          </a:effectRef>
+          <a:fontRef idx="minor">
+            <a:schemeClr val="tx1"/>
+          </a:fontRef>
+        </p:style>
+      </p:cxnSp>
+      <p:pic>
+        <p:nvPicPr>
+          <p:cNvPr id="2" name="Picture 1"/>
+          <p:cNvPicPr>
+            <a:picLocks noChangeAspect="1"/>
+          </p:cNvPicPr>
+          <p:nvPr/>
+        </p:nvPicPr>
+        <p:blipFill>
+          <a:blip r:embed="rId4"/>
+          <a:stretch>
+            <a:fillRect/>
+          </a:stretch>
+        </p:blipFill>
+        <p:spPr>
+          <a:xfrm>
+            <a:off x="2523744" y="1406768"/>
+            <a:ext cx="6626859" cy="5162125"/>
+          </a:xfrm>
+          <a:prstGeom prst="rect">
+            <a:avLst/>
+          </a:prstGeom>
+        </p:spPr>
+      </p:pic>
+    </p:spTree>
+    <p:extLst>
+      <p:ext uri="{BB962C8B-B14F-4D97-AF65-F5344CB8AC3E}">
+        <p14:creationId xmlns:p14="http://schemas.microsoft.com/office/powerpoint/2010/main" val="219111942"/>
+      </p:ext>
+    </p:extLst>
+  </p:cSld>
+  <p:clrMapOvr>
+    <a:masterClrMapping/>
+  </p:clrMapOvr>
+  <p:timing>
+    <p:tnLst>
+      <p:par>
+        <p:cTn id="1" dur="indefinite" restart="never" nodeType="tmRoot"/>
+      </p:par>
+    </p:tnLst>
+  </p:timing>
+</p:sld>
+</file>
+
+<file path=ppt/slides/slide14.xml><?xml version="1.0" encoding="utf-8"?>
+<p:sld xmlns:a="http://schemas.openxmlformats.org/drawingml/2006/main" xmlns:r="http://schemas.openxmlformats.org/officeDocument/2006/relationships" xmlns:p="http://schemas.openxmlformats.org/presentationml/2006/main">
+  <p:cSld>
+    <p:bg>
+      <p:bgPr>
+        <a:solidFill>
+          <a:schemeClr val="tx1"/>
+        </a:solidFill>
+        <a:effectLst/>
+      </p:bgPr>
+    </p:bg>
+    <p:spTree>
+      <p:nvGrpSpPr>
+        <p:cNvPr id="1" name=""/>
+        <p:cNvGrpSpPr/>
+        <p:nvPr/>
+      </p:nvGrpSpPr>
+      <p:grpSpPr>
+        <a:xfrm>
+          <a:off x="0" y="0"/>
+          <a:ext cx="0" cy="0"/>
+          <a:chOff x="0" y="0"/>
+          <a:chExt cx="0" cy="0"/>
+        </a:xfrm>
+      </p:grpSpPr>
+      <p:pic>
+        <p:nvPicPr>
+          <p:cNvPr id="5" name="Picture 4"/>
+          <p:cNvPicPr>
+            <a:picLocks noChangeAspect="1"/>
+          </p:cNvPicPr>
+          <p:nvPr/>
+        </p:nvPicPr>
+        <p:blipFill rotWithShape="1">
+          <a:blip r:embed="rId3"/>
+          <a:srcRect l="15897" t="46864" r="37180" b="45562"/>
+          <a:stretch/>
+        </p:blipFill>
+        <p:spPr>
+          <a:xfrm>
+            <a:off x="7455877" y="211015"/>
+            <a:ext cx="4290646" cy="750277"/>
+          </a:xfrm>
+          <a:prstGeom prst="rect">
+            <a:avLst/>
+          </a:prstGeom>
+        </p:spPr>
+      </p:pic>
+      <p:sp>
+        <p:nvSpPr>
+          <p:cNvPr id="35" name="TextBox 34"/>
+          <p:cNvSpPr txBox="1"/>
+          <p:nvPr/>
+        </p:nvSpPr>
+        <p:spPr>
+          <a:xfrm>
+            <a:off x="803188" y="738870"/>
+            <a:ext cx="9334501" cy="5632311"/>
+          </a:xfrm>
+          <a:prstGeom prst="rect">
+            <a:avLst/>
+          </a:prstGeom>
+          <a:noFill/>
+        </p:spPr>
+        <p:txBody>
+          <a:bodyPr wrap="square" rtlCol="0">
+            <a:spAutoFit/>
+          </a:bodyPr>
+          <a:lstStyle/>
+          <a:p>
+            <a:r>
+              <a:rPr lang="en-GB" sz="3600" b="1" dirty="0" smtClean="0">
+                <a:solidFill>
+                  <a:schemeClr val="bg1"/>
+                </a:solidFill>
+                <a:latin typeface="Lucida Console" panose="020B0609040504020204" pitchFamily="49" charset="0"/>
+              </a:rPr>
+              <a:t>Site URLs</a:t>
+            </a:r>
+          </a:p>
+          <a:p>
+            <a:endParaRPr lang="en-GB" sz="3600" b="1" dirty="0" smtClean="0">
+              <a:solidFill>
+                <a:schemeClr val="bg1"/>
+              </a:solidFill>
+              <a:latin typeface="Lucida Console" panose="020B0609040504020204" pitchFamily="49" charset="0"/>
+            </a:endParaRPr>
+          </a:p>
+          <a:p>
+            <a:pPr marL="571500" indent="-571500">
+              <a:buFont typeface="Arial" panose="020B0604020202020204" pitchFamily="34" charset="0"/>
+              <a:buChar char="•"/>
+            </a:pPr>
+            <a:r>
+              <a:rPr lang="en-GB" sz="3600" b="1" dirty="0" smtClean="0">
+                <a:solidFill>
+                  <a:schemeClr val="bg1"/>
+                </a:solidFill>
+                <a:latin typeface="Lucida Console" panose="020B0609040504020204" pitchFamily="49" charset="0"/>
+              </a:rPr>
+              <a:t>/home</a:t>
+            </a:r>
+          </a:p>
+          <a:p>
+            <a:pPr marL="571500" indent="-571500">
+              <a:buFont typeface="Arial" panose="020B0604020202020204" pitchFamily="34" charset="0"/>
+              <a:buChar char="•"/>
+            </a:pPr>
+            <a:r>
+              <a:rPr lang="en-GB" sz="3600" b="1" dirty="0" smtClean="0">
+                <a:solidFill>
+                  <a:schemeClr val="bg1"/>
+                </a:solidFill>
+                <a:latin typeface="Lucida Console" panose="020B0609040504020204" pitchFamily="49" charset="0"/>
+              </a:rPr>
+              <a:t>/play</a:t>
+            </a:r>
+          </a:p>
+          <a:p>
+            <a:pPr marL="571500" indent="-571500">
+              <a:buFont typeface="Arial" panose="020B0604020202020204" pitchFamily="34" charset="0"/>
+              <a:buChar char="•"/>
+            </a:pPr>
+            <a:r>
+              <a:rPr lang="en-GB" sz="3600" b="1" dirty="0" smtClean="0">
+                <a:solidFill>
+                  <a:schemeClr val="bg1"/>
+                </a:solidFill>
+                <a:latin typeface="Lucida Console" panose="020B0609040504020204" pitchFamily="49" charset="0"/>
+              </a:rPr>
+              <a:t>/help</a:t>
+            </a:r>
+          </a:p>
+          <a:p>
+            <a:pPr marL="571500" indent="-571500">
+              <a:buFont typeface="Arial" panose="020B0604020202020204" pitchFamily="34" charset="0"/>
+              <a:buChar char="•"/>
+            </a:pPr>
+            <a:r>
+              <a:rPr lang="en-GB" sz="3600" b="1" dirty="0" smtClean="0">
+                <a:solidFill>
+                  <a:schemeClr val="bg1"/>
+                </a:solidFill>
+                <a:latin typeface="Lucida Console" panose="020B0609040504020204" pitchFamily="49" charset="0"/>
+              </a:rPr>
+              <a:t>/stats</a:t>
+            </a:r>
+            <a:endParaRPr lang="en-GB" sz="3600" b="1" dirty="0" smtClean="0">
+              <a:solidFill>
+                <a:schemeClr val="bg1"/>
+              </a:solidFill>
+              <a:latin typeface="Lucida Console" panose="020B0609040504020204" pitchFamily="49" charset="0"/>
+            </a:endParaRPr>
+          </a:p>
+          <a:p>
+            <a:pPr marL="571500" indent="-571500">
+              <a:buFont typeface="Arial" panose="020B0604020202020204" pitchFamily="34" charset="0"/>
+              <a:buChar char="•"/>
+            </a:pPr>
+            <a:r>
+              <a:rPr lang="en-GB" sz="3600" b="1" dirty="0" smtClean="0">
+                <a:solidFill>
+                  <a:schemeClr val="bg1"/>
+                </a:solidFill>
+                <a:latin typeface="Lucida Console" panose="020B0609040504020204" pitchFamily="49" charset="0"/>
+              </a:rPr>
+              <a:t>/</a:t>
+            </a:r>
+            <a:r>
+              <a:rPr lang="en-GB" sz="3600" b="1" dirty="0" err="1" smtClean="0">
+                <a:solidFill>
+                  <a:schemeClr val="bg1"/>
+                </a:solidFill>
+                <a:latin typeface="Lucida Console" panose="020B0609040504020204" pitchFamily="49" charset="0"/>
+              </a:rPr>
+              <a:t>createAccount</a:t>
+            </a:r>
+            <a:endParaRPr lang="en-GB" sz="3600" b="1" dirty="0">
+              <a:solidFill>
+                <a:schemeClr val="bg1"/>
+              </a:solidFill>
+              <a:latin typeface="Lucida Console" panose="020B0609040504020204" pitchFamily="49" charset="0"/>
+            </a:endParaRPr>
+          </a:p>
+          <a:p>
+            <a:pPr marL="571500" indent="-571500">
+              <a:buFont typeface="Arial" panose="020B0604020202020204" pitchFamily="34" charset="0"/>
+              <a:buChar char="•"/>
+            </a:pPr>
+            <a:r>
+              <a:rPr lang="en-GB" sz="3600" b="1" dirty="0" smtClean="0">
+                <a:solidFill>
+                  <a:schemeClr val="bg1"/>
+                </a:solidFill>
+                <a:latin typeface="Lucida Console" panose="020B0609040504020204" pitchFamily="49" charset="0"/>
+              </a:rPr>
+              <a:t>/</a:t>
+            </a:r>
+            <a:r>
+              <a:rPr lang="en-GB" sz="3600" b="1" dirty="0" err="1" smtClean="0">
+                <a:solidFill>
+                  <a:schemeClr val="bg1"/>
+                </a:solidFill>
+                <a:latin typeface="Lucida Console" panose="020B0609040504020204" pitchFamily="49" charset="0"/>
+              </a:rPr>
+              <a:t>myAccount</a:t>
+            </a:r>
+            <a:endParaRPr lang="en-GB" sz="3600" b="1" dirty="0" smtClean="0">
+              <a:solidFill>
+                <a:schemeClr val="bg1"/>
+              </a:solidFill>
+              <a:latin typeface="Lucida Console" panose="020B0609040504020204" pitchFamily="49" charset="0"/>
+            </a:endParaRPr>
+          </a:p>
+          <a:p>
+            <a:pPr marL="571500" indent="-571500">
+              <a:buFont typeface="Arial" panose="020B0604020202020204" pitchFamily="34" charset="0"/>
+              <a:buChar char="•"/>
+            </a:pPr>
+            <a:endParaRPr lang="en-GB" sz="3600" b="1" dirty="0" smtClean="0">
+              <a:solidFill>
+                <a:schemeClr val="bg1"/>
+              </a:solidFill>
+              <a:latin typeface="Lucida Console" panose="020B0609040504020204" pitchFamily="49" charset="0"/>
+            </a:endParaRPr>
+          </a:p>
+          <a:p>
+            <a:pPr marL="571500" indent="-571500">
+              <a:buFont typeface="Arial" panose="020B0604020202020204" pitchFamily="34" charset="0"/>
+              <a:buChar char="•"/>
+            </a:pPr>
+            <a:endParaRPr lang="en-GB" sz="3600" b="1" dirty="0" smtClean="0">
+              <a:solidFill>
+                <a:schemeClr val="bg1"/>
+              </a:solidFill>
+              <a:latin typeface="Lucida Console" panose="020B0609040504020204" pitchFamily="49" charset="0"/>
+            </a:endParaRPr>
+          </a:p>
+        </p:txBody>
+      </p:sp>
+    </p:spTree>
+    <p:extLst>
+      <p:ext uri="{BB962C8B-B14F-4D97-AF65-F5344CB8AC3E}">
+        <p14:creationId xmlns:p14="http://schemas.microsoft.com/office/powerpoint/2010/main" val="3186860674"/>
+      </p:ext>
+    </p:extLst>
+  </p:cSld>
+  <p:clrMapOvr>
+    <a:masterClrMapping/>
+  </p:clrMapOvr>
+  <p:timing>
+    <p:tnLst>
+      <p:par>
+        <p:cTn id="1" dur="indefinite" restart="never" nodeType="tmRoot"/>
+      </p:par>
+    </p:tnLst>
+  </p:timing>
+</p:sld>
+</file>
+
 <file path=ppt/slides/slide2.xml><?xml version="1.0" encoding="utf-8"?>
 <p:sld xmlns:a="http://schemas.openxmlformats.org/drawingml/2006/main" xmlns:r="http://schemas.openxmlformats.org/officeDocument/2006/relationships" xmlns:p="http://schemas.openxmlformats.org/presentationml/2006/main">
   <p:cSld>
@@ -17320,13 +18674,6 @@
               </a:rPr>
               <a:t>BIO:</a:t>
             </a:r>
-            <a:endParaRPr lang="en-GB" sz="2000" dirty="0" smtClean="0">
-              <a:solidFill>
-                <a:schemeClr val="bg1"/>
-              </a:solidFill>
-              <a:latin typeface="Lucida Console" panose="020B0609040504020204" pitchFamily="49" charset="0"/>
-              <a:cs typeface="Times New Roman" panose="02020603050405020304" pitchFamily="18" charset="0"/>
-            </a:endParaRPr>
           </a:p>
           <a:p>
             <a:r>
@@ -17337,27 +18684,7 @@
                 <a:latin typeface="Lucida Console" panose="020B0609040504020204" pitchFamily="49" charset="0"/>
                 <a:cs typeface="Times New Roman" panose="02020603050405020304" pitchFamily="18" charset="0"/>
               </a:rPr>
-              <a:t>Gemma </a:t>
-            </a:r>
-            <a:r>
-              <a:rPr lang="en-GB" dirty="0" smtClean="0">
-                <a:solidFill>
-                  <a:schemeClr val="bg1"/>
-                </a:solidFill>
-                <a:latin typeface="Lucida Console" panose="020B0609040504020204" pitchFamily="49" charset="0"/>
-                <a:cs typeface="Times New Roman" panose="02020603050405020304" pitchFamily="18" charset="0"/>
-              </a:rPr>
-              <a:t>Brett is </a:t>
-            </a:r>
-            <a:r>
-              <a:rPr lang="en-GB" dirty="0" smtClean="0">
-                <a:solidFill>
-                  <a:schemeClr val="bg1"/>
-                </a:solidFill>
-                <a:latin typeface="Lucida Console" panose="020B0609040504020204" pitchFamily="49" charset="0"/>
-                <a:cs typeface="Times New Roman" panose="02020603050405020304" pitchFamily="18" charset="0"/>
-              </a:rPr>
-              <a:t>a 4</a:t>
+              <a:t>Gemma Brett is a 4</a:t>
             </a:r>
             <a:r>
               <a:rPr lang="en-GB" baseline="30000" dirty="0" smtClean="0">
@@ -17377,37 +18704,7 @@
                 <a:latin typeface="Lucida Console" panose="020B0609040504020204" pitchFamily="49" charset="0"/>
                 <a:cs typeface="Times New Roman" panose="02020603050405020304" pitchFamily="18" charset="0"/>
               </a:rPr>
-              <a:t> year dentistry student in the University of Glasgow. </a:t>
-            </a:r>
-            <a:r>
-              <a:rPr lang="en-GB" dirty="0" smtClean="0">
-                <a:solidFill>
-                  <a:schemeClr val="bg1"/>
-                </a:solidFill>
-                <a:latin typeface="Lucida Console" panose="020B0609040504020204" pitchFamily="49" charset="0"/>
-                <a:cs typeface="Times New Roman" panose="02020603050405020304" pitchFamily="18" charset="0"/>
-              </a:rPr>
-              <a:t>She either reads or play mobile games to make her daily commute less boring. </a:t>
-            </a:r>
-            <a:r>
-              <a:rPr lang="en-GB" dirty="0" smtClean="0">
-                <a:solidFill>
-                  <a:schemeClr val="bg1"/>
-                </a:solidFill>
-                <a:latin typeface="Lucida Console" panose="020B0609040504020204" pitchFamily="49" charset="0"/>
-                <a:cs typeface="Times New Roman" panose="02020603050405020304" pitchFamily="18" charset="0"/>
-              </a:rPr>
-              <a:t>She wouldn’t hesitate to buy a game if its interesting and highly </a:t>
-            </a:r>
-            <a:r>
-              <a:rPr lang="en-GB" dirty="0" smtClean="0">
-                <a:solidFill>
-                  <a:schemeClr val="bg1"/>
-                </a:solidFill>
-                <a:latin typeface="Lucida Console" panose="020B0609040504020204" pitchFamily="49" charset="0"/>
-                <a:cs typeface="Times New Roman" panose="02020603050405020304" pitchFamily="18" charset="0"/>
-              </a:rPr>
-              <a:t>rated. </a:t>
+              <a:t> year dentistry student in the University of Glasgow. She either reads or play mobile games to make her daily commute less boring. She wouldn’t hesitate to buy a game if its interesting and highly rated. </a:t>
             </a:r>
             <a:endParaRPr lang="en-GB" dirty="0">
               <a:solidFill>
@@ -18106,6 +19403,146 @@
           <p:nvPr/>
         </p:nvPicPr>
         <p:blipFill rotWithShape="1">
+          <a:blip r:embed="rId2"/>
+          <a:srcRect l="15897" t="46864" r="37180" b="45562"/>
+          <a:stretch/>
+        </p:blipFill>
+        <p:spPr>
+          <a:xfrm>
+            <a:off x="7455877" y="211015"/>
+            <a:ext cx="4290646" cy="750277"/>
+          </a:xfrm>
+          <a:prstGeom prst="rect">
+            <a:avLst/>
+          </a:prstGeom>
+        </p:spPr>
+      </p:pic>
+      <p:sp>
+        <p:nvSpPr>
+          <p:cNvPr id="9" name="TextBox 8"/>
+          <p:cNvSpPr txBox="1"/>
+          <p:nvPr/>
+        </p:nvSpPr>
+        <p:spPr>
+          <a:xfrm>
+            <a:off x="539261" y="361127"/>
+            <a:ext cx="9061939" cy="1200329"/>
+          </a:xfrm>
+          <a:prstGeom prst="rect">
+            <a:avLst/>
+          </a:prstGeom>
+          <a:noFill/>
+        </p:spPr>
+        <p:txBody>
+          <a:bodyPr wrap="square" rtlCol="0">
+            <a:spAutoFit/>
+          </a:bodyPr>
+          <a:lstStyle/>
+          <a:p>
+            <a:r>
+              <a:rPr lang="en-GB" sz="3600" b="1" dirty="0" smtClean="0">
+                <a:solidFill>
+                  <a:schemeClr val="bg1"/>
+                </a:solidFill>
+                <a:latin typeface="Lucida Console" panose="020B0609040504020204" pitchFamily="49" charset="0"/>
+              </a:rPr>
+              <a:t>ER Diagram</a:t>
+            </a:r>
+            <a:endParaRPr lang="en-GB" sz="3600" b="1" dirty="0" smtClean="0">
+              <a:solidFill>
+                <a:schemeClr val="bg1"/>
+              </a:solidFill>
+              <a:latin typeface="Lucida Console" panose="020B0609040504020204" pitchFamily="49" charset="0"/>
+            </a:endParaRPr>
+          </a:p>
+          <a:p>
+            <a:endParaRPr lang="en-GB" sz="3600" b="1" dirty="0" smtClean="0">
+              <a:solidFill>
+                <a:schemeClr val="bg1"/>
+              </a:solidFill>
+              <a:latin typeface="Lucida Console" panose="020B0609040504020204" pitchFamily="49" charset="0"/>
+            </a:endParaRPr>
+          </a:p>
+        </p:txBody>
+      </p:sp>
+      <p:pic>
+        <p:nvPicPr>
+          <p:cNvPr id="2" name="Picture 1"/>
+          <p:cNvPicPr>
+            <a:picLocks noChangeAspect="1"/>
+          </p:cNvPicPr>
+          <p:nvPr/>
+        </p:nvPicPr>
+        <p:blipFill>
+          <a:blip r:embed="rId3"/>
+          <a:stretch>
+            <a:fillRect/>
+          </a:stretch>
+        </p:blipFill>
+        <p:spPr>
+          <a:xfrm>
+            <a:off x="393358" y="1297978"/>
+            <a:ext cx="6853669" cy="5218490"/>
+          </a:xfrm>
+          <a:prstGeom prst="rect">
+            <a:avLst/>
+          </a:prstGeom>
+        </p:spPr>
+      </p:pic>
+    </p:spTree>
+    <p:extLst>
+      <p:ext uri="{BB962C8B-B14F-4D97-AF65-F5344CB8AC3E}">
+        <p14:creationId xmlns:p14="http://schemas.microsoft.com/office/powerpoint/2010/main" val="1103055193"/>
+      </p:ext>
+    </p:extLst>
+  </p:cSld>
+  <p:clrMapOvr>
+    <a:masterClrMapping/>
+  </p:clrMapOvr>
+  <p:timing>
+    <p:tnLst>
+      <p:par>
+        <p:cTn id="1" dur="indefinite" restart="never" nodeType="tmRoot"/>
+      </p:par>
+    </p:tnLst>
+  </p:timing>
+</p:sld>
+</file>
+
+<file path=ppt/slides/slide8.xml><?xml version="1.0" encoding="utf-8"?>
+<p:sld xmlns:a="http://schemas.openxmlformats.org/drawingml/2006/main" xmlns:r="http://schemas.openxmlformats.org/officeDocument/2006/relationships" xmlns:p="http://schemas.openxmlformats.org/presentationml/2006/main">
+  <p:cSld>
+    <p:bg>
+      <p:bgPr>
+        <a:solidFill>
+          <a:schemeClr val="tx1"/>
+        </a:solidFill>
+        <a:effectLst/>
+      </p:bgPr>
+    </p:bg>
+    <p:spTree>
+      <p:nvGrpSpPr>
+        <p:cNvPr id="1" name=""/>
+        <p:cNvGrpSpPr/>
+        <p:nvPr/>
+      </p:nvGrpSpPr>
+      <p:grpSpPr>
+        <a:xfrm>
+          <a:off x="0" y="0"/>
+          <a:ext cx="0" cy="0"/>
+          <a:chOff x="0" y="0"/>
+          <a:chExt cx="0" cy="0"/>
+        </a:xfrm>
+      </p:grpSpPr>
+      <p:pic>
+        <p:nvPicPr>
+          <p:cNvPr id="5" name="Picture 4"/>
+          <p:cNvPicPr>
+            <a:picLocks noChangeAspect="1"/>
+          </p:cNvPicPr>
+          <p:nvPr/>
+        </p:nvPicPr>
+        <p:blipFill rotWithShape="1">
           <a:blip r:embed="rId3"/>
           <a:srcRect l="15897" t="46864" r="37180" b="45562"/>
           <a:stretch/>
@@ -18318,105 +19755,6 @@
           </a:p>
         </p:txBody>
       </p:sp>
-      <p:sp>
-        <p:nvSpPr>
-          <p:cNvPr id="10" name="TextBox 9"/>
-          <p:cNvSpPr txBox="1"/>
-          <p:nvPr/>
-        </p:nvSpPr>
-        <p:spPr>
-          <a:xfrm>
-            <a:off x="4350012" y="4488594"/>
-            <a:ext cx="1922585" cy="646331"/>
-          </a:xfrm>
-          <a:prstGeom prst="rect">
-            <a:avLst/>
-          </a:prstGeom>
-          <a:noFill/>
-          <a:ln>
-            <a:solidFill>
-              <a:schemeClr val="bg1"/>
-            </a:solidFill>
-          </a:ln>
-        </p:spPr>
-        <p:txBody>
-          <a:bodyPr wrap="square" rtlCol="0">
-            <a:spAutoFit/>
-          </a:bodyPr>
-          <a:lstStyle/>
-          <a:p>
-            <a:r>
-              <a:rPr lang="en-GB" dirty="0" smtClean="0">
-                <a:solidFill>
-                  <a:schemeClr val="bg1"/>
-                </a:solidFill>
-                <a:latin typeface="Lucida Console" panose="020B0609040504020204" pitchFamily="49" charset="0"/>
-              </a:rPr>
-              <a:t>Hall of fame/shame</a:t>
-            </a:r>
-            <a:endParaRPr lang="en-GB" dirty="0">
-              <a:solidFill>
-                <a:schemeClr val="bg1"/>
-              </a:solidFill>
-              <a:latin typeface="Lucida Console" panose="020B0609040504020204" pitchFamily="49" charset="0"/>
-            </a:endParaRPr>
-          </a:p>
-        </p:txBody>
-      </p:sp>
-      <p:sp>
-        <p:nvSpPr>
-          <p:cNvPr id="11" name="TextBox 10"/>
-          <p:cNvSpPr txBox="1"/>
-          <p:nvPr/>
-        </p:nvSpPr>
-        <p:spPr>
-          <a:xfrm>
-            <a:off x="6816610" y="4488594"/>
-            <a:ext cx="2309448" cy="369332"/>
-          </a:xfrm>
-          <a:prstGeom prst="rect">
-            <a:avLst/>
-          </a:prstGeom>
-          <a:noFill/>
-          <a:ln>
-            <a:solidFill>
-              <a:schemeClr val="bg1"/>
-            </a:solidFill>
-          </a:ln>
-        </p:spPr>
-        <p:txBody>
-          <a:bodyPr wrap="square" rtlCol="0">
-            <a:spAutoFit/>
-          </a:bodyPr>
-          <a:lstStyle/>
-          <a:p>
-            <a:r>
-              <a:rPr lang="en-GB" dirty="0" err="1" smtClean="0">
-                <a:solidFill>
-                  <a:schemeClr val="bg1"/>
-                </a:solidFill>
-                <a:latin typeface="Lucida Console" panose="020B0609040504020204" pitchFamily="49" charset="0"/>
-              </a:rPr>
-              <a:t>Userbase</a:t>
-            </a:r>
-            <a:r>
-              <a:rPr lang="en-GB" dirty="0" smtClean="0">
-                <a:solidFill>
-                  <a:schemeClr val="bg1"/>
-                </a:solidFill>
-                <a:latin typeface="Lucida Console" panose="020B0609040504020204" pitchFamily="49" charset="0"/>
-              </a:rPr>
-              <a:t> Stats</a:t>
-            </a:r>
-            <a:endParaRPr lang="en-GB" dirty="0">
-              <a:solidFill>
-                <a:schemeClr val="bg1"/>
-              </a:solidFill>
-              <a:latin typeface="Lucida Console" panose="020B0609040504020204" pitchFamily="49" charset="0"/>
-            </a:endParaRPr>
-          </a:p>
-        </p:txBody>
-      </p:sp>
       <p:cxnSp>
         <p:nvCxnSpPr>
           <p:cNvPr id="12" name="Straight Connector 11"/>
@@ -18567,76 +19905,6 @@
           <a:xfrm>
             <a:off x="6986568" y="2761672"/>
             <a:ext cx="0" cy="353761"/>
-          </a:xfrm>
-          <a:prstGeom prst="line">
-            <a:avLst/>
-          </a:prstGeom>
-          <a:ln w="38100">
-            <a:solidFill>
-              <a:schemeClr val="bg1"/>
-            </a:solidFill>
-          </a:ln>
-        </p:spPr>
-        <p:style>
-          <a:lnRef idx="1">
-            <a:schemeClr val="accent1"/>
-          </a:lnRef>
-          <a:fillRef idx="0">
-            <a:schemeClr val="accent1"/>
-          </a:fillRef>
-          <a:effectRef idx="0">
-            <a:schemeClr val="accent1"/>
-          </a:effectRef>
-          <a:fontRef idx="minor">
-            <a:schemeClr val="tx1"/>
-          </a:fontRef>
-        </p:style>
-      </p:cxnSp>
-      <p:cxnSp>
-        <p:nvCxnSpPr>
-          <p:cNvPr id="29" name="Straight Connector 28"/>
-          <p:cNvCxnSpPr/>
-          <p:nvPr/>
-        </p:nvCxnSpPr>
-        <p:spPr>
-          <a:xfrm>
-            <a:off x="5803674" y="3484766"/>
-            <a:ext cx="0" cy="1003828"/>
-          </a:xfrm>
-          <a:prstGeom prst="line">
-            <a:avLst/>
-          </a:prstGeom>
-          <a:ln w="38100">
-            <a:solidFill>
-              <a:schemeClr val="bg1"/>
-            </a:solidFill>
-          </a:ln>
-        </p:spPr>
-        <p:style>
-          <a:lnRef idx="1">
-            <a:schemeClr val="accent1"/>
-          </a:lnRef>
-          <a:fillRef idx="0">
-            <a:schemeClr val="accent1"/>
-          </a:fillRef>
-          <a:effectRef idx="0">
-            <a:schemeClr val="accent1"/>
-          </a:effectRef>
-          <a:fontRef idx="minor">
-            <a:schemeClr val="tx1"/>
-          </a:fontRef>
-        </p:style>
-      </p:cxnSp>
-      <p:cxnSp>
-        <p:nvCxnSpPr>
-          <p:cNvPr id="33" name="Straight Connector 32"/>
-          <p:cNvCxnSpPr/>
-          <p:nvPr/>
-        </p:nvCxnSpPr>
-        <p:spPr>
-          <a:xfrm>
-            <a:off x="7948997" y="3484766"/>
-            <a:ext cx="5861" cy="1003828"/>
           </a:xfrm>
           <a:prstGeom prst="line">
             <a:avLst/>
@@ -18895,7 +20163,7 @@
 </p:sld>
 </file>
 
-<file path=ppt/slides/slide8.xml><?xml version="1.0" encoding="utf-8"?>
+<file path=ppt/slides/slide9.xml><?xml version="1.0" encoding="utf-8"?>
 <p:sld xmlns:a="http://schemas.openxmlformats.org/drawingml/2006/main" xmlns:r="http://schemas.openxmlformats.org/officeDocument/2006/relationships" xmlns:p="http://schemas.openxmlformats.org/presentationml/2006/main">
   <p:cSld>
     <p:bg>
@@ -18951,8 +20219,8 @@
         </p:nvSpPr>
         <p:spPr>
           <a:xfrm>
-            <a:off x="803188" y="738870"/>
-            <a:ext cx="9334501" cy="6740307"/>
+            <a:off x="412209" y="113479"/>
+            <a:ext cx="9334501" cy="646331"/>
           </a:xfrm>
           <a:prstGeom prst="rect">
             <a:avLst/>
@@ -18972,235 +20240,8 @@
                 </a:solidFill>
                 <a:latin typeface="Lucida Console" panose="020B0609040504020204" pitchFamily="49" charset="0"/>
               </a:rPr>
-              <a:t>Site URLs</a:t>
+              <a:t>Wireframe: Home</a:t>
             </a:r>
-          </a:p>
-          <a:p>
-            <a:endParaRPr lang="en-GB" sz="3600" b="1" dirty="0" smtClean="0">
-              <a:solidFill>
-                <a:schemeClr val="bg1"/>
-              </a:solidFill>
-              <a:latin typeface="Lucida Console" panose="020B0609040504020204" pitchFamily="49" charset="0"/>
-            </a:endParaRPr>
-          </a:p>
-          <a:p>
-            <a:pPr marL="571500" indent="-571500">
-              <a:buFont typeface="Arial" panose="020B0604020202020204" pitchFamily="34" charset="0"/>
-              <a:buChar char="•"/>
-            </a:pPr>
-            <a:r>
-              <a:rPr lang="en-GB" sz="3600" b="1" dirty="0" smtClean="0">
-                <a:solidFill>
-                  <a:schemeClr val="bg1"/>
-                </a:solidFill>
-                <a:latin typeface="Lucida Console" panose="020B0609040504020204" pitchFamily="49" charset="0"/>
-              </a:rPr>
-              <a:t>/home</a:t>
-            </a:r>
-          </a:p>
-          <a:p>
-            <a:pPr marL="571500" indent="-571500">
-              <a:buFont typeface="Arial" panose="020B0604020202020204" pitchFamily="34" charset="0"/>
-              <a:buChar char="•"/>
-            </a:pPr>
-            <a:r>
-              <a:rPr lang="en-GB" sz="3600" b="1" dirty="0" smtClean="0">
-                <a:solidFill>
-                  <a:schemeClr val="bg1"/>
-                </a:solidFill>
-                <a:latin typeface="Lucida Console" panose="020B0609040504020204" pitchFamily="49" charset="0"/>
-              </a:rPr>
-              <a:t>/play</a:t>
-            </a:r>
-          </a:p>
-          <a:p>
-            <a:pPr marL="571500" indent="-571500">
-              <a:buFont typeface="Arial" panose="020B0604020202020204" pitchFamily="34" charset="0"/>
-              <a:buChar char="•"/>
-            </a:pPr>
-            <a:r>
-              <a:rPr lang="en-GB" sz="3600" b="1" dirty="0" smtClean="0">
-                <a:solidFill>
-                  <a:schemeClr val="bg1"/>
-                </a:solidFill>
-                <a:latin typeface="Lucida Console" panose="020B0609040504020204" pitchFamily="49" charset="0"/>
-              </a:rPr>
-              <a:t>/help</a:t>
-            </a:r>
-          </a:p>
-          <a:p>
-            <a:pPr marL="571500" indent="-571500">
-              <a:buFont typeface="Arial" panose="020B0604020202020204" pitchFamily="34" charset="0"/>
-              <a:buChar char="•"/>
-            </a:pPr>
-            <a:r>
-              <a:rPr lang="en-GB" sz="3600" b="1" dirty="0" smtClean="0">
-                <a:solidFill>
-                  <a:schemeClr val="bg1"/>
-                </a:solidFill>
-                <a:latin typeface="Lucida Console" panose="020B0609040504020204" pitchFamily="49" charset="0"/>
-              </a:rPr>
-              <a:t>/</a:t>
-            </a:r>
-            <a:r>
-              <a:rPr lang="en-GB" sz="3600" b="1" dirty="0" err="1" smtClean="0">
-                <a:solidFill>
-                  <a:schemeClr val="bg1"/>
-                </a:solidFill>
-                <a:latin typeface="Lucida Console" panose="020B0609040504020204" pitchFamily="49" charset="0"/>
-              </a:rPr>
-              <a:t>hivemind</a:t>
-            </a:r>
-            <a:endParaRPr lang="en-GB" sz="3600" b="1" dirty="0" smtClean="0">
-              <a:solidFill>
-                <a:schemeClr val="bg1"/>
-              </a:solidFill>
-              <a:latin typeface="Lucida Console" panose="020B0609040504020204" pitchFamily="49" charset="0"/>
-            </a:endParaRPr>
-          </a:p>
-          <a:p>
-            <a:pPr marL="1028700" lvl="1" indent="-571500">
-              <a:buFont typeface="Arial" panose="020B0604020202020204" pitchFamily="34" charset="0"/>
-              <a:buChar char="•"/>
-            </a:pPr>
-            <a:r>
-              <a:rPr lang="en-GB" sz="3600" b="1" dirty="0" smtClean="0">
-                <a:solidFill>
-                  <a:schemeClr val="bg1"/>
-                </a:solidFill>
-                <a:latin typeface="Lucida Console" panose="020B0609040504020204" pitchFamily="49" charset="0"/>
-              </a:rPr>
-              <a:t>/</a:t>
-            </a:r>
-            <a:r>
-              <a:rPr lang="en-GB" sz="3600" b="1" dirty="0" err="1" smtClean="0">
-                <a:solidFill>
-                  <a:schemeClr val="bg1"/>
-                </a:solidFill>
-                <a:latin typeface="Lucida Console" panose="020B0609040504020204" pitchFamily="49" charset="0"/>
-              </a:rPr>
-              <a:t>hivemind</a:t>
-            </a:r>
-            <a:r>
-              <a:rPr lang="en-GB" sz="3600" b="1" dirty="0" smtClean="0">
-                <a:solidFill>
-                  <a:schemeClr val="bg1"/>
-                </a:solidFill>
-                <a:latin typeface="Lucida Console" panose="020B0609040504020204" pitchFamily="49" charset="0"/>
-              </a:rPr>
-              <a:t>/fame</a:t>
-            </a:r>
-          </a:p>
-          <a:p>
-            <a:pPr marL="1028700" lvl="1" indent="-571500">
-              <a:buFont typeface="Arial" panose="020B0604020202020204" pitchFamily="34" charset="0"/>
-              <a:buChar char="•"/>
-            </a:pPr>
-            <a:r>
-              <a:rPr lang="en-GB" sz="3600" b="1" dirty="0" smtClean="0">
-                <a:solidFill>
-                  <a:schemeClr val="bg1"/>
-                </a:solidFill>
-                <a:latin typeface="Lucida Console" panose="020B0609040504020204" pitchFamily="49" charset="0"/>
-              </a:rPr>
-              <a:t>/</a:t>
-            </a:r>
-            <a:r>
-              <a:rPr lang="en-GB" sz="3600" b="1" dirty="0" err="1" smtClean="0">
-                <a:solidFill>
-                  <a:schemeClr val="bg1"/>
-                </a:solidFill>
-                <a:latin typeface="Lucida Console" panose="020B0609040504020204" pitchFamily="49" charset="0"/>
-              </a:rPr>
-              <a:t>hivemind</a:t>
-            </a:r>
-            <a:r>
-              <a:rPr lang="en-GB" sz="3600" b="1" dirty="0" smtClean="0">
-                <a:solidFill>
-                  <a:schemeClr val="bg1"/>
-                </a:solidFill>
-                <a:latin typeface="Lucida Console" panose="020B0609040504020204" pitchFamily="49" charset="0"/>
-              </a:rPr>
-              <a:t>/consensus</a:t>
-            </a:r>
-          </a:p>
-          <a:p>
-            <a:pPr marL="571500" indent="-571500">
-              <a:buFont typeface="Arial" panose="020B0604020202020204" pitchFamily="34" charset="0"/>
-              <a:buChar char="•"/>
-            </a:pPr>
-            <a:r>
-              <a:rPr lang="en-GB" sz="3600" b="1" dirty="0" smtClean="0">
-                <a:solidFill>
-                  <a:schemeClr val="bg1"/>
-                </a:solidFill>
-                <a:latin typeface="Lucida Console" panose="020B0609040504020204" pitchFamily="49" charset="0"/>
-              </a:rPr>
-              <a:t>/</a:t>
-            </a:r>
-            <a:r>
-              <a:rPr lang="en-GB" sz="3600" b="1" dirty="0" err="1" smtClean="0">
-                <a:solidFill>
-                  <a:schemeClr val="bg1"/>
-                </a:solidFill>
-                <a:latin typeface="Lucida Console" panose="020B0609040504020204" pitchFamily="49" charset="0"/>
-              </a:rPr>
-              <a:t>createAccount</a:t>
-            </a:r>
-            <a:endParaRPr lang="en-GB" sz="3600" b="1" dirty="0">
-              <a:solidFill>
-                <a:schemeClr val="bg1"/>
-              </a:solidFill>
-              <a:latin typeface="Lucida Console" panose="020B0609040504020204" pitchFamily="49" charset="0"/>
-            </a:endParaRPr>
-          </a:p>
-          <a:p>
-            <a:pPr marL="571500" indent="-571500">
-              <a:buFont typeface="Arial" panose="020B0604020202020204" pitchFamily="34" charset="0"/>
-              <a:buChar char="•"/>
-            </a:pPr>
-            <a:r>
-              <a:rPr lang="en-GB" sz="3600" b="1" dirty="0" smtClean="0">
-                <a:solidFill>
-                  <a:schemeClr val="bg1"/>
-                </a:solidFill>
-                <a:latin typeface="Lucida Console" panose="020B0609040504020204" pitchFamily="49" charset="0"/>
-              </a:rPr>
-              <a:t>/</a:t>
-            </a:r>
-            <a:r>
-              <a:rPr lang="en-GB" sz="3600" b="1" dirty="0" err="1" smtClean="0">
-                <a:solidFill>
-                  <a:schemeClr val="bg1"/>
-                </a:solidFill>
-                <a:latin typeface="Lucida Console" panose="020B0609040504020204" pitchFamily="49" charset="0"/>
-              </a:rPr>
-              <a:t>myAccount</a:t>
-            </a:r>
-            <a:endParaRPr lang="en-GB" sz="3600" b="1" dirty="0" smtClean="0">
-              <a:solidFill>
-                <a:schemeClr val="bg1"/>
-              </a:solidFill>
-              <a:latin typeface="Lucida Console" panose="020B0609040504020204" pitchFamily="49" charset="0"/>
-            </a:endParaRPr>
-          </a:p>
-          <a:p>
-            <a:pPr marL="571500" indent="-571500">
-              <a:buFont typeface="Arial" panose="020B0604020202020204" pitchFamily="34" charset="0"/>
-              <a:buChar char="•"/>
-            </a:pPr>
-            <a:endParaRPr lang="en-GB" sz="3600" b="1" dirty="0" smtClean="0">
-              <a:solidFill>
-                <a:schemeClr val="bg1"/>
-              </a:solidFill>
-              <a:latin typeface="Lucida Console" panose="020B0609040504020204" pitchFamily="49" charset="0"/>
-            </a:endParaRPr>
-          </a:p>
-          <a:p>
-            <a:pPr marL="571500" indent="-571500">
-              <a:buFont typeface="Arial" panose="020B0604020202020204" pitchFamily="34" charset="0"/>
-              <a:buChar char="•"/>
-            </a:pPr>
             <a:endParaRPr lang="en-GB" sz="3600" b="1" dirty="0" smtClean="0">
               <a:solidFill>
                 <a:schemeClr val="bg1"/>
@@ -19210,6 +20251,65 @@
           </a:p>
         </p:txBody>
       </p:sp>
+      <p:pic>
+        <p:nvPicPr>
+          <p:cNvPr id="2" name="Picture 1"/>
+          <p:cNvPicPr>
+            <a:picLocks noChangeAspect="1"/>
+          </p:cNvPicPr>
+          <p:nvPr/>
+        </p:nvPicPr>
+        <p:blipFill>
+          <a:blip r:embed="rId4"/>
+          <a:stretch>
+            <a:fillRect/>
+          </a:stretch>
+        </p:blipFill>
+        <p:spPr>
+          <a:xfrm>
+            <a:off x="1870867" y="1058828"/>
+            <a:ext cx="8598132" cy="5200423"/>
+          </a:xfrm>
+          <a:prstGeom prst="rect">
+            <a:avLst/>
+          </a:prstGeom>
+        </p:spPr>
+      </p:pic>
+      <p:cxnSp>
+        <p:nvCxnSpPr>
+          <p:cNvPr id="4" name="Straight Connector 3"/>
+          <p:cNvCxnSpPr/>
+          <p:nvPr/>
+        </p:nvCxnSpPr>
+        <p:spPr>
+          <a:xfrm>
+            <a:off x="0" y="961292"/>
+            <a:ext cx="12192000" cy="0"/>
+          </a:xfrm>
+          <a:prstGeom prst="line">
+            <a:avLst/>
+          </a:prstGeom>
+          <a:ln w="19050">
+            <a:solidFill>
+              <a:schemeClr val="bg1"/>
+            </a:solidFill>
+          </a:ln>
+        </p:spPr>
+        <p:style>
+          <a:lnRef idx="1">
+            <a:schemeClr val="accent1"/>
+          </a:lnRef>
+          <a:fillRef idx="0">
+            <a:schemeClr val="accent1"/>
+          </a:fillRef>
+          <a:effectRef idx="0">
+            <a:schemeClr val="accent1"/>
+          </a:effectRef>
+          <a:fontRef idx="minor">
+            <a:schemeClr val="tx1"/>
+          </a:fontRef>
+        </p:style>
+      </p:cxnSp>
     </p:spTree>
     <p:extLst>
       <p:ext uri="{BB962C8B-B14F-4D97-AF65-F5344CB8AC3E}">

--- a/chris pres.pptx
+++ b/chris pres.pptx
@@ -15,12 +15,12 @@
     <p:sldId id="259" r:id="rId6"/>
     <p:sldId id="264" r:id="rId7"/>
     <p:sldId id="272" r:id="rId8"/>
-    <p:sldId id="261" r:id="rId9"/>
-    <p:sldId id="263" r:id="rId10"/>
-    <p:sldId id="276" r:id="rId11"/>
-    <p:sldId id="274" r:id="rId12"/>
-    <p:sldId id="273" r:id="rId13"/>
-    <p:sldId id="275" r:id="rId14"/>
+    <p:sldId id="263" r:id="rId9"/>
+    <p:sldId id="276" r:id="rId10"/>
+    <p:sldId id="274" r:id="rId11"/>
+    <p:sldId id="273" r:id="rId12"/>
+    <p:sldId id="275" r:id="rId13"/>
+    <p:sldId id="261" r:id="rId14"/>
     <p:sldId id="267" r:id="rId15"/>
   </p:sldIdLst>
   <p:sldSz cx="12192000" cy="6858000"/>
@@ -13704,7 +13704,7 @@
     </p:spTree>
     <p:extLst>
       <p:ext uri="{BB962C8B-B14F-4D97-AF65-F5344CB8AC3E}">
-        <p14:creationId xmlns:p14="http://schemas.microsoft.com/office/powerpoint/2010/main" val="3748921159"/>
+        <p14:creationId xmlns:p14="http://schemas.microsoft.com/office/powerpoint/2010/main" val="275389217"/>
       </p:ext>
     </p:extLst>
   </p:cSld>
@@ -13788,7 +13788,7 @@
     </p:spTree>
     <p:extLst>
       <p:ext uri="{BB962C8B-B14F-4D97-AF65-F5344CB8AC3E}">
-        <p14:creationId xmlns:p14="http://schemas.microsoft.com/office/powerpoint/2010/main" val="275389217"/>
+        <p14:creationId xmlns:p14="http://schemas.microsoft.com/office/powerpoint/2010/main" val="1336473623"/>
       </p:ext>
     </p:extLst>
   </p:cSld>
@@ -13872,7 +13872,7 @@
     </p:spTree>
     <p:extLst>
       <p:ext uri="{BB962C8B-B14F-4D97-AF65-F5344CB8AC3E}">
-        <p14:creationId xmlns:p14="http://schemas.microsoft.com/office/powerpoint/2010/main" val="1336473623"/>
+        <p14:creationId xmlns:p14="http://schemas.microsoft.com/office/powerpoint/2010/main" val="1230722408"/>
       </p:ext>
     </p:extLst>
   </p:cSld>
@@ -13956,7 +13956,7 @@
     </p:spTree>
     <p:extLst>
       <p:ext uri="{BB962C8B-B14F-4D97-AF65-F5344CB8AC3E}">
-        <p14:creationId xmlns:p14="http://schemas.microsoft.com/office/powerpoint/2010/main" val="1230722408"/>
+        <p14:creationId xmlns:p14="http://schemas.microsoft.com/office/powerpoint/2010/main" val="1342634773"/>
       </p:ext>
     </p:extLst>
   </p:cSld>
@@ -14040,7 +14040,7 @@
     </p:spTree>
     <p:extLst>
       <p:ext uri="{BB962C8B-B14F-4D97-AF65-F5344CB8AC3E}">
-        <p14:creationId xmlns:p14="http://schemas.microsoft.com/office/powerpoint/2010/main" val="1342634773"/>
+        <p14:creationId xmlns:p14="http://schemas.microsoft.com/office/powerpoint/2010/main" val="1552759765"/>
       </p:ext>
     </p:extLst>
   </p:cSld>
@@ -14124,7 +14124,7 @@
     </p:spTree>
     <p:extLst>
       <p:ext uri="{BB962C8B-B14F-4D97-AF65-F5344CB8AC3E}">
-        <p14:creationId xmlns:p14="http://schemas.microsoft.com/office/powerpoint/2010/main" val="1552759765"/>
+        <p14:creationId xmlns:p14="http://schemas.microsoft.com/office/powerpoint/2010/main" val="3748921159"/>
       </p:ext>
     </p:extLst>
   </p:cSld>
@@ -17272,181 +17272,8 @@
                 </a:solidFill>
                 <a:latin typeface="Lucida Console" panose="020B0609040504020204" pitchFamily="49" charset="0"/>
               </a:rPr>
-              <a:t>Wireframe: Play</a:t>
-            </a:r>
-            <a:endParaRPr lang="en-GB" sz="3600" b="1" dirty="0" smtClean="0">
-              <a:solidFill>
-                <a:schemeClr val="bg1"/>
-              </a:solidFill>
-              <a:latin typeface="Lucida Console" panose="020B0609040504020204" pitchFamily="49" charset="0"/>
-            </a:endParaRPr>
-          </a:p>
-        </p:txBody>
-      </p:sp>
-      <p:cxnSp>
-        <p:nvCxnSpPr>
-          <p:cNvPr id="4" name="Straight Connector 3"/>
-          <p:cNvCxnSpPr/>
-          <p:nvPr/>
-        </p:nvCxnSpPr>
-        <p:spPr>
-          <a:xfrm>
-            <a:off x="0" y="961292"/>
-            <a:ext cx="12192000" cy="0"/>
-          </a:xfrm>
-          <a:prstGeom prst="line">
-            <a:avLst/>
-          </a:prstGeom>
-          <a:ln w="19050">
-            <a:solidFill>
-              <a:schemeClr val="bg1"/>
-            </a:solidFill>
-          </a:ln>
-        </p:spPr>
-        <p:style>
-          <a:lnRef idx="1">
-            <a:schemeClr val="accent1"/>
-          </a:lnRef>
-          <a:fillRef idx="0">
-            <a:schemeClr val="accent1"/>
-          </a:fillRef>
-          <a:effectRef idx="0">
-            <a:schemeClr val="accent1"/>
-          </a:effectRef>
-          <a:fontRef idx="minor">
-            <a:schemeClr val="tx1"/>
-          </a:fontRef>
-        </p:style>
-      </p:cxnSp>
-      <p:pic>
-        <p:nvPicPr>
-          <p:cNvPr id="3" name="Picture 2"/>
-          <p:cNvPicPr>
-            <a:picLocks noChangeAspect="1"/>
-          </p:cNvPicPr>
-          <p:nvPr/>
-        </p:nvPicPr>
-        <p:blipFill>
-          <a:blip r:embed="rId4"/>
-          <a:stretch>
-            <a:fillRect/>
-          </a:stretch>
-        </p:blipFill>
-        <p:spPr>
-          <a:xfrm>
-            <a:off x="2523744" y="1265813"/>
-            <a:ext cx="6656832" cy="5336584"/>
-          </a:xfrm>
-          <a:prstGeom prst="rect">
-            <a:avLst/>
-          </a:prstGeom>
-        </p:spPr>
-      </p:pic>
-    </p:spTree>
-    <p:extLst>
-      <p:ext uri="{BB962C8B-B14F-4D97-AF65-F5344CB8AC3E}">
-        <p14:creationId xmlns:p14="http://schemas.microsoft.com/office/powerpoint/2010/main" val="1001785307"/>
-      </p:ext>
-    </p:extLst>
-  </p:cSld>
-  <p:clrMapOvr>
-    <a:masterClrMapping/>
-  </p:clrMapOvr>
-  <p:timing>
-    <p:tnLst>
-      <p:par>
-        <p:cTn id="1" dur="indefinite" restart="never" nodeType="tmRoot"/>
-      </p:par>
-    </p:tnLst>
-  </p:timing>
-</p:sld>
-</file>
-
-<file path=ppt/slides/slide11.xml><?xml version="1.0" encoding="utf-8"?>
-<p:sld xmlns:a="http://schemas.openxmlformats.org/drawingml/2006/main" xmlns:r="http://schemas.openxmlformats.org/officeDocument/2006/relationships" xmlns:p="http://schemas.openxmlformats.org/presentationml/2006/main">
-  <p:cSld>
-    <p:bg>
-      <p:bgPr>
-        <a:solidFill>
-          <a:schemeClr val="tx1"/>
-        </a:solidFill>
-        <a:effectLst/>
-      </p:bgPr>
-    </p:bg>
-    <p:spTree>
-      <p:nvGrpSpPr>
-        <p:cNvPr id="1" name=""/>
-        <p:cNvGrpSpPr/>
-        <p:nvPr/>
-      </p:nvGrpSpPr>
-      <p:grpSpPr>
-        <a:xfrm>
-          <a:off x="0" y="0"/>
-          <a:ext cx="0" cy="0"/>
-          <a:chOff x="0" y="0"/>
-          <a:chExt cx="0" cy="0"/>
-        </a:xfrm>
-      </p:grpSpPr>
-      <p:pic>
-        <p:nvPicPr>
-          <p:cNvPr id="5" name="Picture 4"/>
-          <p:cNvPicPr>
-            <a:picLocks noChangeAspect="1"/>
-          </p:cNvPicPr>
-          <p:nvPr/>
-        </p:nvPicPr>
-        <p:blipFill rotWithShape="1">
-          <a:blip r:embed="rId3"/>
-          <a:srcRect l="15897" t="46864" r="37180" b="45562"/>
-          <a:stretch/>
-        </p:blipFill>
-        <p:spPr>
-          <a:xfrm>
-            <a:off x="7455877" y="211015"/>
-            <a:ext cx="4290646" cy="750277"/>
-          </a:xfrm>
-          <a:prstGeom prst="rect">
-            <a:avLst/>
-          </a:prstGeom>
-        </p:spPr>
-      </p:pic>
-      <p:sp>
-        <p:nvSpPr>
-          <p:cNvPr id="35" name="TextBox 34"/>
-          <p:cNvSpPr txBox="1"/>
-          <p:nvPr/>
-        </p:nvSpPr>
-        <p:spPr>
-          <a:xfrm>
-            <a:off x="412209" y="113479"/>
-            <a:ext cx="9334501" cy="646331"/>
-          </a:xfrm>
-          <a:prstGeom prst="rect">
-            <a:avLst/>
-          </a:prstGeom>
-          <a:noFill/>
-        </p:spPr>
-        <p:txBody>
-          <a:bodyPr wrap="square" rtlCol="0">
-            <a:spAutoFit/>
-          </a:bodyPr>
-          <a:lstStyle/>
-          <a:p>
-            <a:r>
-              <a:rPr lang="en-GB" sz="3600" b="1" dirty="0" smtClean="0">
-                <a:solidFill>
-                  <a:schemeClr val="bg1"/>
-                </a:solidFill>
-                <a:latin typeface="Lucida Console" panose="020B0609040504020204" pitchFamily="49" charset="0"/>
-              </a:rPr>
               <a:t>Wireframe: Help</a:t>
             </a:r>
-            <a:endParaRPr lang="en-GB" sz="3600" b="1" dirty="0" smtClean="0">
-              <a:solidFill>
-                <a:schemeClr val="bg1"/>
-              </a:solidFill>
-              <a:latin typeface="Lucida Console" panose="020B0609040504020204" pitchFamily="49" charset="0"/>
-            </a:endParaRPr>
           </a:p>
         </p:txBody>
       </p:sp>
@@ -17529,7 +17356,7 @@
 </p:sld>
 </file>
 
-<file path=ppt/slides/slide12.xml><?xml version="1.0" encoding="utf-8"?>
+<file path=ppt/slides/slide11.xml><?xml version="1.0" encoding="utf-8"?>
 <p:sld xmlns:a="http://schemas.openxmlformats.org/drawingml/2006/main" xmlns:r="http://schemas.openxmlformats.org/officeDocument/2006/relationships" xmlns:p="http://schemas.openxmlformats.org/presentationml/2006/main">
   <p:cSld>
     <p:bg>
@@ -17608,12 +17435,6 @@
               </a:rPr>
               <a:t>Wireframe: Create Account</a:t>
             </a:r>
-            <a:endParaRPr lang="en-GB" sz="3600" b="1" dirty="0" smtClean="0">
-              <a:solidFill>
-                <a:schemeClr val="bg1"/>
-              </a:solidFill>
-              <a:latin typeface="Lucida Console" panose="020B0609040504020204" pitchFamily="49" charset="0"/>
-            </a:endParaRPr>
           </a:p>
         </p:txBody>
       </p:sp>
@@ -17696,7 +17517,7 @@
 </p:sld>
 </file>
 
-<file path=ppt/slides/slide13.xml><?xml version="1.0" encoding="utf-8"?>
+<file path=ppt/slides/slide12.xml><?xml version="1.0" encoding="utf-8"?>
 <p:sld xmlns:a="http://schemas.openxmlformats.org/drawingml/2006/main" xmlns:r="http://schemas.openxmlformats.org/officeDocument/2006/relationships" xmlns:p="http://schemas.openxmlformats.org/presentationml/2006/main">
   <p:cSld>
     <p:bg>
@@ -17775,12 +17596,6 @@
               </a:rPr>
               <a:t>Wireframe: Stats</a:t>
             </a:r>
-            <a:endParaRPr lang="en-GB" sz="3600" b="1" dirty="0" smtClean="0">
-              <a:solidFill>
-                <a:schemeClr val="bg1"/>
-              </a:solidFill>
-              <a:latin typeface="Lucida Console" panose="020B0609040504020204" pitchFamily="49" charset="0"/>
-            </a:endParaRPr>
           </a:p>
         </p:txBody>
       </p:sp>
@@ -17847,6 +17662,660 @@
     <p:extLst>
       <p:ext uri="{BB962C8B-B14F-4D97-AF65-F5344CB8AC3E}">
         <p14:creationId xmlns:p14="http://schemas.microsoft.com/office/powerpoint/2010/main" val="219111942"/>
+      </p:ext>
+    </p:extLst>
+  </p:cSld>
+  <p:clrMapOvr>
+    <a:masterClrMapping/>
+  </p:clrMapOvr>
+  <p:timing>
+    <p:tnLst>
+      <p:par>
+        <p:cTn id="1" dur="indefinite" restart="never" nodeType="tmRoot"/>
+      </p:par>
+    </p:tnLst>
+  </p:timing>
+</p:sld>
+</file>
+
+<file path=ppt/slides/slide13.xml><?xml version="1.0" encoding="utf-8"?>
+<p:sld xmlns:a="http://schemas.openxmlformats.org/drawingml/2006/main" xmlns:r="http://schemas.openxmlformats.org/officeDocument/2006/relationships" xmlns:p="http://schemas.openxmlformats.org/presentationml/2006/main">
+  <p:cSld>
+    <p:bg>
+      <p:bgPr>
+        <a:solidFill>
+          <a:schemeClr val="tx1"/>
+        </a:solidFill>
+        <a:effectLst/>
+      </p:bgPr>
+    </p:bg>
+    <p:spTree>
+      <p:nvGrpSpPr>
+        <p:cNvPr id="1" name=""/>
+        <p:cNvGrpSpPr/>
+        <p:nvPr/>
+      </p:nvGrpSpPr>
+      <p:grpSpPr>
+        <a:xfrm>
+          <a:off x="0" y="0"/>
+          <a:ext cx="0" cy="0"/>
+          <a:chOff x="0" y="0"/>
+          <a:chExt cx="0" cy="0"/>
+        </a:xfrm>
+      </p:grpSpPr>
+      <p:pic>
+        <p:nvPicPr>
+          <p:cNvPr id="5" name="Picture 4"/>
+          <p:cNvPicPr>
+            <a:picLocks noChangeAspect="1"/>
+          </p:cNvPicPr>
+          <p:nvPr/>
+        </p:nvPicPr>
+        <p:blipFill rotWithShape="1">
+          <a:blip r:embed="rId3"/>
+          <a:srcRect l="15897" t="46864" r="37180" b="45562"/>
+          <a:stretch/>
+        </p:blipFill>
+        <p:spPr>
+          <a:xfrm>
+            <a:off x="7455877" y="211015"/>
+            <a:ext cx="4290646" cy="750277"/>
+          </a:xfrm>
+          <a:prstGeom prst="rect">
+            <a:avLst/>
+          </a:prstGeom>
+        </p:spPr>
+      </p:pic>
+      <p:sp>
+        <p:nvSpPr>
+          <p:cNvPr id="3" name="TextBox 2"/>
+          <p:cNvSpPr txBox="1"/>
+          <p:nvPr/>
+        </p:nvSpPr>
+        <p:spPr>
+          <a:xfrm>
+            <a:off x="4009292" y="1500553"/>
+            <a:ext cx="1922585" cy="646331"/>
+          </a:xfrm>
+          <a:prstGeom prst="rect">
+            <a:avLst/>
+          </a:prstGeom>
+          <a:noFill/>
+          <a:ln>
+            <a:solidFill>
+              <a:schemeClr val="bg1"/>
+            </a:solidFill>
+          </a:ln>
+        </p:spPr>
+        <p:txBody>
+          <a:bodyPr wrap="square" rtlCol="0">
+            <a:spAutoFit/>
+          </a:bodyPr>
+          <a:lstStyle/>
+          <a:p>
+            <a:r>
+              <a:rPr lang="en-GB" dirty="0" smtClean="0">
+                <a:solidFill>
+                  <a:schemeClr val="bg1"/>
+                </a:solidFill>
+                <a:latin typeface="Lucida Console" panose="020B0609040504020204" pitchFamily="49" charset="0"/>
+              </a:rPr>
+              <a:t>Home Page(index)</a:t>
+            </a:r>
+            <a:endParaRPr lang="en-GB" dirty="0">
+              <a:solidFill>
+                <a:schemeClr val="bg1"/>
+              </a:solidFill>
+              <a:latin typeface="Lucida Console" panose="020B0609040504020204" pitchFamily="49" charset="0"/>
+            </a:endParaRPr>
+          </a:p>
+        </p:txBody>
+      </p:sp>
+      <p:sp>
+        <p:nvSpPr>
+          <p:cNvPr id="6" name="TextBox 5"/>
+          <p:cNvSpPr txBox="1"/>
+          <p:nvPr/>
+        </p:nvSpPr>
+        <p:spPr>
+          <a:xfrm>
+            <a:off x="3094891" y="3115434"/>
+            <a:ext cx="1922585" cy="369332"/>
+          </a:xfrm>
+          <a:prstGeom prst="rect">
+            <a:avLst/>
+          </a:prstGeom>
+          <a:noFill/>
+          <a:ln>
+            <a:solidFill>
+              <a:schemeClr val="bg1"/>
+            </a:solidFill>
+          </a:ln>
+        </p:spPr>
+        <p:txBody>
+          <a:bodyPr wrap="square" rtlCol="0">
+            <a:spAutoFit/>
+          </a:bodyPr>
+          <a:lstStyle/>
+          <a:p>
+            <a:r>
+              <a:rPr lang="en-GB" dirty="0" smtClean="0">
+                <a:solidFill>
+                  <a:schemeClr val="bg1"/>
+                </a:solidFill>
+                <a:latin typeface="Lucida Console" panose="020B0609040504020204" pitchFamily="49" charset="0"/>
+              </a:rPr>
+              <a:t>Help</a:t>
+            </a:r>
+            <a:endParaRPr lang="en-GB" dirty="0">
+              <a:solidFill>
+                <a:schemeClr val="bg1"/>
+              </a:solidFill>
+              <a:latin typeface="Lucida Console" panose="020B0609040504020204" pitchFamily="49" charset="0"/>
+            </a:endParaRPr>
+          </a:p>
+        </p:txBody>
+      </p:sp>
+      <p:sp>
+        <p:nvSpPr>
+          <p:cNvPr id="7" name="TextBox 6"/>
+          <p:cNvSpPr txBox="1"/>
+          <p:nvPr/>
+        </p:nvSpPr>
+        <p:spPr>
+          <a:xfrm>
+            <a:off x="5639551" y="3115434"/>
+            <a:ext cx="2508737" cy="369332"/>
+          </a:xfrm>
+          <a:prstGeom prst="rect">
+            <a:avLst/>
+          </a:prstGeom>
+          <a:noFill/>
+          <a:ln>
+            <a:solidFill>
+              <a:schemeClr val="bg1"/>
+            </a:solidFill>
+          </a:ln>
+        </p:spPr>
+        <p:txBody>
+          <a:bodyPr wrap="square" rtlCol="0">
+            <a:spAutoFit/>
+          </a:bodyPr>
+          <a:lstStyle/>
+          <a:p>
+            <a:r>
+              <a:rPr lang="en-GB" dirty="0" smtClean="0">
+                <a:solidFill>
+                  <a:schemeClr val="bg1"/>
+                </a:solidFill>
+                <a:latin typeface="Lucida Console" panose="020B0609040504020204" pitchFamily="49" charset="0"/>
+              </a:rPr>
+              <a:t>Stats (</a:t>
+            </a:r>
+            <a:r>
+              <a:rPr lang="en-GB" dirty="0" err="1" smtClean="0">
+                <a:solidFill>
+                  <a:schemeClr val="bg1"/>
+                </a:solidFill>
+                <a:latin typeface="Lucida Console" panose="020B0609040504020204" pitchFamily="49" charset="0"/>
+              </a:rPr>
+              <a:t>hivemind</a:t>
+            </a:r>
+            <a:r>
+              <a:rPr lang="en-GB" dirty="0" smtClean="0">
+                <a:solidFill>
+                  <a:schemeClr val="bg1"/>
+                </a:solidFill>
+                <a:latin typeface="Lucida Console" panose="020B0609040504020204" pitchFamily="49" charset="0"/>
+              </a:rPr>
+              <a:t>)</a:t>
+            </a:r>
+            <a:endParaRPr lang="en-GB" dirty="0">
+              <a:solidFill>
+                <a:schemeClr val="bg1"/>
+              </a:solidFill>
+              <a:latin typeface="Lucida Console" panose="020B0609040504020204" pitchFamily="49" charset="0"/>
+            </a:endParaRPr>
+          </a:p>
+        </p:txBody>
+      </p:sp>
+      <p:sp>
+        <p:nvSpPr>
+          <p:cNvPr id="9" name="TextBox 8"/>
+          <p:cNvSpPr txBox="1"/>
+          <p:nvPr/>
+        </p:nvSpPr>
+        <p:spPr>
+          <a:xfrm>
+            <a:off x="128952" y="3115434"/>
+            <a:ext cx="1922585" cy="369332"/>
+          </a:xfrm>
+          <a:prstGeom prst="rect">
+            <a:avLst/>
+          </a:prstGeom>
+          <a:noFill/>
+          <a:ln>
+            <a:solidFill>
+              <a:schemeClr val="bg1"/>
+            </a:solidFill>
+          </a:ln>
+        </p:spPr>
+        <p:txBody>
+          <a:bodyPr wrap="square" rtlCol="0">
+            <a:spAutoFit/>
+          </a:bodyPr>
+          <a:lstStyle/>
+          <a:p>
+            <a:r>
+              <a:rPr lang="en-GB" dirty="0" smtClean="0">
+                <a:solidFill>
+                  <a:schemeClr val="bg1"/>
+                </a:solidFill>
+                <a:latin typeface="Lucida Console" panose="020B0609040504020204" pitchFamily="49" charset="0"/>
+              </a:rPr>
+              <a:t>Play</a:t>
+            </a:r>
+            <a:endParaRPr lang="en-GB" dirty="0">
+              <a:solidFill>
+                <a:schemeClr val="bg1"/>
+              </a:solidFill>
+              <a:latin typeface="Lucida Console" panose="020B0609040504020204" pitchFamily="49" charset="0"/>
+            </a:endParaRPr>
+          </a:p>
+        </p:txBody>
+      </p:sp>
+      <p:cxnSp>
+        <p:nvCxnSpPr>
+          <p:cNvPr id="12" name="Straight Connector 11"/>
+          <p:cNvCxnSpPr/>
+          <p:nvPr/>
+        </p:nvCxnSpPr>
+        <p:spPr>
+          <a:xfrm flipH="1">
+            <a:off x="4858327" y="2130695"/>
+            <a:ext cx="18473" cy="667923"/>
+          </a:xfrm>
+          <a:prstGeom prst="line">
+            <a:avLst/>
+          </a:prstGeom>
+          <a:ln w="38100">
+            <a:solidFill>
+              <a:schemeClr val="bg1"/>
+            </a:solidFill>
+          </a:ln>
+        </p:spPr>
+        <p:style>
+          <a:lnRef idx="1">
+            <a:schemeClr val="accent1"/>
+          </a:lnRef>
+          <a:fillRef idx="0">
+            <a:schemeClr val="accent1"/>
+          </a:fillRef>
+          <a:effectRef idx="0">
+            <a:schemeClr val="accent1"/>
+          </a:effectRef>
+          <a:fontRef idx="minor">
+            <a:schemeClr val="tx1"/>
+          </a:fontRef>
+        </p:style>
+      </p:cxnSp>
+      <p:cxnSp>
+        <p:nvCxnSpPr>
+          <p:cNvPr id="16" name="Straight Connector 15"/>
+          <p:cNvCxnSpPr/>
+          <p:nvPr/>
+        </p:nvCxnSpPr>
+        <p:spPr>
+          <a:xfrm>
+            <a:off x="869084" y="2743614"/>
+            <a:ext cx="10029059" cy="47671"/>
+          </a:xfrm>
+          <a:prstGeom prst="line">
+            <a:avLst/>
+          </a:prstGeom>
+          <a:ln w="38100">
+            <a:solidFill>
+              <a:schemeClr val="bg1"/>
+            </a:solidFill>
+          </a:ln>
+        </p:spPr>
+        <p:style>
+          <a:lnRef idx="1">
+            <a:schemeClr val="accent1"/>
+          </a:lnRef>
+          <a:fillRef idx="0">
+            <a:schemeClr val="accent1"/>
+          </a:fillRef>
+          <a:effectRef idx="0">
+            <a:schemeClr val="accent1"/>
+          </a:effectRef>
+          <a:fontRef idx="minor">
+            <a:schemeClr val="tx1"/>
+          </a:fontRef>
+        </p:style>
+      </p:cxnSp>
+      <p:cxnSp>
+        <p:nvCxnSpPr>
+          <p:cNvPr id="23" name="Straight Connector 22"/>
+          <p:cNvCxnSpPr/>
+          <p:nvPr/>
+        </p:nvCxnSpPr>
+        <p:spPr>
+          <a:xfrm>
+            <a:off x="869084" y="2761673"/>
+            <a:ext cx="0" cy="353761"/>
+          </a:xfrm>
+          <a:prstGeom prst="line">
+            <a:avLst/>
+          </a:prstGeom>
+          <a:ln w="38100">
+            <a:solidFill>
+              <a:schemeClr val="bg1"/>
+            </a:solidFill>
+          </a:ln>
+        </p:spPr>
+        <p:style>
+          <a:lnRef idx="1">
+            <a:schemeClr val="accent1"/>
+          </a:lnRef>
+          <a:fillRef idx="0">
+            <a:schemeClr val="accent1"/>
+          </a:fillRef>
+          <a:effectRef idx="0">
+            <a:schemeClr val="accent1"/>
+          </a:effectRef>
+          <a:fontRef idx="minor">
+            <a:schemeClr val="tx1"/>
+          </a:fontRef>
+        </p:style>
+      </p:cxnSp>
+      <p:cxnSp>
+        <p:nvCxnSpPr>
+          <p:cNvPr id="27" name="Straight Connector 26"/>
+          <p:cNvCxnSpPr/>
+          <p:nvPr/>
+        </p:nvCxnSpPr>
+        <p:spPr>
+          <a:xfrm>
+            <a:off x="3972502" y="2761672"/>
+            <a:ext cx="0" cy="353761"/>
+          </a:xfrm>
+          <a:prstGeom prst="line">
+            <a:avLst/>
+          </a:prstGeom>
+          <a:ln w="38100">
+            <a:solidFill>
+              <a:schemeClr val="bg1"/>
+            </a:solidFill>
+          </a:ln>
+        </p:spPr>
+        <p:style>
+          <a:lnRef idx="1">
+            <a:schemeClr val="accent1"/>
+          </a:lnRef>
+          <a:fillRef idx="0">
+            <a:schemeClr val="accent1"/>
+          </a:fillRef>
+          <a:effectRef idx="0">
+            <a:schemeClr val="accent1"/>
+          </a:effectRef>
+          <a:fontRef idx="minor">
+            <a:schemeClr val="tx1"/>
+          </a:fontRef>
+        </p:style>
+      </p:cxnSp>
+      <p:cxnSp>
+        <p:nvCxnSpPr>
+          <p:cNvPr id="28" name="Straight Connector 27"/>
+          <p:cNvCxnSpPr/>
+          <p:nvPr/>
+        </p:nvCxnSpPr>
+        <p:spPr>
+          <a:xfrm>
+            <a:off x="6986568" y="2761672"/>
+            <a:ext cx="0" cy="353761"/>
+          </a:xfrm>
+          <a:prstGeom prst="line">
+            <a:avLst/>
+          </a:prstGeom>
+          <a:ln w="38100">
+            <a:solidFill>
+              <a:schemeClr val="bg1"/>
+            </a:solidFill>
+          </a:ln>
+        </p:spPr>
+        <p:style>
+          <a:lnRef idx="1">
+            <a:schemeClr val="accent1"/>
+          </a:lnRef>
+          <a:fillRef idx="0">
+            <a:schemeClr val="accent1"/>
+          </a:fillRef>
+          <a:effectRef idx="0">
+            <a:schemeClr val="accent1"/>
+          </a:effectRef>
+          <a:fontRef idx="minor">
+            <a:schemeClr val="tx1"/>
+          </a:fontRef>
+        </p:style>
+      </p:cxnSp>
+      <p:sp>
+        <p:nvSpPr>
+          <p:cNvPr id="35" name="TextBox 34"/>
+          <p:cNvSpPr txBox="1"/>
+          <p:nvPr/>
+        </p:nvSpPr>
+        <p:spPr>
+          <a:xfrm>
+            <a:off x="539261" y="716643"/>
+            <a:ext cx="9061939" cy="1754326"/>
+          </a:xfrm>
+          <a:prstGeom prst="rect">
+            <a:avLst/>
+          </a:prstGeom>
+          <a:noFill/>
+        </p:spPr>
+        <p:txBody>
+          <a:bodyPr wrap="square" rtlCol="0">
+            <a:spAutoFit/>
+          </a:bodyPr>
+          <a:lstStyle/>
+          <a:p>
+            <a:r>
+              <a:rPr lang="en-GB" sz="3600" b="1" dirty="0" smtClean="0">
+                <a:solidFill>
+                  <a:schemeClr val="bg1"/>
+                </a:solidFill>
+                <a:latin typeface="Lucida Console" panose="020B0609040504020204" pitchFamily="49" charset="0"/>
+              </a:rPr>
+              <a:t>Walkthrough:</a:t>
+            </a:r>
+          </a:p>
+          <a:p>
+            <a:r>
+              <a:rPr lang="en-GB" sz="3600" b="1" dirty="0" smtClean="0">
+                <a:solidFill>
+                  <a:schemeClr val="bg1"/>
+                </a:solidFill>
+                <a:latin typeface="Lucida Console" panose="020B0609040504020204" pitchFamily="49" charset="0"/>
+              </a:rPr>
+              <a:t>Site Map</a:t>
+            </a:r>
+          </a:p>
+          <a:p>
+            <a:endParaRPr lang="en-GB" sz="3600" b="1" dirty="0" smtClean="0">
+              <a:solidFill>
+                <a:schemeClr val="bg1"/>
+              </a:solidFill>
+              <a:latin typeface="Lucida Console" panose="020B0609040504020204" pitchFamily="49" charset="0"/>
+            </a:endParaRPr>
+          </a:p>
+        </p:txBody>
+      </p:sp>
+      <p:cxnSp>
+        <p:nvCxnSpPr>
+          <p:cNvPr id="19" name="Straight Connector 18"/>
+          <p:cNvCxnSpPr/>
+          <p:nvPr/>
+        </p:nvCxnSpPr>
+        <p:spPr>
+          <a:xfrm>
+            <a:off x="9384694" y="2806856"/>
+            <a:ext cx="0" cy="353761"/>
+          </a:xfrm>
+          <a:prstGeom prst="line">
+            <a:avLst/>
+          </a:prstGeom>
+          <a:ln w="38100">
+            <a:solidFill>
+              <a:schemeClr val="bg1"/>
+            </a:solidFill>
+          </a:ln>
+        </p:spPr>
+        <p:style>
+          <a:lnRef idx="1">
+            <a:schemeClr val="accent1"/>
+          </a:lnRef>
+          <a:fillRef idx="0">
+            <a:schemeClr val="accent1"/>
+          </a:fillRef>
+          <a:effectRef idx="0">
+            <a:schemeClr val="accent1"/>
+          </a:effectRef>
+          <a:fontRef idx="minor">
+            <a:schemeClr val="tx1"/>
+          </a:fontRef>
+        </p:style>
+      </p:cxnSp>
+      <p:sp>
+        <p:nvSpPr>
+          <p:cNvPr id="21" name="TextBox 20"/>
+          <p:cNvSpPr txBox="1"/>
+          <p:nvPr/>
+        </p:nvSpPr>
+        <p:spPr>
+          <a:xfrm>
+            <a:off x="8791944" y="3169746"/>
+            <a:ext cx="1337898" cy="646331"/>
+          </a:xfrm>
+          <a:prstGeom prst="rect">
+            <a:avLst/>
+          </a:prstGeom>
+          <a:noFill/>
+          <a:ln>
+            <a:solidFill>
+              <a:schemeClr val="bg1"/>
+            </a:solidFill>
+          </a:ln>
+        </p:spPr>
+        <p:txBody>
+          <a:bodyPr wrap="square" rtlCol="0">
+            <a:spAutoFit/>
+          </a:bodyPr>
+          <a:lstStyle/>
+          <a:p>
+            <a:r>
+              <a:rPr lang="en-GB" dirty="0" smtClean="0">
+                <a:solidFill>
+                  <a:schemeClr val="bg1"/>
+                </a:solidFill>
+                <a:latin typeface="Lucida Console" panose="020B0609040504020204" pitchFamily="49" charset="0"/>
+              </a:rPr>
+              <a:t>Create Account</a:t>
+            </a:r>
+            <a:endParaRPr lang="en-GB" dirty="0">
+              <a:solidFill>
+                <a:schemeClr val="bg1"/>
+              </a:solidFill>
+              <a:latin typeface="Lucida Console" panose="020B0609040504020204" pitchFamily="49" charset="0"/>
+            </a:endParaRPr>
+          </a:p>
+        </p:txBody>
+      </p:sp>
+      <p:cxnSp>
+        <p:nvCxnSpPr>
+          <p:cNvPr id="22" name="Straight Connector 21"/>
+          <p:cNvCxnSpPr/>
+          <p:nvPr/>
+        </p:nvCxnSpPr>
+        <p:spPr>
+          <a:xfrm>
+            <a:off x="10898143" y="2806856"/>
+            <a:ext cx="0" cy="353761"/>
+          </a:xfrm>
+          <a:prstGeom prst="line">
+            <a:avLst/>
+          </a:prstGeom>
+          <a:ln w="38100">
+            <a:solidFill>
+              <a:schemeClr val="bg1"/>
+            </a:solidFill>
+          </a:ln>
+        </p:spPr>
+        <p:style>
+          <a:lnRef idx="1">
+            <a:schemeClr val="accent1"/>
+          </a:lnRef>
+          <a:fillRef idx="0">
+            <a:schemeClr val="accent1"/>
+          </a:fillRef>
+          <a:effectRef idx="0">
+            <a:schemeClr val="accent1"/>
+          </a:effectRef>
+          <a:fontRef idx="minor">
+            <a:schemeClr val="tx1"/>
+          </a:fontRef>
+        </p:style>
+      </p:cxnSp>
+      <p:sp>
+        <p:nvSpPr>
+          <p:cNvPr id="24" name="TextBox 23"/>
+          <p:cNvSpPr txBox="1"/>
+          <p:nvPr/>
+        </p:nvSpPr>
+        <p:spPr>
+          <a:xfrm>
+            <a:off x="10305393" y="3160617"/>
+            <a:ext cx="1488832" cy="369332"/>
+          </a:xfrm>
+          <a:prstGeom prst="rect">
+            <a:avLst/>
+          </a:prstGeom>
+          <a:noFill/>
+          <a:ln>
+            <a:solidFill>
+              <a:schemeClr val="bg1"/>
+            </a:solidFill>
+          </a:ln>
+        </p:spPr>
+        <p:txBody>
+          <a:bodyPr wrap="square" rtlCol="0">
+            <a:spAutoFit/>
+          </a:bodyPr>
+          <a:lstStyle/>
+          <a:p>
+            <a:r>
+              <a:rPr lang="en-GB" dirty="0" err="1" smtClean="0">
+                <a:solidFill>
+                  <a:schemeClr val="bg1"/>
+                </a:solidFill>
+                <a:latin typeface="Lucida Console" panose="020B0609040504020204" pitchFamily="49" charset="0"/>
+              </a:rPr>
+              <a:t>myAccount</a:t>
+            </a:r>
+            <a:endParaRPr lang="en-GB" dirty="0">
+              <a:solidFill>
+                <a:schemeClr val="bg1"/>
+              </a:solidFill>
+              <a:latin typeface="Lucida Console" panose="020B0609040504020204" pitchFamily="49" charset="0"/>
+            </a:endParaRPr>
+          </a:p>
+        </p:txBody>
+      </p:sp>
+    </p:spTree>
+    <p:extLst>
+      <p:ext uri="{BB962C8B-B14F-4D97-AF65-F5344CB8AC3E}">
+        <p14:creationId xmlns:p14="http://schemas.microsoft.com/office/powerpoint/2010/main" val="948690967"/>
       </p:ext>
     </p:extLst>
   </p:cSld>
@@ -18010,12 +18479,6 @@
               </a:rPr>
               <a:t>/stats</a:t>
             </a:r>
-            <a:endParaRPr lang="en-GB" sz="3600" b="1" dirty="0" smtClean="0">
-              <a:solidFill>
-                <a:schemeClr val="bg1"/>
-              </a:solidFill>
-              <a:latin typeface="Lucida Console" panose="020B0609040504020204" pitchFamily="49" charset="0"/>
-            </a:endParaRPr>
           </a:p>
           <a:p>
             <a:pPr marL="571500" indent="-571500">
@@ -18179,8 +18642,8 @@
         </p:nvSpPr>
         <p:spPr>
           <a:xfrm>
-            <a:off x="949569" y="1242646"/>
-            <a:ext cx="8124092" cy="4524315"/>
+            <a:off x="949568" y="1242646"/>
+            <a:ext cx="10622321" cy="3416320"/>
           </a:xfrm>
           <a:prstGeom prst="rect">
             <a:avLst/>
@@ -18226,13 +18689,13 @@
               <a:t>Text based </a:t>
             </a:r>
             <a:r>
-              <a:rPr lang="en-GB" sz="3600" dirty="0" err="1" smtClean="0">
+              <a:rPr lang="en-GB" sz="3600" dirty="0" smtClean="0">
                 <a:solidFill>
                   <a:schemeClr val="bg1"/>
                 </a:solidFill>
                 <a:latin typeface="Lucida Console" panose="020B0609040504020204" pitchFamily="49" charset="0"/>
               </a:rPr>
-              <a:t>rpg</a:t>
+              <a:t>role-playing game</a:t>
             </a:r>
             <a:endParaRPr lang="en-GB" sz="3600" dirty="0" smtClean="0">
               <a:solidFill>
@@ -18253,7 +18716,25 @@
                 </a:solidFill>
                 <a:latin typeface="Lucida Console" panose="020B0609040504020204" pitchFamily="49" charset="0"/>
               </a:rPr>
-              <a:t>Providing a story with multiple branches and outcomes</a:t>
+              <a:t>Providing a story </a:t>
+            </a:r>
+            <a:r>
+              <a:rPr lang="en-GB" sz="3600" dirty="0" smtClean="0">
+                <a:solidFill>
+                  <a:schemeClr val="bg1"/>
+                </a:solidFill>
+                <a:latin typeface="Lucida Console" panose="020B0609040504020204" pitchFamily="49" charset="0"/>
+              </a:rPr>
+              <a:t>with multiple </a:t>
+            </a:r>
+            <a:r>
+              <a:rPr lang="en-GB" sz="3600" dirty="0" smtClean="0">
+                <a:solidFill>
+                  <a:schemeClr val="bg1"/>
+                </a:solidFill>
+                <a:latin typeface="Lucida Console" panose="020B0609040504020204" pitchFamily="49" charset="0"/>
+              </a:rPr>
+              <a:t>branches and outcomes</a:t>
             </a:r>
           </a:p>
           <a:p>
@@ -19349,6 +19830,58 @@
           </a:p>
         </p:txBody>
       </p:sp>
+      <p:sp>
+        <p:nvSpPr>
+          <p:cNvPr id="10" name="TextBox 9"/>
+          <p:cNvSpPr txBox="1"/>
+          <p:nvPr/>
+        </p:nvSpPr>
+        <p:spPr>
+          <a:xfrm>
+            <a:off x="823286" y="5034487"/>
+            <a:ext cx="9061939" cy="1015663"/>
+          </a:xfrm>
+          <a:prstGeom prst="rect">
+            <a:avLst/>
+          </a:prstGeom>
+          <a:noFill/>
+        </p:spPr>
+        <p:txBody>
+          <a:bodyPr wrap="square" rtlCol="0">
+            <a:spAutoFit/>
+          </a:bodyPr>
+          <a:lstStyle/>
+          <a:p>
+            <a:pPr marL="571500" indent="-571500">
+              <a:buFont typeface="Arial" panose="020B0604020202020204" pitchFamily="34" charset="0"/>
+              <a:buChar char="•"/>
+            </a:pPr>
+            <a:r>
+              <a:rPr lang="en-GB" sz="2400" dirty="0" smtClean="0">
+                <a:solidFill>
+                  <a:schemeClr val="bg1"/>
+                </a:solidFill>
+                <a:latin typeface="Lucida Console" panose="020B0609040504020204" pitchFamily="49" charset="0"/>
+              </a:rPr>
+              <a:t>No External Services.</a:t>
+            </a:r>
+            <a:endParaRPr lang="en-GB" sz="2400" dirty="0" smtClean="0">
+              <a:solidFill>
+                <a:schemeClr val="bg1"/>
+              </a:solidFill>
+              <a:latin typeface="Lucida Console" panose="020B0609040504020204" pitchFamily="49" charset="0"/>
+            </a:endParaRPr>
+          </a:p>
+          <a:p>
+            <a:endParaRPr lang="en-GB" sz="3600" b="1" dirty="0" smtClean="0">
+              <a:solidFill>
+                <a:schemeClr val="bg1"/>
+              </a:solidFill>
+              <a:latin typeface="Lucida Console" panose="020B0609040504020204" pitchFamily="49" charset="0"/>
+            </a:endParaRPr>
+          </a:p>
+        </p:txBody>
+      </p:sp>
     </p:spTree>
     <p:extLst>
       <p:ext uri="{BB962C8B-B14F-4D97-AF65-F5344CB8AC3E}">
@@ -19448,12 +19981,6 @@
               </a:rPr>
               <a:t>ER Diagram</a:t>
             </a:r>
-            <a:endParaRPr lang="en-GB" sz="3600" b="1" dirty="0" smtClean="0">
-              <a:solidFill>
-                <a:schemeClr val="bg1"/>
-              </a:solidFill>
-              <a:latin typeface="Lucida Console" panose="020B0609040504020204" pitchFamily="49" charset="0"/>
-            </a:endParaRPr>
           </a:p>
           <a:p>
             <a:endParaRPr lang="en-GB" sz="3600" b="1" dirty="0" smtClean="0">
@@ -19489,6 +20016,433 @@
           </a:prstGeom>
         </p:spPr>
       </p:pic>
+      <p:graphicFrame>
+        <p:nvGraphicFramePr>
+          <p:cNvPr id="3" name="Table 2"/>
+          <p:cNvGraphicFramePr>
+            <a:graphicFrameLocks noGrp="1"/>
+          </p:cNvGraphicFramePr>
+          <p:nvPr>
+            <p:extLst>
+              <p:ext uri="{D42A27DB-BD31-4B8C-83A1-F6EECF244321}">
+                <p14:modId xmlns:p14="http://schemas.microsoft.com/office/powerpoint/2010/main" val="1946145201"/>
+              </p:ext>
+            </p:extLst>
+          </p:nvPr>
+        </p:nvGraphicFramePr>
+        <p:xfrm>
+          <a:off x="7880863" y="1691733"/>
+          <a:ext cx="4053634" cy="3774345"/>
+        </p:xfrm>
+        <a:graphic>
+          <a:graphicData uri="http://schemas.openxmlformats.org/drawingml/2006/table">
+            <a:tbl>
+              <a:tblPr firstRow="1" bandRow="1">
+                <a:tableStyleId>{5C22544A-7EE6-4342-B048-85BDC9FD1C3A}</a:tableStyleId>
+              </a:tblPr>
+              <a:tblGrid>
+                <a:gridCol w="2026817"/>
+                <a:gridCol w="2026817"/>
+              </a:tblGrid>
+              <a:tr h="425391">
+                <a:tc>
+                  <a:txBody>
+                    <a:bodyPr/>
+                    <a:lstStyle/>
+                    <a:p>
+                      <a:r>
+                        <a:rPr lang="en-GB" dirty="0" smtClean="0"/>
+                        <a:t>Field</a:t>
+                      </a:r>
+                      <a:endParaRPr lang="en-GB" dirty="0"/>
+                    </a:p>
+                  </a:txBody>
+                  <a:tcPr>
+                    <a:noFill/>
+                  </a:tcPr>
+                </a:tc>
+                <a:tc>
+                  <a:txBody>
+                    <a:bodyPr/>
+                    <a:lstStyle/>
+                    <a:p>
+                      <a:r>
+                        <a:rPr lang="en-GB" dirty="0" smtClean="0"/>
+                        <a:t>Type</a:t>
+                      </a:r>
+                      <a:endParaRPr lang="en-GB" dirty="0"/>
+                    </a:p>
+                  </a:txBody>
+                  <a:tcPr>
+                    <a:noFill/>
+                  </a:tcPr>
+                </a:tc>
+              </a:tr>
+              <a:tr h="451479">
+                <a:tc>
+                  <a:txBody>
+                    <a:bodyPr/>
+                    <a:lstStyle/>
+                    <a:p>
+                      <a:r>
+                        <a:rPr lang="en-GB" dirty="0" smtClean="0">
+                          <a:solidFill>
+                            <a:schemeClr val="bg1"/>
+                          </a:solidFill>
+                        </a:rPr>
+                        <a:t>Social score</a:t>
+                      </a:r>
+                    </a:p>
+                  </a:txBody>
+                  <a:tcPr>
+                    <a:noFill/>
+                  </a:tcPr>
+                </a:tc>
+                <a:tc>
+                  <a:txBody>
+                    <a:bodyPr/>
+                    <a:lstStyle/>
+                    <a:p>
+                      <a:r>
+                        <a:rPr lang="en-GB" dirty="0" smtClean="0">
+                          <a:solidFill>
+                            <a:schemeClr val="bg1"/>
+                          </a:solidFill>
+                        </a:rPr>
+                        <a:t>Integer</a:t>
+                      </a:r>
+                      <a:endParaRPr lang="en-GB" dirty="0">
+                        <a:solidFill>
+                          <a:schemeClr val="bg1"/>
+                        </a:solidFill>
+                      </a:endParaRPr>
+                    </a:p>
+                  </a:txBody>
+                  <a:tcPr>
+                    <a:noFill/>
+                  </a:tcPr>
+                </a:tc>
+              </a:tr>
+              <a:tr h="451479">
+                <a:tc>
+                  <a:txBody>
+                    <a:bodyPr/>
+                    <a:lstStyle/>
+                    <a:p>
+                      <a:r>
+                        <a:rPr lang="en-GB" dirty="0" smtClean="0">
+                          <a:solidFill>
+                            <a:schemeClr val="bg1"/>
+                          </a:solidFill>
+                        </a:rPr>
+                        <a:t>Academic Score</a:t>
+                      </a:r>
+                      <a:endParaRPr lang="en-GB" dirty="0">
+                        <a:solidFill>
+                          <a:schemeClr val="bg1"/>
+                        </a:solidFill>
+                      </a:endParaRPr>
+                    </a:p>
+                  </a:txBody>
+                  <a:tcPr>
+                    <a:noFill/>
+                  </a:tcPr>
+                </a:tc>
+                <a:tc>
+                  <a:txBody>
+                    <a:bodyPr/>
+                    <a:lstStyle/>
+                    <a:p>
+                      <a:r>
+                        <a:rPr lang="en-GB" dirty="0" smtClean="0">
+                          <a:solidFill>
+                            <a:schemeClr val="bg1"/>
+                          </a:solidFill>
+                        </a:rPr>
+                        <a:t>Integer</a:t>
+                      </a:r>
+                      <a:endParaRPr lang="en-GB" dirty="0">
+                        <a:solidFill>
+                          <a:schemeClr val="bg1"/>
+                        </a:solidFill>
+                      </a:endParaRPr>
+                    </a:p>
+                  </a:txBody>
+                  <a:tcPr>
+                    <a:noFill/>
+                  </a:tcPr>
+                </a:tc>
+              </a:tr>
+              <a:tr h="451479">
+                <a:tc>
+                  <a:txBody>
+                    <a:bodyPr/>
+                    <a:lstStyle/>
+                    <a:p>
+                      <a:r>
+                        <a:rPr lang="en-GB" dirty="0" smtClean="0">
+                          <a:solidFill>
+                            <a:schemeClr val="bg1"/>
+                          </a:solidFill>
+                        </a:rPr>
+                        <a:t>Username</a:t>
+                      </a:r>
+                      <a:endParaRPr lang="en-GB" dirty="0">
+                        <a:solidFill>
+                          <a:schemeClr val="bg1"/>
+                        </a:solidFill>
+                      </a:endParaRPr>
+                    </a:p>
+                  </a:txBody>
+                  <a:tcPr>
+                    <a:noFill/>
+                  </a:tcPr>
+                </a:tc>
+                <a:tc>
+                  <a:txBody>
+                    <a:bodyPr/>
+                    <a:lstStyle/>
+                    <a:p>
+                      <a:r>
+                        <a:rPr lang="en-GB" dirty="0" smtClean="0">
+                          <a:solidFill>
+                            <a:schemeClr val="bg1"/>
+                          </a:solidFill>
+                        </a:rPr>
+                        <a:t>Char</a:t>
+                      </a:r>
+                      <a:r>
+                        <a:rPr lang="en-GB" baseline="0" dirty="0" smtClean="0">
+                          <a:solidFill>
+                            <a:schemeClr val="bg1"/>
+                          </a:solidFill>
+                        </a:rPr>
+                        <a:t> (20)</a:t>
+                      </a:r>
+                      <a:endParaRPr lang="en-GB" dirty="0">
+                        <a:solidFill>
+                          <a:schemeClr val="bg1"/>
+                        </a:solidFill>
+                      </a:endParaRPr>
+                    </a:p>
+                  </a:txBody>
+                  <a:tcPr>
+                    <a:noFill/>
+                  </a:tcPr>
+                </a:tc>
+              </a:tr>
+              <a:tr h="451479">
+                <a:tc>
+                  <a:txBody>
+                    <a:bodyPr/>
+                    <a:lstStyle/>
+                    <a:p>
+                      <a:r>
+                        <a:rPr lang="en-GB" dirty="0" smtClean="0">
+                          <a:solidFill>
+                            <a:schemeClr val="bg1"/>
+                          </a:solidFill>
+                        </a:rPr>
+                        <a:t>Password</a:t>
+                      </a:r>
+                      <a:endParaRPr lang="en-GB" dirty="0">
+                        <a:solidFill>
+                          <a:schemeClr val="bg1"/>
+                        </a:solidFill>
+                      </a:endParaRPr>
+                    </a:p>
+                  </a:txBody>
+                  <a:tcPr>
+                    <a:noFill/>
+                  </a:tcPr>
+                </a:tc>
+                <a:tc>
+                  <a:txBody>
+                    <a:bodyPr/>
+                    <a:lstStyle/>
+                    <a:p>
+                      <a:r>
+                        <a:rPr lang="en-GB" dirty="0" smtClean="0">
+                          <a:solidFill>
+                            <a:schemeClr val="bg1"/>
+                          </a:solidFill>
+                        </a:rPr>
+                        <a:t>Char (128), password</a:t>
+                      </a:r>
+                      <a:r>
+                        <a:rPr lang="en-GB" baseline="0" dirty="0" smtClean="0">
+                          <a:solidFill>
+                            <a:schemeClr val="bg1"/>
+                          </a:solidFill>
+                        </a:rPr>
+                        <a:t> format</a:t>
+                      </a:r>
+                      <a:endParaRPr lang="en-GB" dirty="0">
+                        <a:solidFill>
+                          <a:schemeClr val="bg1"/>
+                        </a:solidFill>
+                      </a:endParaRPr>
+                    </a:p>
+                  </a:txBody>
+                  <a:tcPr>
+                    <a:noFill/>
+                  </a:tcPr>
+                </a:tc>
+              </a:tr>
+              <a:tr h="451479">
+                <a:tc>
+                  <a:txBody>
+                    <a:bodyPr/>
+                    <a:lstStyle/>
+                    <a:p>
+                      <a:r>
+                        <a:rPr lang="en-GB" dirty="0" smtClean="0">
+                          <a:solidFill>
+                            <a:schemeClr val="bg1"/>
+                          </a:solidFill>
+                        </a:rPr>
+                        <a:t>Email Address</a:t>
+                      </a:r>
+                      <a:endParaRPr lang="en-GB" dirty="0">
+                        <a:solidFill>
+                          <a:schemeClr val="bg1"/>
+                        </a:solidFill>
+                      </a:endParaRPr>
+                    </a:p>
+                  </a:txBody>
+                  <a:tcPr>
+                    <a:noFill/>
+                  </a:tcPr>
+                </a:tc>
+                <a:tc>
+                  <a:txBody>
+                    <a:bodyPr/>
+                    <a:lstStyle/>
+                    <a:p>
+                      <a:r>
+                        <a:rPr lang="en-GB" dirty="0" smtClean="0">
+                          <a:solidFill>
+                            <a:schemeClr val="bg1"/>
+                          </a:solidFill>
+                        </a:rPr>
+                        <a:t>Char (50)</a:t>
+                      </a:r>
+                      <a:endParaRPr lang="en-GB" dirty="0">
+                        <a:solidFill>
+                          <a:schemeClr val="bg1"/>
+                        </a:solidFill>
+                      </a:endParaRPr>
+                    </a:p>
+                  </a:txBody>
+                  <a:tcPr>
+                    <a:noFill/>
+                  </a:tcPr>
+                </a:tc>
+              </a:tr>
+              <a:tr h="451479">
+                <a:tc>
+                  <a:txBody>
+                    <a:bodyPr/>
+                    <a:lstStyle/>
+                    <a:p>
+                      <a:r>
+                        <a:rPr lang="en-GB" dirty="0" smtClean="0">
+                          <a:solidFill>
+                            <a:schemeClr val="bg1"/>
+                          </a:solidFill>
+                        </a:rPr>
+                        <a:t>Status</a:t>
+                      </a:r>
+                      <a:endParaRPr lang="en-GB" dirty="0">
+                        <a:solidFill>
+                          <a:schemeClr val="bg1"/>
+                        </a:solidFill>
+                      </a:endParaRPr>
+                    </a:p>
+                  </a:txBody>
+                  <a:tcPr>
+                    <a:noFill/>
+                  </a:tcPr>
+                </a:tc>
+                <a:tc>
+                  <a:txBody>
+                    <a:bodyPr/>
+                    <a:lstStyle/>
+                    <a:p>
+                      <a:r>
+                        <a:rPr lang="en-GB" dirty="0" smtClean="0">
+                          <a:solidFill>
+                            <a:schemeClr val="bg1"/>
+                          </a:solidFill>
+                        </a:rPr>
+                        <a:t>Integer </a:t>
+                      </a:r>
+                      <a:endParaRPr lang="en-GB" dirty="0">
+                        <a:solidFill>
+                          <a:schemeClr val="bg1"/>
+                        </a:solidFill>
+                      </a:endParaRPr>
+                    </a:p>
+                  </a:txBody>
+                  <a:tcPr>
+                    <a:noFill/>
+                  </a:tcPr>
+                </a:tc>
+              </a:tr>
+              <a:tr h="451479">
+                <a:tc>
+                  <a:txBody>
+                    <a:bodyPr/>
+                    <a:lstStyle/>
+                    <a:p>
+                      <a:r>
+                        <a:rPr lang="en-GB" dirty="0" smtClean="0">
+                          <a:solidFill>
+                            <a:schemeClr val="bg1"/>
+                          </a:solidFill>
+                        </a:rPr>
+                        <a:t>Question No.</a:t>
+                      </a:r>
+                      <a:endParaRPr lang="en-GB" dirty="0">
+                        <a:solidFill>
+                          <a:schemeClr val="bg1"/>
+                        </a:solidFill>
+                      </a:endParaRPr>
+                    </a:p>
+                  </a:txBody>
+                  <a:tcPr>
+                    <a:noFill/>
+                  </a:tcPr>
+                </a:tc>
+                <a:tc>
+                  <a:txBody>
+                    <a:bodyPr/>
+                    <a:lstStyle/>
+                    <a:p>
+                      <a:r>
+                        <a:rPr lang="en-GB" dirty="0" smtClean="0">
+                          <a:solidFill>
+                            <a:schemeClr val="bg1"/>
+                          </a:solidFill>
+                        </a:rPr>
+                        <a:t>Integer</a:t>
+                      </a:r>
+                      <a:endParaRPr lang="en-GB" dirty="0">
+                        <a:solidFill>
+                          <a:schemeClr val="bg1"/>
+                        </a:solidFill>
+                      </a:endParaRPr>
+                    </a:p>
+                  </a:txBody>
+                  <a:tcPr>
+                    <a:noFill/>
+                  </a:tcPr>
+                </a:tc>
+              </a:tr>
+            </a:tbl>
+          </a:graphicData>
+        </a:graphic>
+      </p:graphicFrame>
     </p:spTree>
     <p:extLst>
       <p:ext uri="{BB962C8B-B14F-4D97-AF65-F5344CB8AC3E}">
@@ -19559,24 +20513,19 @@
       </p:pic>
       <p:sp>
         <p:nvSpPr>
-          <p:cNvPr id="3" name="TextBox 2"/>
+          <p:cNvPr id="35" name="TextBox 34"/>
           <p:cNvSpPr txBox="1"/>
           <p:nvPr/>
         </p:nvSpPr>
         <p:spPr>
           <a:xfrm>
-            <a:off x="4009292" y="1500553"/>
-            <a:ext cx="1922585" cy="646331"/>
+            <a:off x="412209" y="113479"/>
+            <a:ext cx="9334501" cy="646331"/>
           </a:xfrm>
           <a:prstGeom prst="rect">
             <a:avLst/>
           </a:prstGeom>
           <a:noFill/>
-          <a:ln>
-            <a:solidFill>
-              <a:schemeClr val="bg1"/>
-            </a:solidFill>
-          </a:ln>
         </p:spPr>
         <p:txBody>
           <a:bodyPr wrap="square" rtlCol="0">
@@ -19585,191 +20534,56 @@
           <a:lstStyle/>
           <a:p>
             <a:r>
-              <a:rPr lang="en-GB" dirty="0" smtClean="0">
+              <a:rPr lang="en-GB" sz="3600" b="1" dirty="0" smtClean="0">
                 <a:solidFill>
                   <a:schemeClr val="bg1"/>
                 </a:solidFill>
                 <a:latin typeface="Lucida Console" panose="020B0609040504020204" pitchFamily="49" charset="0"/>
               </a:rPr>
-              <a:t>Home Page(index)</a:t>
+              <a:t>Wireframe: Home</a:t>
             </a:r>
-            <a:endParaRPr lang="en-GB" dirty="0">
-              <a:solidFill>
-                <a:schemeClr val="bg1"/>
-              </a:solidFill>
-              <a:latin typeface="Lucida Console" panose="020B0609040504020204" pitchFamily="49" charset="0"/>
-            </a:endParaRPr>
           </a:p>
         </p:txBody>
       </p:sp>
-      <p:sp>
-        <p:nvSpPr>
-          <p:cNvPr id="6" name="TextBox 5"/>
-          <p:cNvSpPr txBox="1"/>
+      <p:pic>
+        <p:nvPicPr>
+          <p:cNvPr id="2" name="Picture 1"/>
+          <p:cNvPicPr>
+            <a:picLocks noChangeAspect="1"/>
+          </p:cNvPicPr>
           <p:nvPr/>
-        </p:nvSpPr>
+        </p:nvPicPr>
+        <p:blipFill>
+          <a:blip r:embed="rId4"/>
+          <a:stretch>
+            <a:fillRect/>
+          </a:stretch>
+        </p:blipFill>
         <p:spPr>
           <a:xfrm>
-            <a:off x="3094891" y="3115434"/>
-            <a:ext cx="1922585" cy="369332"/>
+            <a:off x="1870867" y="1058828"/>
+            <a:ext cx="8598132" cy="5200423"/>
           </a:xfrm>
           <a:prstGeom prst="rect">
             <a:avLst/>
           </a:prstGeom>
-          <a:noFill/>
-          <a:ln>
-            <a:solidFill>
-              <a:schemeClr val="bg1"/>
-            </a:solidFill>
-          </a:ln>
         </p:spPr>
-        <p:txBody>
-          <a:bodyPr wrap="square" rtlCol="0">
-            <a:spAutoFit/>
-          </a:bodyPr>
-          <a:lstStyle/>
-          <a:p>
-            <a:r>
-              <a:rPr lang="en-GB" dirty="0" smtClean="0">
-                <a:solidFill>
-                  <a:schemeClr val="bg1"/>
-                </a:solidFill>
-                <a:latin typeface="Lucida Console" panose="020B0609040504020204" pitchFamily="49" charset="0"/>
-              </a:rPr>
-              <a:t>Help</a:t>
-            </a:r>
-            <a:endParaRPr lang="en-GB" dirty="0">
-              <a:solidFill>
-                <a:schemeClr val="bg1"/>
-              </a:solidFill>
-              <a:latin typeface="Lucida Console" panose="020B0609040504020204" pitchFamily="49" charset="0"/>
-            </a:endParaRPr>
-          </a:p>
-        </p:txBody>
-      </p:sp>
-      <p:sp>
-        <p:nvSpPr>
-          <p:cNvPr id="7" name="TextBox 6"/>
-          <p:cNvSpPr txBox="1"/>
-          <p:nvPr/>
-        </p:nvSpPr>
-        <p:spPr>
-          <a:xfrm>
-            <a:off x="5639551" y="3115434"/>
-            <a:ext cx="2508737" cy="369332"/>
-          </a:xfrm>
-          <a:prstGeom prst="rect">
-            <a:avLst/>
-          </a:prstGeom>
-          <a:noFill/>
-          <a:ln>
-            <a:solidFill>
-              <a:schemeClr val="bg1"/>
-            </a:solidFill>
-          </a:ln>
-        </p:spPr>
-        <p:txBody>
-          <a:bodyPr wrap="square" rtlCol="0">
-            <a:spAutoFit/>
-          </a:bodyPr>
-          <a:lstStyle/>
-          <a:p>
-            <a:r>
-              <a:rPr lang="en-GB" dirty="0" smtClean="0">
-                <a:solidFill>
-                  <a:schemeClr val="bg1"/>
-                </a:solidFill>
-                <a:latin typeface="Lucida Console" panose="020B0609040504020204" pitchFamily="49" charset="0"/>
-              </a:rPr>
-              <a:t>Stats (</a:t>
-            </a:r>
-            <a:r>
-              <a:rPr lang="en-GB" dirty="0" err="1" smtClean="0">
-                <a:solidFill>
-                  <a:schemeClr val="bg1"/>
-                </a:solidFill>
-                <a:latin typeface="Lucida Console" panose="020B0609040504020204" pitchFamily="49" charset="0"/>
-              </a:rPr>
-              <a:t>hivemind</a:t>
-            </a:r>
-            <a:r>
-              <a:rPr lang="en-GB" dirty="0" smtClean="0">
-                <a:solidFill>
-                  <a:schemeClr val="bg1"/>
-                </a:solidFill>
-                <a:latin typeface="Lucida Console" panose="020B0609040504020204" pitchFamily="49" charset="0"/>
-              </a:rPr>
-              <a:t>)</a:t>
-            </a:r>
-            <a:endParaRPr lang="en-GB" dirty="0">
-              <a:solidFill>
-                <a:schemeClr val="bg1"/>
-              </a:solidFill>
-              <a:latin typeface="Lucida Console" panose="020B0609040504020204" pitchFamily="49" charset="0"/>
-            </a:endParaRPr>
-          </a:p>
-        </p:txBody>
-      </p:sp>
-      <p:sp>
-        <p:nvSpPr>
-          <p:cNvPr id="9" name="TextBox 8"/>
-          <p:cNvSpPr txBox="1"/>
-          <p:nvPr/>
-        </p:nvSpPr>
-        <p:spPr>
-          <a:xfrm>
-            <a:off x="128952" y="3115434"/>
-            <a:ext cx="1922585" cy="369332"/>
-          </a:xfrm>
-          <a:prstGeom prst="rect">
-            <a:avLst/>
-          </a:prstGeom>
-          <a:noFill/>
-          <a:ln>
-            <a:solidFill>
-              <a:schemeClr val="bg1"/>
-            </a:solidFill>
-          </a:ln>
-        </p:spPr>
-        <p:txBody>
-          <a:bodyPr wrap="square" rtlCol="0">
-            <a:spAutoFit/>
-          </a:bodyPr>
-          <a:lstStyle/>
-          <a:p>
-            <a:r>
-              <a:rPr lang="en-GB" dirty="0" smtClean="0">
-                <a:solidFill>
-                  <a:schemeClr val="bg1"/>
-                </a:solidFill>
-                <a:latin typeface="Lucida Console" panose="020B0609040504020204" pitchFamily="49" charset="0"/>
-              </a:rPr>
-              <a:t>Play</a:t>
-            </a:r>
-            <a:endParaRPr lang="en-GB" dirty="0">
-              <a:solidFill>
-                <a:schemeClr val="bg1"/>
-              </a:solidFill>
-              <a:latin typeface="Lucida Console" panose="020B0609040504020204" pitchFamily="49" charset="0"/>
-            </a:endParaRPr>
-          </a:p>
-        </p:txBody>
-      </p:sp>
+      </p:pic>
       <p:cxnSp>
         <p:nvCxnSpPr>
-          <p:cNvPr id="12" name="Straight Connector 11"/>
+          <p:cNvPr id="4" name="Straight Connector 3"/>
           <p:cNvCxnSpPr/>
           <p:nvPr/>
         </p:nvCxnSpPr>
         <p:spPr>
-          <a:xfrm flipH="1">
-            <a:off x="4858327" y="2130695"/>
-            <a:ext cx="18473" cy="667923"/>
+          <a:xfrm>
+            <a:off x="0" y="961292"/>
+            <a:ext cx="12192000" cy="0"/>
           </a:xfrm>
           <a:prstGeom prst="line">
             <a:avLst/>
           </a:prstGeom>
-          <a:ln w="38100">
+          <a:ln w="19050">
             <a:solidFill>
               <a:schemeClr val="bg1"/>
             </a:solidFill>
@@ -19790,363 +20604,10 @@
           </a:fontRef>
         </p:style>
       </p:cxnSp>
-      <p:cxnSp>
-        <p:nvCxnSpPr>
-          <p:cNvPr id="16" name="Straight Connector 15"/>
-          <p:cNvCxnSpPr/>
-          <p:nvPr/>
-        </p:nvCxnSpPr>
-        <p:spPr>
-          <a:xfrm>
-            <a:off x="869084" y="2743614"/>
-            <a:ext cx="10029059" cy="47671"/>
-          </a:xfrm>
-          <a:prstGeom prst="line">
-            <a:avLst/>
-          </a:prstGeom>
-          <a:ln w="38100">
-            <a:solidFill>
-              <a:schemeClr val="bg1"/>
-            </a:solidFill>
-          </a:ln>
-        </p:spPr>
-        <p:style>
-          <a:lnRef idx="1">
-            <a:schemeClr val="accent1"/>
-          </a:lnRef>
-          <a:fillRef idx="0">
-            <a:schemeClr val="accent1"/>
-          </a:fillRef>
-          <a:effectRef idx="0">
-            <a:schemeClr val="accent1"/>
-          </a:effectRef>
-          <a:fontRef idx="minor">
-            <a:schemeClr val="tx1"/>
-          </a:fontRef>
-        </p:style>
-      </p:cxnSp>
-      <p:cxnSp>
-        <p:nvCxnSpPr>
-          <p:cNvPr id="23" name="Straight Connector 22"/>
-          <p:cNvCxnSpPr/>
-          <p:nvPr/>
-        </p:nvCxnSpPr>
-        <p:spPr>
-          <a:xfrm>
-            <a:off x="869084" y="2761673"/>
-            <a:ext cx="0" cy="353761"/>
-          </a:xfrm>
-          <a:prstGeom prst="line">
-            <a:avLst/>
-          </a:prstGeom>
-          <a:ln w="38100">
-            <a:solidFill>
-              <a:schemeClr val="bg1"/>
-            </a:solidFill>
-          </a:ln>
-        </p:spPr>
-        <p:style>
-          <a:lnRef idx="1">
-            <a:schemeClr val="accent1"/>
-          </a:lnRef>
-          <a:fillRef idx="0">
-            <a:schemeClr val="accent1"/>
-          </a:fillRef>
-          <a:effectRef idx="0">
-            <a:schemeClr val="accent1"/>
-          </a:effectRef>
-          <a:fontRef idx="minor">
-            <a:schemeClr val="tx1"/>
-          </a:fontRef>
-        </p:style>
-      </p:cxnSp>
-      <p:cxnSp>
-        <p:nvCxnSpPr>
-          <p:cNvPr id="27" name="Straight Connector 26"/>
-          <p:cNvCxnSpPr/>
-          <p:nvPr/>
-        </p:nvCxnSpPr>
-        <p:spPr>
-          <a:xfrm>
-            <a:off x="3972502" y="2761672"/>
-            <a:ext cx="0" cy="353761"/>
-          </a:xfrm>
-          <a:prstGeom prst="line">
-            <a:avLst/>
-          </a:prstGeom>
-          <a:ln w="38100">
-            <a:solidFill>
-              <a:schemeClr val="bg1"/>
-            </a:solidFill>
-          </a:ln>
-        </p:spPr>
-        <p:style>
-          <a:lnRef idx="1">
-            <a:schemeClr val="accent1"/>
-          </a:lnRef>
-          <a:fillRef idx="0">
-            <a:schemeClr val="accent1"/>
-          </a:fillRef>
-          <a:effectRef idx="0">
-            <a:schemeClr val="accent1"/>
-          </a:effectRef>
-          <a:fontRef idx="minor">
-            <a:schemeClr val="tx1"/>
-          </a:fontRef>
-        </p:style>
-      </p:cxnSp>
-      <p:cxnSp>
-        <p:nvCxnSpPr>
-          <p:cNvPr id="28" name="Straight Connector 27"/>
-          <p:cNvCxnSpPr/>
-          <p:nvPr/>
-        </p:nvCxnSpPr>
-        <p:spPr>
-          <a:xfrm>
-            <a:off x="6986568" y="2761672"/>
-            <a:ext cx="0" cy="353761"/>
-          </a:xfrm>
-          <a:prstGeom prst="line">
-            <a:avLst/>
-          </a:prstGeom>
-          <a:ln w="38100">
-            <a:solidFill>
-              <a:schemeClr val="bg1"/>
-            </a:solidFill>
-          </a:ln>
-        </p:spPr>
-        <p:style>
-          <a:lnRef idx="1">
-            <a:schemeClr val="accent1"/>
-          </a:lnRef>
-          <a:fillRef idx="0">
-            <a:schemeClr val="accent1"/>
-          </a:fillRef>
-          <a:effectRef idx="0">
-            <a:schemeClr val="accent1"/>
-          </a:effectRef>
-          <a:fontRef idx="minor">
-            <a:schemeClr val="tx1"/>
-          </a:fontRef>
-        </p:style>
-      </p:cxnSp>
-      <p:sp>
-        <p:nvSpPr>
-          <p:cNvPr id="35" name="TextBox 34"/>
-          <p:cNvSpPr txBox="1"/>
-          <p:nvPr/>
-        </p:nvSpPr>
-        <p:spPr>
-          <a:xfrm>
-            <a:off x="539261" y="716643"/>
-            <a:ext cx="9061939" cy="1754326"/>
-          </a:xfrm>
-          <a:prstGeom prst="rect">
-            <a:avLst/>
-          </a:prstGeom>
-          <a:noFill/>
-        </p:spPr>
-        <p:txBody>
-          <a:bodyPr wrap="square" rtlCol="0">
-            <a:spAutoFit/>
-          </a:bodyPr>
-          <a:lstStyle/>
-          <a:p>
-            <a:r>
-              <a:rPr lang="en-GB" sz="3600" b="1" dirty="0" smtClean="0">
-                <a:solidFill>
-                  <a:schemeClr val="bg1"/>
-                </a:solidFill>
-                <a:latin typeface="Lucida Console" panose="020B0609040504020204" pitchFamily="49" charset="0"/>
-              </a:rPr>
-              <a:t>Walkthrough:</a:t>
-            </a:r>
-          </a:p>
-          <a:p>
-            <a:r>
-              <a:rPr lang="en-GB" sz="3600" b="1" dirty="0" smtClean="0">
-                <a:solidFill>
-                  <a:schemeClr val="bg1"/>
-                </a:solidFill>
-                <a:latin typeface="Lucida Console" panose="020B0609040504020204" pitchFamily="49" charset="0"/>
-              </a:rPr>
-              <a:t>Site Map</a:t>
-            </a:r>
-          </a:p>
-          <a:p>
-            <a:endParaRPr lang="en-GB" sz="3600" b="1" dirty="0" smtClean="0">
-              <a:solidFill>
-                <a:schemeClr val="bg1"/>
-              </a:solidFill>
-              <a:latin typeface="Lucida Console" panose="020B0609040504020204" pitchFamily="49" charset="0"/>
-            </a:endParaRPr>
-          </a:p>
-        </p:txBody>
-      </p:sp>
-      <p:cxnSp>
-        <p:nvCxnSpPr>
-          <p:cNvPr id="19" name="Straight Connector 18"/>
-          <p:cNvCxnSpPr/>
-          <p:nvPr/>
-        </p:nvCxnSpPr>
-        <p:spPr>
-          <a:xfrm>
-            <a:off x="9460894" y="2806856"/>
-            <a:ext cx="0" cy="353761"/>
-          </a:xfrm>
-          <a:prstGeom prst="line">
-            <a:avLst/>
-          </a:prstGeom>
-          <a:ln w="38100">
-            <a:solidFill>
-              <a:schemeClr val="bg1"/>
-            </a:solidFill>
-          </a:ln>
-        </p:spPr>
-        <p:style>
-          <a:lnRef idx="1">
-            <a:schemeClr val="accent1"/>
-          </a:lnRef>
-          <a:fillRef idx="0">
-            <a:schemeClr val="accent1"/>
-          </a:fillRef>
-          <a:effectRef idx="0">
-            <a:schemeClr val="accent1"/>
-          </a:effectRef>
-          <a:fontRef idx="minor">
-            <a:schemeClr val="tx1"/>
-          </a:fontRef>
-        </p:style>
-      </p:cxnSp>
-      <p:sp>
-        <p:nvSpPr>
-          <p:cNvPr id="21" name="TextBox 20"/>
-          <p:cNvSpPr txBox="1"/>
-          <p:nvPr/>
-        </p:nvSpPr>
-        <p:spPr>
-          <a:xfrm>
-            <a:off x="8868144" y="3169746"/>
-            <a:ext cx="1337898" cy="646331"/>
-          </a:xfrm>
-          <a:prstGeom prst="rect">
-            <a:avLst/>
-          </a:prstGeom>
-          <a:noFill/>
-          <a:ln>
-            <a:solidFill>
-              <a:schemeClr val="bg1"/>
-            </a:solidFill>
-          </a:ln>
-        </p:spPr>
-        <p:txBody>
-          <a:bodyPr wrap="square" rtlCol="0">
-            <a:spAutoFit/>
-          </a:bodyPr>
-          <a:lstStyle/>
-          <a:p>
-            <a:r>
-              <a:rPr lang="en-GB" dirty="0" smtClean="0">
-                <a:solidFill>
-                  <a:schemeClr val="bg1"/>
-                </a:solidFill>
-                <a:latin typeface="Lucida Console" panose="020B0609040504020204" pitchFamily="49" charset="0"/>
-              </a:rPr>
-              <a:t>Create Account</a:t>
-            </a:r>
-            <a:endParaRPr lang="en-GB" dirty="0">
-              <a:solidFill>
-                <a:schemeClr val="bg1"/>
-              </a:solidFill>
-              <a:latin typeface="Lucida Console" panose="020B0609040504020204" pitchFamily="49" charset="0"/>
-            </a:endParaRPr>
-          </a:p>
-        </p:txBody>
-      </p:sp>
-      <p:cxnSp>
-        <p:nvCxnSpPr>
-          <p:cNvPr id="22" name="Straight Connector 21"/>
-          <p:cNvCxnSpPr/>
-          <p:nvPr/>
-        </p:nvCxnSpPr>
-        <p:spPr>
-          <a:xfrm>
-            <a:off x="10898143" y="2806856"/>
-            <a:ext cx="0" cy="353761"/>
-          </a:xfrm>
-          <a:prstGeom prst="line">
-            <a:avLst/>
-          </a:prstGeom>
-          <a:ln w="38100">
-            <a:solidFill>
-              <a:schemeClr val="bg1"/>
-            </a:solidFill>
-          </a:ln>
-        </p:spPr>
-        <p:style>
-          <a:lnRef idx="1">
-            <a:schemeClr val="accent1"/>
-          </a:lnRef>
-          <a:fillRef idx="0">
-            <a:schemeClr val="accent1"/>
-          </a:fillRef>
-          <a:effectRef idx="0">
-            <a:schemeClr val="accent1"/>
-          </a:effectRef>
-          <a:fontRef idx="minor">
-            <a:schemeClr val="tx1"/>
-          </a:fontRef>
-        </p:style>
-      </p:cxnSp>
-      <p:sp>
-        <p:nvSpPr>
-          <p:cNvPr id="24" name="TextBox 23"/>
-          <p:cNvSpPr txBox="1"/>
-          <p:nvPr/>
-        </p:nvSpPr>
-        <p:spPr>
-          <a:xfrm>
-            <a:off x="10305393" y="3160617"/>
-            <a:ext cx="1488832" cy="369332"/>
-          </a:xfrm>
-          <a:prstGeom prst="rect">
-            <a:avLst/>
-          </a:prstGeom>
-          <a:noFill/>
-          <a:ln>
-            <a:solidFill>
-              <a:schemeClr val="bg1"/>
-            </a:solidFill>
-          </a:ln>
-        </p:spPr>
-        <p:txBody>
-          <a:bodyPr wrap="square" rtlCol="0">
-            <a:spAutoFit/>
-          </a:bodyPr>
-          <a:lstStyle/>
-          <a:p>
-            <a:r>
-              <a:rPr lang="en-GB" dirty="0" err="1" smtClean="0">
-                <a:solidFill>
-                  <a:schemeClr val="bg1"/>
-                </a:solidFill>
-                <a:latin typeface="Lucida Console" panose="020B0609040504020204" pitchFamily="49" charset="0"/>
-              </a:rPr>
-              <a:t>myAccount</a:t>
-            </a:r>
-            <a:endParaRPr lang="en-GB" dirty="0">
-              <a:solidFill>
-                <a:schemeClr val="bg1"/>
-              </a:solidFill>
-              <a:latin typeface="Lucida Console" panose="020B0609040504020204" pitchFamily="49" charset="0"/>
-            </a:endParaRPr>
-          </a:p>
-        </p:txBody>
-      </p:sp>
     </p:spTree>
     <p:extLst>
       <p:ext uri="{BB962C8B-B14F-4D97-AF65-F5344CB8AC3E}">
-        <p14:creationId xmlns:p14="http://schemas.microsoft.com/office/powerpoint/2010/main" val="948690967"/>
+        <p14:creationId xmlns:p14="http://schemas.microsoft.com/office/powerpoint/2010/main" val="3269723814"/>
       </p:ext>
     </p:extLst>
   </p:cSld>
@@ -20240,41 +20701,11 @@
                 </a:solidFill>
                 <a:latin typeface="Lucida Console" panose="020B0609040504020204" pitchFamily="49" charset="0"/>
               </a:rPr>
-              <a:t>Wireframe: Home</a:t>
+              <a:t>Wireframe: Play</a:t>
             </a:r>
-            <a:endParaRPr lang="en-GB" sz="3600" b="1" dirty="0" smtClean="0">
-              <a:solidFill>
-                <a:schemeClr val="bg1"/>
-              </a:solidFill>
-              <a:latin typeface="Lucida Console" panose="020B0609040504020204" pitchFamily="49" charset="0"/>
-            </a:endParaRPr>
           </a:p>
         </p:txBody>
       </p:sp>
-      <p:pic>
-        <p:nvPicPr>
-          <p:cNvPr id="2" name="Picture 1"/>
-          <p:cNvPicPr>
-            <a:picLocks noChangeAspect="1"/>
-          </p:cNvPicPr>
-          <p:nvPr/>
-        </p:nvPicPr>
-        <p:blipFill>
-          <a:blip r:embed="rId4"/>
-          <a:stretch>
-            <a:fillRect/>
-          </a:stretch>
-        </p:blipFill>
-        <p:spPr>
-          <a:xfrm>
-            <a:off x="1870867" y="1058828"/>
-            <a:ext cx="8598132" cy="5200423"/>
-          </a:xfrm>
-          <a:prstGeom prst="rect">
-            <a:avLst/>
-          </a:prstGeom>
-        </p:spPr>
-      </p:pic>
       <p:cxnSp>
         <p:nvCxnSpPr>
           <p:cNvPr id="4" name="Straight Connector 3"/>
@@ -20310,10 +20741,34 @@
           </a:fontRef>
         </p:style>
       </p:cxnSp>
+      <p:pic>
+        <p:nvPicPr>
+          <p:cNvPr id="3" name="Picture 2"/>
+          <p:cNvPicPr>
+            <a:picLocks noChangeAspect="1"/>
+          </p:cNvPicPr>
+          <p:nvPr/>
+        </p:nvPicPr>
+        <p:blipFill>
+          <a:blip r:embed="rId4"/>
+          <a:stretch>
+            <a:fillRect/>
+          </a:stretch>
+        </p:blipFill>
+        <p:spPr>
+          <a:xfrm>
+            <a:off x="2523744" y="1265813"/>
+            <a:ext cx="6656832" cy="5336584"/>
+          </a:xfrm>
+          <a:prstGeom prst="rect">
+            <a:avLst/>
+          </a:prstGeom>
+        </p:spPr>
+      </p:pic>
     </p:spTree>
     <p:extLst>
       <p:ext uri="{BB962C8B-B14F-4D97-AF65-F5344CB8AC3E}">
-        <p14:creationId xmlns:p14="http://schemas.microsoft.com/office/powerpoint/2010/main" val="3269723814"/>
+        <p14:creationId xmlns:p14="http://schemas.microsoft.com/office/powerpoint/2010/main" val="1001785307"/>
       </p:ext>
     </p:extLst>
   </p:cSld>
